--- a/additional_scripts_and_materials/Statistical_models_in_R_DESeq2.pptx
+++ b/additional_scripts_and_materials/Statistical_models_in_R_DESeq2.pptx
@@ -1,51 +1,53 @@
 
 <file path=ppt/presentation.xml><?xml version="1.0" encoding="utf-8"?>
-<p:presentation xmlns:a="http://schemas.openxmlformats.org/drawingml/2006/main" xmlns:r="http://schemas.openxmlformats.org/officeDocument/2006/relationships" xmlns:p="http://schemas.openxmlformats.org/presentationml/2006/main" strictFirstAndLastChars="0" embedTrueTypeFonts="1" saveSubsetFonts="1" autoCompressPictures="0">
+<p:presentation xmlns:a="http://schemas.openxmlformats.org/drawingml/2006/main" xmlns:r="http://schemas.openxmlformats.org/officeDocument/2006/relationships" xmlns:p="http://schemas.openxmlformats.org/presentationml/2006/main" strictFirstAndLastChars="0" embedTrueTypeFonts="1" autoCompressPictures="0">
   <p:sldMasterIdLst>
     <p:sldMasterId id="2147483662" r:id="rId1"/>
   </p:sldMasterIdLst>
   <p:notesMasterIdLst>
-    <p:notesMasterId r:id="rId23"/>
+    <p:notesMasterId r:id="rId25"/>
   </p:notesMasterIdLst>
   <p:sldIdLst>
     <p:sldId id="256" r:id="rId2"/>
     <p:sldId id="257" r:id="rId3"/>
     <p:sldId id="258" r:id="rId4"/>
-    <p:sldId id="259" r:id="rId5"/>
-    <p:sldId id="260" r:id="rId6"/>
-    <p:sldId id="261" r:id="rId7"/>
-    <p:sldId id="262" r:id="rId8"/>
-    <p:sldId id="263" r:id="rId9"/>
-    <p:sldId id="264" r:id="rId10"/>
-    <p:sldId id="265" r:id="rId11"/>
-    <p:sldId id="266" r:id="rId12"/>
-    <p:sldId id="267" r:id="rId13"/>
-    <p:sldId id="269" r:id="rId14"/>
-    <p:sldId id="270" r:id="rId15"/>
-    <p:sldId id="271" r:id="rId16"/>
-    <p:sldId id="275" r:id="rId17"/>
-    <p:sldId id="278" r:id="rId18"/>
-    <p:sldId id="280" r:id="rId19"/>
-    <p:sldId id="282" r:id="rId20"/>
-    <p:sldId id="286" r:id="rId21"/>
-    <p:sldId id="287" r:id="rId22"/>
+    <p:sldId id="288" r:id="rId5"/>
+    <p:sldId id="289" r:id="rId6"/>
+    <p:sldId id="259" r:id="rId7"/>
+    <p:sldId id="260" r:id="rId8"/>
+    <p:sldId id="261" r:id="rId9"/>
+    <p:sldId id="262" r:id="rId10"/>
+    <p:sldId id="263" r:id="rId11"/>
+    <p:sldId id="264" r:id="rId12"/>
+    <p:sldId id="265" r:id="rId13"/>
+    <p:sldId id="266" r:id="rId14"/>
+    <p:sldId id="267" r:id="rId15"/>
+    <p:sldId id="269" r:id="rId16"/>
+    <p:sldId id="270" r:id="rId17"/>
+    <p:sldId id="271" r:id="rId18"/>
+    <p:sldId id="275" r:id="rId19"/>
+    <p:sldId id="278" r:id="rId20"/>
+    <p:sldId id="280" r:id="rId21"/>
+    <p:sldId id="282" r:id="rId22"/>
+    <p:sldId id="286" r:id="rId23"/>
+    <p:sldId id="287" r:id="rId24"/>
   </p:sldIdLst>
   <p:sldSz cx="9144000" cy="5143500" type="screen16x9"/>
   <p:notesSz cx="6858000" cy="9144000"/>
   <p:embeddedFontLst>
     <p:embeddedFont>
       <p:font typeface="Cabin" pitchFamily="2" charset="77"/>
-      <p:regular r:id="rId24"/>
-      <p:bold r:id="rId25"/>
-      <p:italic r:id="rId26"/>
-      <p:boldItalic r:id="rId27"/>
+      <p:regular r:id="rId26"/>
+      <p:bold r:id="rId27"/>
+      <p:italic r:id="rId28"/>
+      <p:boldItalic r:id="rId29"/>
     </p:embeddedFont>
     <p:embeddedFont>
       <p:font typeface="Playfair Display" pitchFamily="2" charset="77"/>
-      <p:regular r:id="rId28"/>
-      <p:bold r:id="rId29"/>
-      <p:italic r:id="rId30"/>
-      <p:boldItalic r:id="rId31"/>
+      <p:regular r:id="rId30"/>
+      <p:bold r:id="rId31"/>
+      <p:italic r:id="rId32"/>
+      <p:boldItalic r:id="rId33"/>
     </p:embeddedFont>
   </p:embeddedFontLst>
   <p:defaultTextStyle>
@@ -9360,6 +9362,2295 @@
   <p:cSld>
     <p:spTree>
       <p:nvGrpSpPr>
+        <p:cNvPr id="1" name="Shape 167"/>
+        <p:cNvGrpSpPr/>
+        <p:nvPr/>
+      </p:nvGrpSpPr>
+      <p:grpSpPr>
+        <a:xfrm>
+          <a:off x="0" y="0"/>
+          <a:ext cx="0" cy="0"/>
+          <a:chOff x="0" y="0"/>
+          <a:chExt cx="0" cy="0"/>
+        </a:xfrm>
+      </p:grpSpPr>
+      <p:pic>
+        <p:nvPicPr>
+          <p:cNvPr id="168" name="Google Shape;168;p23"/>
+          <p:cNvPicPr preferRelativeResize="0"/>
+          <p:nvPr/>
+        </p:nvPicPr>
+        <p:blipFill>
+          <a:blip r:embed="rId3">
+            <a:alphaModFix/>
+          </a:blip>
+          <a:stretch>
+            <a:fillRect/>
+          </a:stretch>
+        </p:blipFill>
+        <p:spPr>
+          <a:xfrm>
+            <a:off x="194013" y="2033925"/>
+            <a:ext cx="2361979" cy="1873525"/>
+          </a:xfrm>
+          <a:prstGeom prst="rect">
+            <a:avLst/>
+          </a:prstGeom>
+          <a:noFill/>
+          <a:ln>
+            <a:noFill/>
+          </a:ln>
+        </p:spPr>
+      </p:pic>
+      <p:sp>
+        <p:nvSpPr>
+          <p:cNvPr id="169" name="Google Shape;169;p23"/>
+          <p:cNvSpPr txBox="1"/>
+          <p:nvPr/>
+        </p:nvSpPr>
+        <p:spPr>
+          <a:xfrm>
+            <a:off x="631638" y="2698525"/>
+            <a:ext cx="437700" cy="400200"/>
+          </a:xfrm>
+          <a:prstGeom prst="rect">
+            <a:avLst/>
+          </a:prstGeom>
+          <a:noFill/>
+          <a:ln>
+            <a:noFill/>
+          </a:ln>
+        </p:spPr>
+        <p:txBody>
+          <a:bodyPr spcFirstLastPara="1" wrap="square" lIns="91425" tIns="91425" rIns="91425" bIns="91425" anchor="t" anchorCtr="0">
+            <a:spAutoFit/>
+          </a:bodyPr>
+          <a:lstStyle/>
+          <a:p>
+            <a:pPr marL="0" lvl="0" indent="0" algn="l" rtl="0">
+              <a:lnSpc>
+                <a:spcPct val="115000"/>
+              </a:lnSpc>
+              <a:spcBef>
+                <a:spcPts val="0"/>
+              </a:spcBef>
+              <a:spcAft>
+                <a:spcPts val="0"/>
+              </a:spcAft>
+              <a:buNone/>
+            </a:pPr>
+            <a:r>
+              <a:rPr lang="en-GB">
+                <a:solidFill>
+                  <a:schemeClr val="dk1"/>
+                </a:solidFill>
+                <a:latin typeface="Cabin"/>
+                <a:ea typeface="Cabin"/>
+                <a:cs typeface="Cabin"/>
+                <a:sym typeface="Cabin"/>
+              </a:rPr>
+              <a:t>𝛽</a:t>
+            </a:r>
+            <a:r>
+              <a:rPr lang="en-GB" baseline="-25000">
+                <a:solidFill>
+                  <a:schemeClr val="dk1"/>
+                </a:solidFill>
+                <a:latin typeface="Cabin"/>
+                <a:ea typeface="Cabin"/>
+                <a:cs typeface="Cabin"/>
+                <a:sym typeface="Cabin"/>
+              </a:rPr>
+              <a:t>0</a:t>
+            </a:r>
+            <a:endParaRPr/>
+          </a:p>
+        </p:txBody>
+      </p:sp>
+      <p:cxnSp>
+        <p:nvCxnSpPr>
+          <p:cNvPr id="170" name="Google Shape;170;p23"/>
+          <p:cNvCxnSpPr/>
+          <p:nvPr/>
+        </p:nvCxnSpPr>
+        <p:spPr>
+          <a:xfrm>
+            <a:off x="1024322" y="2878325"/>
+            <a:ext cx="867600" cy="0"/>
+          </a:xfrm>
+          <a:prstGeom prst="straightConnector1">
+            <a:avLst/>
+          </a:prstGeom>
+          <a:noFill/>
+          <a:ln w="19050" cap="flat" cmpd="sng">
+            <a:solidFill>
+              <a:schemeClr val="dk1"/>
+            </a:solidFill>
+            <a:prstDash val="dash"/>
+            <a:round/>
+            <a:headEnd type="none" w="med" len="med"/>
+            <a:tailEnd type="none" w="med" len="med"/>
+          </a:ln>
+        </p:spPr>
+      </p:cxnSp>
+      <p:cxnSp>
+        <p:nvCxnSpPr>
+          <p:cNvPr id="171" name="Google Shape;171;p23"/>
+          <p:cNvCxnSpPr/>
+          <p:nvPr/>
+        </p:nvCxnSpPr>
+        <p:spPr>
+          <a:xfrm rot="10800000">
+            <a:off x="1901738" y="2769125"/>
+            <a:ext cx="0" cy="109200"/>
+          </a:xfrm>
+          <a:prstGeom prst="straightConnector1">
+            <a:avLst/>
+          </a:prstGeom>
+          <a:noFill/>
+          <a:ln w="9525" cap="flat" cmpd="sng">
+            <a:solidFill>
+              <a:schemeClr val="dk1"/>
+            </a:solidFill>
+            <a:prstDash val="solid"/>
+            <a:round/>
+            <a:headEnd type="none" w="med" len="med"/>
+            <a:tailEnd type="stealth" w="med" len="med"/>
+          </a:ln>
+        </p:spPr>
+      </p:cxnSp>
+      <p:sp>
+        <p:nvSpPr>
+          <p:cNvPr id="172" name="Google Shape;172;p23"/>
+          <p:cNvSpPr txBox="1"/>
+          <p:nvPr/>
+        </p:nvSpPr>
+        <p:spPr>
+          <a:xfrm>
+            <a:off x="1608621" y="2525026"/>
+            <a:ext cx="437700" cy="400200"/>
+          </a:xfrm>
+          <a:prstGeom prst="rect">
+            <a:avLst/>
+          </a:prstGeom>
+          <a:noFill/>
+          <a:ln>
+            <a:noFill/>
+          </a:ln>
+        </p:spPr>
+        <p:txBody>
+          <a:bodyPr spcFirstLastPara="1" wrap="square" lIns="91425" tIns="91425" rIns="91425" bIns="91425" anchor="t" anchorCtr="0">
+            <a:spAutoFit/>
+          </a:bodyPr>
+          <a:lstStyle/>
+          <a:p>
+            <a:pPr marL="0" lvl="0" indent="0" algn="l" rtl="0">
+              <a:lnSpc>
+                <a:spcPct val="115000"/>
+              </a:lnSpc>
+              <a:spcBef>
+                <a:spcPts val="0"/>
+              </a:spcBef>
+              <a:spcAft>
+                <a:spcPts val="0"/>
+              </a:spcAft>
+              <a:buNone/>
+            </a:pPr>
+            <a:r>
+              <a:rPr lang="en-GB">
+                <a:solidFill>
+                  <a:schemeClr val="dk1"/>
+                </a:solidFill>
+                <a:latin typeface="Cabin"/>
+                <a:ea typeface="Cabin"/>
+                <a:cs typeface="Cabin"/>
+                <a:sym typeface="Cabin"/>
+              </a:rPr>
+              <a:t>𝛽</a:t>
+            </a:r>
+            <a:r>
+              <a:rPr lang="en-GB" baseline="-25000">
+                <a:solidFill>
+                  <a:schemeClr val="dk1"/>
+                </a:solidFill>
+                <a:latin typeface="Cabin"/>
+                <a:ea typeface="Cabin"/>
+                <a:cs typeface="Cabin"/>
+                <a:sym typeface="Cabin"/>
+              </a:rPr>
+              <a:t>1</a:t>
+            </a:r>
+            <a:endParaRPr/>
+          </a:p>
+        </p:txBody>
+      </p:sp>
+      <p:sp>
+        <p:nvSpPr>
+          <p:cNvPr id="173" name="Google Shape;173;p23"/>
+          <p:cNvSpPr txBox="1">
+            <a:spLocks noGrp="1"/>
+          </p:cNvSpPr>
+          <p:nvPr>
+            <p:ph type="title"/>
+          </p:nvPr>
+        </p:nvSpPr>
+        <p:spPr>
+          <a:xfrm>
+            <a:off x="76200" y="0"/>
+            <a:ext cx="8520600" cy="572700"/>
+          </a:xfrm>
+          <a:prstGeom prst="rect">
+            <a:avLst/>
+          </a:prstGeom>
+        </p:spPr>
+        <p:txBody>
+          <a:bodyPr spcFirstLastPara="1" wrap="square" lIns="91425" tIns="91425" rIns="91425" bIns="91425" anchor="t" anchorCtr="0">
+            <a:noAutofit/>
+          </a:bodyPr>
+          <a:lstStyle/>
+          <a:p>
+            <a:pPr marL="0" lvl="0" indent="0" algn="l" rtl="0">
+              <a:spcBef>
+                <a:spcPts val="0"/>
+              </a:spcBef>
+              <a:spcAft>
+                <a:spcPts val="0"/>
+              </a:spcAft>
+              <a:buNone/>
+            </a:pPr>
+            <a:r>
+              <a:rPr lang="en-GB">
+                <a:solidFill>
+                  <a:srgbClr val="666666"/>
+                </a:solidFill>
+              </a:rPr>
+              <a:t>Linear Models in R |</a:t>
+            </a:r>
+            <a:r>
+              <a:rPr lang="en-GB"/>
+              <a:t> Null Hypothesis Testing</a:t>
+            </a:r>
+            <a:endParaRPr/>
+          </a:p>
+        </p:txBody>
+      </p:sp>
+      <p:sp>
+        <p:nvSpPr>
+          <p:cNvPr id="174" name="Google Shape;174;p23"/>
+          <p:cNvSpPr txBox="1"/>
+          <p:nvPr/>
+        </p:nvSpPr>
+        <p:spPr>
+          <a:xfrm>
+            <a:off x="233850" y="868200"/>
+            <a:ext cx="2497500" cy="1046700"/>
+          </a:xfrm>
+          <a:prstGeom prst="rect">
+            <a:avLst/>
+          </a:prstGeom>
+          <a:noFill/>
+          <a:ln>
+            <a:noFill/>
+          </a:ln>
+        </p:spPr>
+        <p:txBody>
+          <a:bodyPr spcFirstLastPara="1" wrap="square" lIns="91425" tIns="91425" rIns="91425" bIns="91425" anchor="t" anchorCtr="0">
+            <a:spAutoFit/>
+          </a:bodyPr>
+          <a:lstStyle/>
+          <a:p>
+            <a:pPr marL="0" lvl="0" indent="0" algn="l" rtl="0">
+              <a:spcBef>
+                <a:spcPts val="0"/>
+              </a:spcBef>
+              <a:spcAft>
+                <a:spcPts val="0"/>
+              </a:spcAft>
+              <a:buNone/>
+            </a:pPr>
+            <a:r>
+              <a:rPr lang="en-GB" b="1">
+                <a:latin typeface="Cabin"/>
+                <a:ea typeface="Cabin"/>
+                <a:cs typeface="Cabin"/>
+                <a:sym typeface="Cabin"/>
+              </a:rPr>
+              <a:t>How compatible is my data with a “boring” hypothesis?</a:t>
+            </a:r>
+            <a:endParaRPr b="1">
+              <a:latin typeface="Cabin"/>
+              <a:ea typeface="Cabin"/>
+              <a:cs typeface="Cabin"/>
+              <a:sym typeface="Cabin"/>
+            </a:endParaRPr>
+          </a:p>
+          <a:p>
+            <a:pPr marL="0" lvl="0" indent="0" algn="l" rtl="0">
+              <a:spcBef>
+                <a:spcPts val="0"/>
+              </a:spcBef>
+              <a:spcAft>
+                <a:spcPts val="0"/>
+              </a:spcAft>
+              <a:buNone/>
+            </a:pPr>
+            <a:endParaRPr b="1">
+              <a:latin typeface="Cabin"/>
+              <a:ea typeface="Cabin"/>
+              <a:cs typeface="Cabin"/>
+              <a:sym typeface="Cabin"/>
+            </a:endParaRPr>
+          </a:p>
+          <a:p>
+            <a:pPr marL="0" lvl="0" indent="0" algn="l" rtl="0">
+              <a:spcBef>
+                <a:spcPts val="0"/>
+              </a:spcBef>
+              <a:spcAft>
+                <a:spcPts val="0"/>
+              </a:spcAft>
+              <a:buNone/>
+            </a:pPr>
+            <a:r>
+              <a:rPr lang="en-GB">
+                <a:latin typeface="Cabin"/>
+                <a:ea typeface="Cabin"/>
+                <a:cs typeface="Cabin"/>
+                <a:sym typeface="Cabin"/>
+              </a:rPr>
+              <a:t>Null hypothesis:  </a:t>
+            </a:r>
+            <a:r>
+              <a:rPr lang="en-GB">
+                <a:solidFill>
+                  <a:schemeClr val="dk1"/>
+                </a:solidFill>
+                <a:latin typeface="Cabin"/>
+                <a:ea typeface="Cabin"/>
+                <a:cs typeface="Cabin"/>
+                <a:sym typeface="Cabin"/>
+              </a:rPr>
+              <a:t>𝛽</a:t>
+            </a:r>
+            <a:r>
+              <a:rPr lang="en-GB" baseline="-25000">
+                <a:solidFill>
+                  <a:schemeClr val="dk1"/>
+                </a:solidFill>
+                <a:latin typeface="Cabin"/>
+                <a:ea typeface="Cabin"/>
+                <a:cs typeface="Cabin"/>
+                <a:sym typeface="Cabin"/>
+              </a:rPr>
+              <a:t>1</a:t>
+            </a:r>
+            <a:r>
+              <a:rPr lang="en-GB">
+                <a:solidFill>
+                  <a:schemeClr val="dk1"/>
+                </a:solidFill>
+                <a:latin typeface="Cabin"/>
+                <a:ea typeface="Cabin"/>
+                <a:cs typeface="Cabin"/>
+                <a:sym typeface="Cabin"/>
+              </a:rPr>
+              <a:t> = 0</a:t>
+            </a:r>
+            <a:endParaRPr>
+              <a:latin typeface="Cabin"/>
+              <a:ea typeface="Cabin"/>
+              <a:cs typeface="Cabin"/>
+              <a:sym typeface="Cabin"/>
+            </a:endParaRPr>
+          </a:p>
+        </p:txBody>
+      </p:sp>
+      <p:sp>
+        <p:nvSpPr>
+          <p:cNvPr id="175" name="Google Shape;175;p23"/>
+          <p:cNvSpPr txBox="1"/>
+          <p:nvPr/>
+        </p:nvSpPr>
+        <p:spPr>
+          <a:xfrm>
+            <a:off x="3048575" y="2798600"/>
+            <a:ext cx="4932300" cy="1887000"/>
+          </a:xfrm>
+          <a:prstGeom prst="rect">
+            <a:avLst/>
+          </a:prstGeom>
+          <a:noFill/>
+          <a:ln>
+            <a:noFill/>
+          </a:ln>
+        </p:spPr>
+        <p:txBody>
+          <a:bodyPr spcFirstLastPara="1" wrap="square" lIns="91425" tIns="91425" rIns="91425" bIns="91425" anchor="t" anchorCtr="0">
+            <a:spAutoFit/>
+          </a:bodyPr>
+          <a:lstStyle/>
+          <a:p>
+            <a:pPr marL="0" lvl="0" indent="0" algn="l" rtl="0">
+              <a:lnSpc>
+                <a:spcPct val="115000"/>
+              </a:lnSpc>
+              <a:spcBef>
+                <a:spcPts val="0"/>
+              </a:spcBef>
+              <a:spcAft>
+                <a:spcPts val="0"/>
+              </a:spcAft>
+              <a:buNone/>
+            </a:pPr>
+            <a:r>
+              <a:rPr lang="en-GB">
+                <a:solidFill>
+                  <a:schemeClr val="dk1"/>
+                </a:solidFill>
+                <a:latin typeface="Cabin"/>
+                <a:ea typeface="Cabin"/>
+                <a:cs typeface="Cabin"/>
+                <a:sym typeface="Cabin"/>
+              </a:rPr>
+              <a:t>Test statistic:    𝛽</a:t>
+            </a:r>
+            <a:r>
+              <a:rPr lang="en-GB" baseline="-25000">
+                <a:solidFill>
+                  <a:schemeClr val="dk1"/>
+                </a:solidFill>
+                <a:latin typeface="Cabin"/>
+                <a:ea typeface="Cabin"/>
+                <a:cs typeface="Cabin"/>
+                <a:sym typeface="Cabin"/>
+              </a:rPr>
+              <a:t>1</a:t>
+            </a:r>
+            <a:r>
+              <a:rPr lang="en-GB">
+                <a:solidFill>
+                  <a:schemeClr val="dk1"/>
+                </a:solidFill>
+                <a:latin typeface="Cabin"/>
+                <a:ea typeface="Cabin"/>
+                <a:cs typeface="Cabin"/>
+                <a:sym typeface="Cabin"/>
+              </a:rPr>
+              <a:t> / σ</a:t>
+            </a:r>
+            <a:r>
+              <a:rPr lang="en-GB" baseline="-25000">
+                <a:solidFill>
+                  <a:schemeClr val="dk1"/>
+                </a:solidFill>
+                <a:latin typeface="Cabin"/>
+                <a:ea typeface="Cabin"/>
+                <a:cs typeface="Cabin"/>
+                <a:sym typeface="Cabin"/>
+              </a:rPr>
+              <a:t>𝛽1</a:t>
+            </a:r>
+            <a:endParaRPr>
+              <a:solidFill>
+                <a:schemeClr val="dk1"/>
+              </a:solidFill>
+              <a:latin typeface="Cabin"/>
+              <a:ea typeface="Cabin"/>
+              <a:cs typeface="Cabin"/>
+              <a:sym typeface="Cabin"/>
+            </a:endParaRPr>
+          </a:p>
+          <a:p>
+            <a:pPr marL="0" lvl="0" indent="0" algn="l" rtl="0">
+              <a:lnSpc>
+                <a:spcPct val="115000"/>
+              </a:lnSpc>
+              <a:spcBef>
+                <a:spcPts val="0"/>
+              </a:spcBef>
+              <a:spcAft>
+                <a:spcPts val="0"/>
+              </a:spcAft>
+              <a:buNone/>
+            </a:pPr>
+            <a:endParaRPr>
+              <a:solidFill>
+                <a:schemeClr val="dk1"/>
+              </a:solidFill>
+              <a:latin typeface="Cabin"/>
+              <a:ea typeface="Cabin"/>
+              <a:cs typeface="Cabin"/>
+              <a:sym typeface="Cabin"/>
+            </a:endParaRPr>
+          </a:p>
+          <a:p>
+            <a:pPr marL="0" lvl="0" indent="0" algn="l" rtl="0">
+              <a:lnSpc>
+                <a:spcPct val="115000"/>
+              </a:lnSpc>
+              <a:spcBef>
+                <a:spcPts val="0"/>
+              </a:spcBef>
+              <a:spcAft>
+                <a:spcPts val="0"/>
+              </a:spcAft>
+              <a:buNone/>
+            </a:pPr>
+            <a:r>
+              <a:rPr lang="en-GB">
+                <a:solidFill>
+                  <a:schemeClr val="dk1"/>
+                </a:solidFill>
+                <a:latin typeface="Cabin"/>
+                <a:ea typeface="Cabin"/>
+                <a:cs typeface="Cabin"/>
+                <a:sym typeface="Cabin"/>
+              </a:rPr>
+              <a:t>(our estimate divided by the uncertainty in that estimate)</a:t>
+            </a:r>
+            <a:endParaRPr>
+              <a:solidFill>
+                <a:schemeClr val="dk1"/>
+              </a:solidFill>
+              <a:latin typeface="Cabin"/>
+              <a:ea typeface="Cabin"/>
+              <a:cs typeface="Cabin"/>
+              <a:sym typeface="Cabin"/>
+            </a:endParaRPr>
+          </a:p>
+          <a:p>
+            <a:pPr marL="0" lvl="0" indent="0" algn="l" rtl="0">
+              <a:lnSpc>
+                <a:spcPct val="115000"/>
+              </a:lnSpc>
+              <a:spcBef>
+                <a:spcPts val="0"/>
+              </a:spcBef>
+              <a:spcAft>
+                <a:spcPts val="0"/>
+              </a:spcAft>
+              <a:buNone/>
+            </a:pPr>
+            <a:endParaRPr>
+              <a:solidFill>
+                <a:schemeClr val="dk1"/>
+              </a:solidFill>
+              <a:latin typeface="Cabin"/>
+              <a:ea typeface="Cabin"/>
+              <a:cs typeface="Cabin"/>
+              <a:sym typeface="Cabin"/>
+            </a:endParaRPr>
+          </a:p>
+          <a:p>
+            <a:pPr marL="0" lvl="0" indent="0" algn="l" rtl="0">
+              <a:lnSpc>
+                <a:spcPct val="115000"/>
+              </a:lnSpc>
+              <a:spcBef>
+                <a:spcPts val="0"/>
+              </a:spcBef>
+              <a:spcAft>
+                <a:spcPts val="0"/>
+              </a:spcAft>
+              <a:buNone/>
+            </a:pPr>
+            <a:r>
+              <a:rPr lang="en-GB">
+                <a:solidFill>
+                  <a:schemeClr val="dk1"/>
+                </a:solidFill>
+                <a:latin typeface="Cabin"/>
+                <a:ea typeface="Cabin"/>
+                <a:cs typeface="Cabin"/>
+                <a:sym typeface="Cabin"/>
+              </a:rPr>
+              <a:t>P-value calculated from the test statistic</a:t>
+            </a:r>
+            <a:endParaRPr>
+              <a:solidFill>
+                <a:schemeClr val="dk1"/>
+              </a:solidFill>
+              <a:latin typeface="Cabin"/>
+              <a:ea typeface="Cabin"/>
+              <a:cs typeface="Cabin"/>
+              <a:sym typeface="Cabin"/>
+            </a:endParaRPr>
+          </a:p>
+          <a:p>
+            <a:pPr marL="457200" lvl="0" indent="-317500" algn="l" rtl="0">
+              <a:lnSpc>
+                <a:spcPct val="115000"/>
+              </a:lnSpc>
+              <a:spcBef>
+                <a:spcPts val="0"/>
+              </a:spcBef>
+              <a:spcAft>
+                <a:spcPts val="0"/>
+              </a:spcAft>
+              <a:buClr>
+                <a:schemeClr val="dk1"/>
+              </a:buClr>
+              <a:buSzPts val="1400"/>
+              <a:buFont typeface="Cabin"/>
+              <a:buChar char="●"/>
+            </a:pPr>
+            <a:r>
+              <a:rPr lang="en-GB">
+                <a:solidFill>
+                  <a:schemeClr val="dk1"/>
+                </a:solidFill>
+                <a:latin typeface="Cabin"/>
+                <a:ea typeface="Cabin"/>
+                <a:cs typeface="Cabin"/>
+                <a:sym typeface="Cabin"/>
+              </a:rPr>
+              <a:t>Low p-value indicates that the data are not very compatible with the null hypothesis.</a:t>
+            </a:r>
+            <a:endParaRPr>
+              <a:solidFill>
+                <a:schemeClr val="dk1"/>
+              </a:solidFill>
+              <a:latin typeface="Cabin"/>
+              <a:ea typeface="Cabin"/>
+              <a:cs typeface="Cabin"/>
+              <a:sym typeface="Cabin"/>
+            </a:endParaRPr>
+          </a:p>
+        </p:txBody>
+      </p:sp>
+      <p:sp>
+        <p:nvSpPr>
+          <p:cNvPr id="176" name="Google Shape;176;p23"/>
+          <p:cNvSpPr txBox="1"/>
+          <p:nvPr/>
+        </p:nvSpPr>
+        <p:spPr>
+          <a:xfrm>
+            <a:off x="5556575" y="771300"/>
+            <a:ext cx="3072900" cy="1391400"/>
+          </a:xfrm>
+          <a:prstGeom prst="rect">
+            <a:avLst/>
+          </a:prstGeom>
+          <a:noFill/>
+          <a:ln>
+            <a:noFill/>
+          </a:ln>
+        </p:spPr>
+        <p:txBody>
+          <a:bodyPr spcFirstLastPara="1" wrap="square" lIns="91425" tIns="91425" rIns="91425" bIns="91425" anchor="t" anchorCtr="0">
+            <a:spAutoFit/>
+          </a:bodyPr>
+          <a:lstStyle/>
+          <a:p>
+            <a:pPr marL="0" lvl="0" indent="0" algn="l" rtl="0">
+              <a:lnSpc>
+                <a:spcPct val="115000"/>
+              </a:lnSpc>
+              <a:spcBef>
+                <a:spcPts val="0"/>
+              </a:spcBef>
+              <a:spcAft>
+                <a:spcPts val="0"/>
+              </a:spcAft>
+              <a:buNone/>
+            </a:pPr>
+            <a:r>
+              <a:rPr lang="en-GB" dirty="0">
+                <a:latin typeface="Cabin"/>
+                <a:ea typeface="Cabin"/>
+                <a:cs typeface="Cabin"/>
+                <a:sym typeface="Cabin"/>
+              </a:rPr>
+              <a:t>Model: </a:t>
+            </a:r>
+            <a:endParaRPr dirty="0">
+              <a:latin typeface="Cabin"/>
+              <a:ea typeface="Cabin"/>
+              <a:cs typeface="Cabin"/>
+              <a:sym typeface="Cabin"/>
+            </a:endParaRPr>
+          </a:p>
+          <a:p>
+            <a:pPr lvl="0" indent="457200">
+              <a:lnSpc>
+                <a:spcPct val="115000"/>
+              </a:lnSpc>
+            </a:pPr>
+            <a:r>
+              <a:rPr lang="en-GB" dirty="0">
+                <a:latin typeface="Cabin"/>
+                <a:ea typeface="Cabin"/>
+                <a:cs typeface="Cabin"/>
+                <a:sym typeface="Cabin"/>
+              </a:rPr>
+              <a:t>Y = </a:t>
+            </a:r>
+            <a:r>
+              <a:rPr lang="en-GB" dirty="0">
+                <a:solidFill>
+                  <a:schemeClr val="dk1"/>
+                </a:solidFill>
+                <a:latin typeface="Cabin"/>
+                <a:ea typeface="Cabin"/>
+                <a:cs typeface="Cabin"/>
+                <a:sym typeface="Cabin"/>
+              </a:rPr>
+              <a:t>𝛽</a:t>
+            </a:r>
+            <a:r>
+              <a:rPr lang="en-GB" baseline="-25000" dirty="0">
+                <a:solidFill>
+                  <a:schemeClr val="dk1"/>
+                </a:solidFill>
+                <a:latin typeface="Cabin"/>
+                <a:ea typeface="Cabin"/>
+                <a:cs typeface="Cabin"/>
+                <a:sym typeface="Cabin"/>
+              </a:rPr>
+              <a:t>0</a:t>
+            </a:r>
+            <a:r>
+              <a:rPr lang="en-GB" dirty="0">
+                <a:solidFill>
+                  <a:schemeClr val="dk1"/>
+                </a:solidFill>
+                <a:latin typeface="Cabin"/>
+                <a:ea typeface="Cabin"/>
+                <a:cs typeface="Cabin"/>
+                <a:sym typeface="Cabin"/>
+              </a:rPr>
+              <a:t> + 𝛽</a:t>
+            </a:r>
+            <a:r>
+              <a:rPr lang="en-GB" baseline="-25000" dirty="0">
+                <a:solidFill>
+                  <a:schemeClr val="dk1"/>
+                </a:solidFill>
+                <a:latin typeface="Cabin"/>
+                <a:ea typeface="Cabin"/>
+                <a:cs typeface="Cabin"/>
+                <a:sym typeface="Cabin"/>
+              </a:rPr>
+              <a:t>1</a:t>
+            </a:r>
+            <a:r>
+              <a:rPr lang="en-GB" baseline="30000" dirty="0">
+                <a:solidFill>
+                  <a:schemeClr val="dk1"/>
+                </a:solidFill>
+                <a:latin typeface="Cabin"/>
+                <a:ea typeface="Cabin"/>
+                <a:cs typeface="Cabin"/>
+                <a:sym typeface="Cabin"/>
+              </a:rPr>
+              <a:t> </a:t>
+            </a:r>
+            <a:r>
+              <a:rPr lang="en-GB" b="1" dirty="0">
+                <a:solidFill>
+                  <a:srgbClr val="A64D79"/>
+                </a:solidFill>
+                <a:latin typeface="Cabin"/>
+                <a:ea typeface="Cabin"/>
+                <a:cs typeface="Cabin"/>
+                <a:sym typeface="Cabin"/>
+              </a:rPr>
+              <a:t>X</a:t>
+            </a:r>
+            <a:r>
+              <a:rPr lang="en-GB" b="1" baseline="-25000" dirty="0">
+                <a:solidFill>
+                  <a:srgbClr val="A64D79"/>
+                </a:solidFill>
+                <a:latin typeface="Cabin"/>
+                <a:ea typeface="Cabin"/>
+                <a:cs typeface="Cabin"/>
+                <a:sym typeface="Cabin"/>
+              </a:rPr>
+              <a:t>B </a:t>
+            </a:r>
+            <a:r>
+              <a:rPr lang="en-GB" dirty="0">
+                <a:solidFill>
+                  <a:schemeClr val="dk1"/>
+                </a:solidFill>
+                <a:latin typeface="Cabin"/>
+                <a:ea typeface="Cabin"/>
+                <a:cs typeface="Cabin"/>
+                <a:sym typeface="Cabin"/>
+              </a:rPr>
+              <a:t>+ 𝞊</a:t>
+            </a:r>
+            <a:endParaRPr b="1" baseline="-25000" dirty="0">
+              <a:solidFill>
+                <a:srgbClr val="A64D79"/>
+              </a:solidFill>
+              <a:latin typeface="Cabin"/>
+              <a:ea typeface="Cabin"/>
+              <a:cs typeface="Cabin"/>
+              <a:sym typeface="Cabin"/>
+            </a:endParaRPr>
+          </a:p>
+          <a:p>
+            <a:pPr marL="0" lvl="0" indent="457200" algn="l" rtl="0">
+              <a:lnSpc>
+                <a:spcPct val="115000"/>
+              </a:lnSpc>
+              <a:spcBef>
+                <a:spcPts val="0"/>
+              </a:spcBef>
+              <a:spcAft>
+                <a:spcPts val="0"/>
+              </a:spcAft>
+              <a:buNone/>
+            </a:pPr>
+            <a:endParaRPr baseline="-25000" dirty="0">
+              <a:solidFill>
+                <a:schemeClr val="dk1"/>
+              </a:solidFill>
+              <a:latin typeface="Cabin"/>
+              <a:ea typeface="Cabin"/>
+              <a:cs typeface="Cabin"/>
+              <a:sym typeface="Cabin"/>
+            </a:endParaRPr>
+          </a:p>
+          <a:p>
+            <a:pPr marL="0" lvl="0" indent="0" algn="l" rtl="0">
+              <a:lnSpc>
+                <a:spcPct val="115000"/>
+              </a:lnSpc>
+              <a:spcBef>
+                <a:spcPts val="0"/>
+              </a:spcBef>
+              <a:spcAft>
+                <a:spcPts val="0"/>
+              </a:spcAft>
+              <a:buNone/>
+            </a:pPr>
+            <a:r>
+              <a:rPr lang="en-GB" dirty="0">
+                <a:solidFill>
+                  <a:schemeClr val="dk1"/>
+                </a:solidFill>
+                <a:latin typeface="Cabin"/>
+                <a:ea typeface="Cabin"/>
+                <a:cs typeface="Cabin"/>
+                <a:sym typeface="Cabin"/>
+              </a:rPr>
+              <a:t>𝛽</a:t>
+            </a:r>
+            <a:r>
+              <a:rPr lang="en-GB" baseline="-25000" dirty="0">
+                <a:solidFill>
+                  <a:schemeClr val="dk1"/>
+                </a:solidFill>
+                <a:latin typeface="Cabin"/>
+                <a:ea typeface="Cabin"/>
+                <a:cs typeface="Cabin"/>
+                <a:sym typeface="Cabin"/>
+              </a:rPr>
+              <a:t>0</a:t>
+            </a:r>
+            <a:r>
+              <a:rPr lang="en-GB" dirty="0">
+                <a:solidFill>
+                  <a:schemeClr val="dk1"/>
+                </a:solidFill>
+                <a:latin typeface="Cabin"/>
+                <a:ea typeface="Cabin"/>
+                <a:cs typeface="Cabin"/>
+                <a:sym typeface="Cabin"/>
+              </a:rPr>
+              <a:t> = </a:t>
+            </a:r>
+            <a:r>
+              <a:rPr lang="en-GB" i="1" dirty="0">
+                <a:solidFill>
+                  <a:schemeClr val="dk1"/>
+                </a:solidFill>
+                <a:latin typeface="Cabin"/>
+                <a:ea typeface="Cabin"/>
+                <a:cs typeface="Cabin"/>
+                <a:sym typeface="Cabin"/>
+              </a:rPr>
+              <a:t>average of the reference group</a:t>
+            </a:r>
+            <a:endParaRPr i="1" dirty="0">
+              <a:solidFill>
+                <a:schemeClr val="dk1"/>
+              </a:solidFill>
+              <a:latin typeface="Cabin"/>
+              <a:ea typeface="Cabin"/>
+              <a:cs typeface="Cabin"/>
+              <a:sym typeface="Cabin"/>
+            </a:endParaRPr>
+          </a:p>
+          <a:p>
+            <a:pPr marL="0" lvl="0" indent="0" algn="l" rtl="0">
+              <a:lnSpc>
+                <a:spcPct val="115000"/>
+              </a:lnSpc>
+              <a:spcBef>
+                <a:spcPts val="0"/>
+              </a:spcBef>
+              <a:spcAft>
+                <a:spcPts val="0"/>
+              </a:spcAft>
+              <a:buNone/>
+            </a:pPr>
+            <a:r>
+              <a:rPr lang="en-GB" dirty="0">
+                <a:solidFill>
+                  <a:schemeClr val="dk1"/>
+                </a:solidFill>
+                <a:latin typeface="Cabin"/>
+                <a:ea typeface="Cabin"/>
+                <a:cs typeface="Cabin"/>
+                <a:sym typeface="Cabin"/>
+              </a:rPr>
+              <a:t>𝛽</a:t>
+            </a:r>
+            <a:r>
+              <a:rPr lang="en-GB" baseline="-25000" dirty="0">
+                <a:solidFill>
+                  <a:schemeClr val="dk1"/>
+                </a:solidFill>
+                <a:latin typeface="Cabin"/>
+                <a:ea typeface="Cabin"/>
+                <a:cs typeface="Cabin"/>
+                <a:sym typeface="Cabin"/>
+              </a:rPr>
+              <a:t>1</a:t>
+            </a:r>
+            <a:r>
+              <a:rPr lang="en-GB" dirty="0">
+                <a:solidFill>
+                  <a:schemeClr val="dk1"/>
+                </a:solidFill>
+                <a:latin typeface="Cabin"/>
+                <a:ea typeface="Cabin"/>
+                <a:cs typeface="Cabin"/>
+                <a:sym typeface="Cabin"/>
+              </a:rPr>
+              <a:t> = </a:t>
+            </a:r>
+            <a:r>
+              <a:rPr lang="en-GB" b="1" i="1" dirty="0">
+                <a:solidFill>
+                  <a:schemeClr val="dk1"/>
+                </a:solidFill>
+                <a:latin typeface="Cabin"/>
+                <a:ea typeface="Cabin"/>
+                <a:cs typeface="Cabin"/>
+                <a:sym typeface="Cabin"/>
+              </a:rPr>
+              <a:t>difference</a:t>
+            </a:r>
+            <a:r>
+              <a:rPr lang="en-GB" dirty="0">
+                <a:solidFill>
+                  <a:schemeClr val="dk1"/>
+                </a:solidFill>
+                <a:latin typeface="Cabin"/>
+                <a:ea typeface="Cabin"/>
+                <a:cs typeface="Cabin"/>
+                <a:sym typeface="Cabin"/>
+              </a:rPr>
+              <a:t> to the reference group</a:t>
+            </a:r>
+            <a:endParaRPr dirty="0">
+              <a:solidFill>
+                <a:schemeClr val="dk1"/>
+              </a:solidFill>
+              <a:latin typeface="Cabin"/>
+              <a:ea typeface="Cabin"/>
+              <a:cs typeface="Cabin"/>
+              <a:sym typeface="Cabin"/>
+            </a:endParaRPr>
+          </a:p>
+        </p:txBody>
+      </p:sp>
+      <p:pic>
+        <p:nvPicPr>
+          <p:cNvPr id="177" name="Google Shape;177;p23"/>
+          <p:cNvPicPr preferRelativeResize="0"/>
+          <p:nvPr/>
+        </p:nvPicPr>
+        <p:blipFill>
+          <a:blip r:embed="rId4">
+            <a:alphaModFix/>
+          </a:blip>
+          <a:stretch>
+            <a:fillRect/>
+          </a:stretch>
+        </p:blipFill>
+        <p:spPr>
+          <a:xfrm>
+            <a:off x="2969525" y="695100"/>
+            <a:ext cx="2497625" cy="1981100"/>
+          </a:xfrm>
+          <a:prstGeom prst="rect">
+            <a:avLst/>
+          </a:prstGeom>
+          <a:noFill/>
+          <a:ln>
+            <a:noFill/>
+          </a:ln>
+        </p:spPr>
+      </p:pic>
+      <p:sp>
+        <p:nvSpPr>
+          <p:cNvPr id="178" name="Google Shape;178;p23"/>
+          <p:cNvSpPr txBox="1"/>
+          <p:nvPr/>
+        </p:nvSpPr>
+        <p:spPr>
+          <a:xfrm>
+            <a:off x="3458350" y="1633725"/>
+            <a:ext cx="437700" cy="400200"/>
+          </a:xfrm>
+          <a:prstGeom prst="rect">
+            <a:avLst/>
+          </a:prstGeom>
+          <a:noFill/>
+          <a:ln>
+            <a:noFill/>
+          </a:ln>
+        </p:spPr>
+        <p:txBody>
+          <a:bodyPr spcFirstLastPara="1" wrap="square" lIns="91425" tIns="91425" rIns="91425" bIns="91425" anchor="t" anchorCtr="0">
+            <a:spAutoFit/>
+          </a:bodyPr>
+          <a:lstStyle/>
+          <a:p>
+            <a:pPr marL="0" lvl="0" indent="0" algn="l" rtl="0">
+              <a:lnSpc>
+                <a:spcPct val="115000"/>
+              </a:lnSpc>
+              <a:spcBef>
+                <a:spcPts val="0"/>
+              </a:spcBef>
+              <a:spcAft>
+                <a:spcPts val="0"/>
+              </a:spcAft>
+              <a:buNone/>
+            </a:pPr>
+            <a:r>
+              <a:rPr lang="en-GB">
+                <a:solidFill>
+                  <a:schemeClr val="dk1"/>
+                </a:solidFill>
+                <a:latin typeface="Cabin"/>
+                <a:ea typeface="Cabin"/>
+                <a:cs typeface="Cabin"/>
+                <a:sym typeface="Cabin"/>
+              </a:rPr>
+              <a:t>𝛽</a:t>
+            </a:r>
+            <a:r>
+              <a:rPr lang="en-GB" baseline="-25000">
+                <a:solidFill>
+                  <a:schemeClr val="dk1"/>
+                </a:solidFill>
+                <a:latin typeface="Cabin"/>
+                <a:ea typeface="Cabin"/>
+                <a:cs typeface="Cabin"/>
+                <a:sym typeface="Cabin"/>
+              </a:rPr>
+              <a:t>0</a:t>
+            </a:r>
+            <a:endParaRPr/>
+          </a:p>
+        </p:txBody>
+      </p:sp>
+      <p:cxnSp>
+        <p:nvCxnSpPr>
+          <p:cNvPr id="179" name="Google Shape;179;p23"/>
+          <p:cNvCxnSpPr/>
+          <p:nvPr/>
+        </p:nvCxnSpPr>
+        <p:spPr>
+          <a:xfrm>
+            <a:off x="3864700" y="1813525"/>
+            <a:ext cx="867600" cy="0"/>
+          </a:xfrm>
+          <a:prstGeom prst="straightConnector1">
+            <a:avLst/>
+          </a:prstGeom>
+          <a:noFill/>
+          <a:ln w="19050" cap="flat" cmpd="sng">
+            <a:solidFill>
+              <a:schemeClr val="dk1"/>
+            </a:solidFill>
+            <a:prstDash val="dash"/>
+            <a:round/>
+            <a:headEnd type="none" w="med" len="med"/>
+            <a:tailEnd type="none" w="med" len="med"/>
+          </a:ln>
+        </p:spPr>
+      </p:cxnSp>
+      <p:cxnSp>
+        <p:nvCxnSpPr>
+          <p:cNvPr id="180" name="Google Shape;180;p23"/>
+          <p:cNvCxnSpPr/>
+          <p:nvPr/>
+        </p:nvCxnSpPr>
+        <p:spPr>
+          <a:xfrm rot="10800000">
+            <a:off x="4728450" y="1235125"/>
+            <a:ext cx="0" cy="578400"/>
+          </a:xfrm>
+          <a:prstGeom prst="straightConnector1">
+            <a:avLst/>
+          </a:prstGeom>
+          <a:noFill/>
+          <a:ln w="9525" cap="flat" cmpd="sng">
+            <a:solidFill>
+              <a:schemeClr val="dk1"/>
+            </a:solidFill>
+            <a:prstDash val="solid"/>
+            <a:round/>
+            <a:headEnd type="none" w="med" len="med"/>
+            <a:tailEnd type="stealth" w="med" len="med"/>
+          </a:ln>
+        </p:spPr>
+      </p:cxnSp>
+      <p:sp>
+        <p:nvSpPr>
+          <p:cNvPr id="181" name="Google Shape;181;p23"/>
+          <p:cNvSpPr txBox="1"/>
+          <p:nvPr/>
+        </p:nvSpPr>
+        <p:spPr>
+          <a:xfrm>
+            <a:off x="4433450" y="1299300"/>
+            <a:ext cx="437700" cy="400200"/>
+          </a:xfrm>
+          <a:prstGeom prst="rect">
+            <a:avLst/>
+          </a:prstGeom>
+          <a:noFill/>
+          <a:ln>
+            <a:noFill/>
+          </a:ln>
+        </p:spPr>
+        <p:txBody>
+          <a:bodyPr spcFirstLastPara="1" wrap="square" lIns="91425" tIns="91425" rIns="91425" bIns="91425" anchor="t" anchorCtr="0">
+            <a:spAutoFit/>
+          </a:bodyPr>
+          <a:lstStyle/>
+          <a:p>
+            <a:pPr marL="0" lvl="0" indent="0" algn="l" rtl="0">
+              <a:lnSpc>
+                <a:spcPct val="115000"/>
+              </a:lnSpc>
+              <a:spcBef>
+                <a:spcPts val="0"/>
+              </a:spcBef>
+              <a:spcAft>
+                <a:spcPts val="0"/>
+              </a:spcAft>
+              <a:buNone/>
+            </a:pPr>
+            <a:r>
+              <a:rPr lang="en-GB">
+                <a:solidFill>
+                  <a:schemeClr val="dk1"/>
+                </a:solidFill>
+                <a:latin typeface="Cabin"/>
+                <a:ea typeface="Cabin"/>
+                <a:cs typeface="Cabin"/>
+                <a:sym typeface="Cabin"/>
+              </a:rPr>
+              <a:t>𝛽</a:t>
+            </a:r>
+            <a:r>
+              <a:rPr lang="en-GB" baseline="-25000">
+                <a:solidFill>
+                  <a:schemeClr val="dk1"/>
+                </a:solidFill>
+                <a:latin typeface="Cabin"/>
+                <a:ea typeface="Cabin"/>
+                <a:cs typeface="Cabin"/>
+                <a:sym typeface="Cabin"/>
+              </a:rPr>
+              <a:t>1</a:t>
+            </a:r>
+            <a:endParaRPr/>
+          </a:p>
+        </p:txBody>
+      </p:sp>
+      <p:sp>
+        <p:nvSpPr>
+          <p:cNvPr id="182" name="Google Shape;182;p23"/>
+          <p:cNvSpPr txBox="1"/>
+          <p:nvPr/>
+        </p:nvSpPr>
+        <p:spPr>
+          <a:xfrm>
+            <a:off x="5714150" y="2463525"/>
+            <a:ext cx="3189300" cy="523200"/>
+          </a:xfrm>
+          <a:prstGeom prst="rect">
+            <a:avLst/>
+          </a:prstGeom>
+          <a:noFill/>
+          <a:ln>
+            <a:noFill/>
+          </a:ln>
+        </p:spPr>
+        <p:txBody>
+          <a:bodyPr spcFirstLastPara="1" wrap="square" lIns="91425" tIns="91425" rIns="91425" bIns="91425" anchor="t" anchorCtr="0">
+            <a:spAutoFit/>
+          </a:bodyPr>
+          <a:lstStyle/>
+          <a:p>
+            <a:pPr marL="0" lvl="0" indent="0" algn="l" rtl="0">
+              <a:spcBef>
+                <a:spcPts val="0"/>
+              </a:spcBef>
+              <a:spcAft>
+                <a:spcPts val="0"/>
+              </a:spcAft>
+              <a:buNone/>
+            </a:pPr>
+            <a:r>
+              <a:rPr lang="en-GB" sz="2200" b="1">
+                <a:solidFill>
+                  <a:srgbClr val="741B47"/>
+                </a:solidFill>
+                <a:latin typeface="Cabin"/>
+                <a:ea typeface="Cabin"/>
+                <a:cs typeface="Cabin"/>
+                <a:sym typeface="Cabin"/>
+              </a:rPr>
+              <a:t>Exercise 1</a:t>
+            </a:r>
+            <a:endParaRPr sz="2200" b="1">
+              <a:solidFill>
+                <a:srgbClr val="741B47"/>
+              </a:solidFill>
+              <a:latin typeface="Cabin"/>
+              <a:ea typeface="Cabin"/>
+              <a:cs typeface="Cabin"/>
+              <a:sym typeface="Cabin"/>
+            </a:endParaRPr>
+          </a:p>
+        </p:txBody>
+      </p:sp>
+    </p:spTree>
+  </p:cSld>
+  <p:clrMapOvr>
+    <a:masterClrMapping/>
+  </p:clrMapOvr>
+</p:sld>
+</file>
+
+<file path=ppt/slides/slide11.xml><?xml version="1.0" encoding="utf-8"?>
+<p:sld xmlns:a="http://schemas.openxmlformats.org/drawingml/2006/main" xmlns:r="http://schemas.openxmlformats.org/officeDocument/2006/relationships" xmlns:p="http://schemas.openxmlformats.org/presentationml/2006/main">
+  <p:cSld>
+    <p:spTree>
+      <p:nvGrpSpPr>
+        <p:cNvPr id="1" name="Shape 186"/>
+        <p:cNvGrpSpPr/>
+        <p:nvPr/>
+      </p:nvGrpSpPr>
+      <p:grpSpPr>
+        <a:xfrm>
+          <a:off x="0" y="0"/>
+          <a:ext cx="0" cy="0"/>
+          <a:chOff x="0" y="0"/>
+          <a:chExt cx="0" cy="0"/>
+        </a:xfrm>
+      </p:grpSpPr>
+      <p:sp>
+        <p:nvSpPr>
+          <p:cNvPr id="187" name="Google Shape;187;p24"/>
+          <p:cNvSpPr txBox="1">
+            <a:spLocks noGrp="1"/>
+          </p:cNvSpPr>
+          <p:nvPr>
+            <p:ph type="title"/>
+          </p:nvPr>
+        </p:nvSpPr>
+        <p:spPr>
+          <a:xfrm>
+            <a:off x="76200" y="0"/>
+            <a:ext cx="8520600" cy="572700"/>
+          </a:xfrm>
+          <a:prstGeom prst="rect">
+            <a:avLst/>
+          </a:prstGeom>
+        </p:spPr>
+        <p:txBody>
+          <a:bodyPr spcFirstLastPara="1" wrap="square" lIns="91425" tIns="91425" rIns="91425" bIns="91425" anchor="t" anchorCtr="0">
+            <a:noAutofit/>
+          </a:bodyPr>
+          <a:lstStyle/>
+          <a:p>
+            <a:pPr marL="0" lvl="0" indent="0" algn="l" rtl="0">
+              <a:spcBef>
+                <a:spcPts val="0"/>
+              </a:spcBef>
+              <a:spcAft>
+                <a:spcPts val="0"/>
+              </a:spcAft>
+              <a:buNone/>
+            </a:pPr>
+            <a:r>
+              <a:rPr lang="en-GB">
+                <a:solidFill>
+                  <a:srgbClr val="666666"/>
+                </a:solidFill>
+              </a:rPr>
+              <a:t>Linear Models in R |</a:t>
+            </a:r>
+            <a:r>
+              <a:rPr lang="en-GB"/>
+              <a:t> Model Specification</a:t>
+            </a:r>
+            <a:endParaRPr/>
+          </a:p>
+        </p:txBody>
+      </p:sp>
+      <p:sp>
+        <p:nvSpPr>
+          <p:cNvPr id="188" name="Google Shape;188;p24"/>
+          <p:cNvSpPr txBox="1"/>
+          <p:nvPr/>
+        </p:nvSpPr>
+        <p:spPr>
+          <a:xfrm>
+            <a:off x="426600" y="695100"/>
+            <a:ext cx="1720500" cy="1608600"/>
+          </a:xfrm>
+          <a:prstGeom prst="rect">
+            <a:avLst/>
+          </a:prstGeom>
+          <a:solidFill>
+            <a:schemeClr val="lt2"/>
+          </a:solidFill>
+          <a:ln>
+            <a:noFill/>
+          </a:ln>
+        </p:spPr>
+        <p:txBody>
+          <a:bodyPr spcFirstLastPara="1" wrap="square" lIns="91425" tIns="91425" rIns="91425" bIns="91425" anchor="t" anchorCtr="0">
+            <a:noAutofit/>
+          </a:bodyPr>
+          <a:lstStyle/>
+          <a:p>
+            <a:pPr marL="0" lvl="0" indent="0" algn="l" rtl="0">
+              <a:spcBef>
+                <a:spcPts val="0"/>
+              </a:spcBef>
+              <a:spcAft>
+                <a:spcPts val="0"/>
+              </a:spcAft>
+              <a:buNone/>
+            </a:pPr>
+            <a:r>
+              <a:rPr lang="en-GB" sz="1200">
+                <a:solidFill>
+                  <a:schemeClr val="dk1"/>
+                </a:solidFill>
+                <a:latin typeface="Courier New"/>
+                <a:ea typeface="Courier New"/>
+                <a:cs typeface="Courier New"/>
+                <a:sym typeface="Courier New"/>
+              </a:rPr>
+              <a:t>          x  </a:t>
+            </a:r>
+            <a:endParaRPr sz="1200">
+              <a:solidFill>
+                <a:schemeClr val="dk1"/>
+              </a:solidFill>
+              <a:latin typeface="Courier New"/>
+              <a:ea typeface="Courier New"/>
+              <a:cs typeface="Courier New"/>
+              <a:sym typeface="Courier New"/>
+            </a:endParaRPr>
+          </a:p>
+          <a:p>
+            <a:pPr marL="0" lvl="0" indent="0" algn="l" rtl="0">
+              <a:spcBef>
+                <a:spcPts val="0"/>
+              </a:spcBef>
+              <a:spcAft>
+                <a:spcPts val="0"/>
+              </a:spcAft>
+              <a:buNone/>
+            </a:pPr>
+            <a:r>
+              <a:rPr lang="en-GB" sz="1200">
+                <a:solidFill>
+                  <a:schemeClr val="dk1"/>
+                </a:solidFill>
+                <a:latin typeface="Courier New"/>
+                <a:ea typeface="Courier New"/>
+                <a:cs typeface="Courier New"/>
+                <a:sym typeface="Courier New"/>
+              </a:rPr>
+              <a:t>        &lt;factor&gt;</a:t>
+            </a:r>
+            <a:endParaRPr sz="1200">
+              <a:solidFill>
+                <a:schemeClr val="dk1"/>
+              </a:solidFill>
+              <a:latin typeface="Courier New"/>
+              <a:ea typeface="Courier New"/>
+              <a:cs typeface="Courier New"/>
+              <a:sym typeface="Courier New"/>
+            </a:endParaRPr>
+          </a:p>
+          <a:p>
+            <a:pPr marL="0" lvl="0" indent="0" algn="l" rtl="0">
+              <a:spcBef>
+                <a:spcPts val="0"/>
+              </a:spcBef>
+              <a:spcAft>
+                <a:spcPts val="0"/>
+              </a:spcAft>
+              <a:buNone/>
+            </a:pPr>
+            <a:r>
+              <a:rPr lang="en-GB" sz="1200">
+                <a:solidFill>
+                  <a:schemeClr val="dk1"/>
+                </a:solidFill>
+                <a:latin typeface="Courier New"/>
+                <a:ea typeface="Courier New"/>
+                <a:cs typeface="Courier New"/>
+                <a:sym typeface="Courier New"/>
+              </a:rPr>
+              <a:t>sample1   A  </a:t>
+            </a:r>
+            <a:endParaRPr sz="1200">
+              <a:solidFill>
+                <a:schemeClr val="dk1"/>
+              </a:solidFill>
+              <a:latin typeface="Courier New"/>
+              <a:ea typeface="Courier New"/>
+              <a:cs typeface="Courier New"/>
+              <a:sym typeface="Courier New"/>
+            </a:endParaRPr>
+          </a:p>
+          <a:p>
+            <a:pPr marL="0" lvl="0" indent="0" algn="l" rtl="0">
+              <a:spcBef>
+                <a:spcPts val="0"/>
+              </a:spcBef>
+              <a:spcAft>
+                <a:spcPts val="0"/>
+              </a:spcAft>
+              <a:buNone/>
+            </a:pPr>
+            <a:r>
+              <a:rPr lang="en-GB" sz="1200">
+                <a:solidFill>
+                  <a:schemeClr val="dk1"/>
+                </a:solidFill>
+                <a:latin typeface="Courier New"/>
+                <a:ea typeface="Courier New"/>
+                <a:cs typeface="Courier New"/>
+                <a:sym typeface="Courier New"/>
+              </a:rPr>
+              <a:t>sample2   A  </a:t>
+            </a:r>
+            <a:endParaRPr sz="1200">
+              <a:solidFill>
+                <a:schemeClr val="dk1"/>
+              </a:solidFill>
+              <a:latin typeface="Courier New"/>
+              <a:ea typeface="Courier New"/>
+              <a:cs typeface="Courier New"/>
+              <a:sym typeface="Courier New"/>
+            </a:endParaRPr>
+          </a:p>
+          <a:p>
+            <a:pPr marL="0" lvl="0" indent="0" algn="l" rtl="0">
+              <a:spcBef>
+                <a:spcPts val="0"/>
+              </a:spcBef>
+              <a:spcAft>
+                <a:spcPts val="0"/>
+              </a:spcAft>
+              <a:buNone/>
+            </a:pPr>
+            <a:r>
+              <a:rPr lang="en-GB" sz="1200">
+                <a:solidFill>
+                  <a:schemeClr val="dk1"/>
+                </a:solidFill>
+                <a:latin typeface="Courier New"/>
+                <a:ea typeface="Courier New"/>
+                <a:cs typeface="Courier New"/>
+                <a:sym typeface="Courier New"/>
+              </a:rPr>
+              <a:t>sample3   A  </a:t>
+            </a:r>
+            <a:endParaRPr sz="1200">
+              <a:solidFill>
+                <a:schemeClr val="dk1"/>
+              </a:solidFill>
+              <a:latin typeface="Courier New"/>
+              <a:ea typeface="Courier New"/>
+              <a:cs typeface="Courier New"/>
+              <a:sym typeface="Courier New"/>
+            </a:endParaRPr>
+          </a:p>
+          <a:p>
+            <a:pPr marL="0" lvl="0" indent="0" algn="l" rtl="0">
+              <a:spcBef>
+                <a:spcPts val="0"/>
+              </a:spcBef>
+              <a:spcAft>
+                <a:spcPts val="0"/>
+              </a:spcAft>
+              <a:buNone/>
+            </a:pPr>
+            <a:r>
+              <a:rPr lang="en-GB" sz="1200">
+                <a:solidFill>
+                  <a:schemeClr val="dk1"/>
+                </a:solidFill>
+                <a:latin typeface="Courier New"/>
+                <a:ea typeface="Courier New"/>
+                <a:cs typeface="Courier New"/>
+                <a:sym typeface="Courier New"/>
+              </a:rPr>
+              <a:t>sample4   B </a:t>
+            </a:r>
+            <a:endParaRPr sz="1200">
+              <a:solidFill>
+                <a:schemeClr val="dk1"/>
+              </a:solidFill>
+              <a:latin typeface="Courier New"/>
+              <a:ea typeface="Courier New"/>
+              <a:cs typeface="Courier New"/>
+              <a:sym typeface="Courier New"/>
+            </a:endParaRPr>
+          </a:p>
+          <a:p>
+            <a:pPr marL="0" lvl="0" indent="0" algn="l" rtl="0">
+              <a:spcBef>
+                <a:spcPts val="0"/>
+              </a:spcBef>
+              <a:spcAft>
+                <a:spcPts val="0"/>
+              </a:spcAft>
+              <a:buNone/>
+            </a:pPr>
+            <a:r>
+              <a:rPr lang="en-GB" sz="1200">
+                <a:solidFill>
+                  <a:schemeClr val="dk1"/>
+                </a:solidFill>
+                <a:latin typeface="Courier New"/>
+                <a:ea typeface="Courier New"/>
+                <a:cs typeface="Courier New"/>
+                <a:sym typeface="Courier New"/>
+              </a:rPr>
+              <a:t>sample5   B </a:t>
+            </a:r>
+            <a:endParaRPr sz="1200">
+              <a:solidFill>
+                <a:schemeClr val="dk1"/>
+              </a:solidFill>
+              <a:latin typeface="Courier New"/>
+              <a:ea typeface="Courier New"/>
+              <a:cs typeface="Courier New"/>
+              <a:sym typeface="Courier New"/>
+            </a:endParaRPr>
+          </a:p>
+          <a:p>
+            <a:pPr marL="0" lvl="0" indent="0" algn="l" rtl="0">
+              <a:spcBef>
+                <a:spcPts val="0"/>
+              </a:spcBef>
+              <a:spcAft>
+                <a:spcPts val="0"/>
+              </a:spcAft>
+              <a:buNone/>
+            </a:pPr>
+            <a:r>
+              <a:rPr lang="en-GB" sz="1200">
+                <a:solidFill>
+                  <a:schemeClr val="dk1"/>
+                </a:solidFill>
+                <a:latin typeface="Courier New"/>
+                <a:ea typeface="Courier New"/>
+                <a:cs typeface="Courier New"/>
+                <a:sym typeface="Courier New"/>
+              </a:rPr>
+              <a:t>sample6   B </a:t>
+            </a:r>
+            <a:endParaRPr sz="1200">
+              <a:solidFill>
+                <a:schemeClr val="dk1"/>
+              </a:solidFill>
+              <a:latin typeface="Courier New"/>
+              <a:ea typeface="Courier New"/>
+              <a:cs typeface="Courier New"/>
+              <a:sym typeface="Courier New"/>
+            </a:endParaRPr>
+          </a:p>
+        </p:txBody>
+      </p:sp>
+      <p:sp>
+        <p:nvSpPr>
+          <p:cNvPr id="189" name="Google Shape;189;p24"/>
+          <p:cNvSpPr txBox="1"/>
+          <p:nvPr/>
+        </p:nvSpPr>
+        <p:spPr>
+          <a:xfrm>
+            <a:off x="5556575" y="771300"/>
+            <a:ext cx="3072900" cy="1391400"/>
+          </a:xfrm>
+          <a:prstGeom prst="rect">
+            <a:avLst/>
+          </a:prstGeom>
+          <a:noFill/>
+          <a:ln>
+            <a:noFill/>
+          </a:ln>
+        </p:spPr>
+        <p:txBody>
+          <a:bodyPr spcFirstLastPara="1" wrap="square" lIns="91425" tIns="91425" rIns="91425" bIns="91425" anchor="t" anchorCtr="0">
+            <a:spAutoFit/>
+          </a:bodyPr>
+          <a:lstStyle/>
+          <a:p>
+            <a:pPr marL="0" lvl="0" indent="0" algn="l" rtl="0">
+              <a:lnSpc>
+                <a:spcPct val="115000"/>
+              </a:lnSpc>
+              <a:spcBef>
+                <a:spcPts val="0"/>
+              </a:spcBef>
+              <a:spcAft>
+                <a:spcPts val="0"/>
+              </a:spcAft>
+              <a:buNone/>
+            </a:pPr>
+            <a:r>
+              <a:rPr lang="en-GB" dirty="0">
+                <a:latin typeface="Cabin"/>
+                <a:ea typeface="Cabin"/>
+                <a:cs typeface="Cabin"/>
+                <a:sym typeface="Cabin"/>
+              </a:rPr>
+              <a:t>Model: </a:t>
+            </a:r>
+            <a:endParaRPr dirty="0">
+              <a:latin typeface="Cabin"/>
+              <a:ea typeface="Cabin"/>
+              <a:cs typeface="Cabin"/>
+              <a:sym typeface="Cabin"/>
+            </a:endParaRPr>
+          </a:p>
+          <a:p>
+            <a:pPr lvl="0" indent="457200">
+              <a:lnSpc>
+                <a:spcPct val="115000"/>
+              </a:lnSpc>
+            </a:pPr>
+            <a:r>
+              <a:rPr lang="en-GB" dirty="0">
+                <a:latin typeface="Cabin"/>
+                <a:ea typeface="Cabin"/>
+                <a:cs typeface="Cabin"/>
+                <a:sym typeface="Cabin"/>
+              </a:rPr>
+              <a:t>Y = </a:t>
+            </a:r>
+            <a:r>
+              <a:rPr lang="en-GB" dirty="0">
+                <a:solidFill>
+                  <a:schemeClr val="dk1"/>
+                </a:solidFill>
+                <a:latin typeface="Cabin"/>
+                <a:ea typeface="Cabin"/>
+                <a:cs typeface="Cabin"/>
+                <a:sym typeface="Cabin"/>
+              </a:rPr>
+              <a:t>𝛽</a:t>
+            </a:r>
+            <a:r>
+              <a:rPr lang="en-GB" baseline="-25000" dirty="0">
+                <a:solidFill>
+                  <a:schemeClr val="dk1"/>
+                </a:solidFill>
+                <a:latin typeface="Cabin"/>
+                <a:ea typeface="Cabin"/>
+                <a:cs typeface="Cabin"/>
+                <a:sym typeface="Cabin"/>
+              </a:rPr>
+              <a:t>0</a:t>
+            </a:r>
+            <a:r>
+              <a:rPr lang="en-GB" dirty="0">
+                <a:solidFill>
+                  <a:schemeClr val="dk1"/>
+                </a:solidFill>
+                <a:latin typeface="Cabin"/>
+                <a:ea typeface="Cabin"/>
+                <a:cs typeface="Cabin"/>
+                <a:sym typeface="Cabin"/>
+              </a:rPr>
+              <a:t> + 𝛽</a:t>
+            </a:r>
+            <a:r>
+              <a:rPr lang="en-GB" baseline="-25000" dirty="0">
+                <a:solidFill>
+                  <a:schemeClr val="dk1"/>
+                </a:solidFill>
+                <a:latin typeface="Cabin"/>
+                <a:ea typeface="Cabin"/>
+                <a:cs typeface="Cabin"/>
+                <a:sym typeface="Cabin"/>
+              </a:rPr>
+              <a:t>1</a:t>
+            </a:r>
+            <a:r>
+              <a:rPr lang="en-GB" baseline="30000" dirty="0">
+                <a:solidFill>
+                  <a:schemeClr val="dk1"/>
+                </a:solidFill>
+                <a:latin typeface="Cabin"/>
+                <a:ea typeface="Cabin"/>
+                <a:cs typeface="Cabin"/>
+                <a:sym typeface="Cabin"/>
+              </a:rPr>
+              <a:t> </a:t>
+            </a:r>
+            <a:r>
+              <a:rPr lang="en-GB" dirty="0">
+                <a:solidFill>
+                  <a:schemeClr val="dk1"/>
+                </a:solidFill>
+                <a:latin typeface="Cabin"/>
+                <a:ea typeface="Cabin"/>
+                <a:cs typeface="Cabin"/>
+                <a:sym typeface="Cabin"/>
+              </a:rPr>
+              <a:t>X</a:t>
+            </a:r>
+            <a:r>
+              <a:rPr lang="en-GB" baseline="-25000" dirty="0">
+                <a:solidFill>
+                  <a:schemeClr val="dk1"/>
+                </a:solidFill>
+                <a:latin typeface="Cabin"/>
+                <a:ea typeface="Cabin"/>
+                <a:cs typeface="Cabin"/>
+                <a:sym typeface="Cabin"/>
+              </a:rPr>
+              <a:t>B </a:t>
+            </a:r>
+            <a:r>
+              <a:rPr lang="en-GB" dirty="0">
+                <a:solidFill>
+                  <a:schemeClr val="dk1"/>
+                </a:solidFill>
+                <a:latin typeface="Cabin"/>
+                <a:ea typeface="Cabin"/>
+                <a:cs typeface="Cabin"/>
+                <a:sym typeface="Cabin"/>
+              </a:rPr>
+              <a:t>+ 𝞊</a:t>
+            </a:r>
+            <a:endParaRPr baseline="-25000" dirty="0">
+              <a:solidFill>
+                <a:schemeClr val="dk1"/>
+              </a:solidFill>
+              <a:latin typeface="Cabin"/>
+              <a:ea typeface="Cabin"/>
+              <a:cs typeface="Cabin"/>
+              <a:sym typeface="Cabin"/>
+            </a:endParaRPr>
+          </a:p>
+          <a:p>
+            <a:pPr marL="0" lvl="0" indent="457200" algn="l" rtl="0">
+              <a:lnSpc>
+                <a:spcPct val="115000"/>
+              </a:lnSpc>
+              <a:spcBef>
+                <a:spcPts val="0"/>
+              </a:spcBef>
+              <a:spcAft>
+                <a:spcPts val="0"/>
+              </a:spcAft>
+              <a:buNone/>
+            </a:pPr>
+            <a:endParaRPr baseline="-25000" dirty="0">
+              <a:solidFill>
+                <a:schemeClr val="dk1"/>
+              </a:solidFill>
+              <a:latin typeface="Cabin"/>
+              <a:ea typeface="Cabin"/>
+              <a:cs typeface="Cabin"/>
+              <a:sym typeface="Cabin"/>
+            </a:endParaRPr>
+          </a:p>
+          <a:p>
+            <a:pPr marL="0" lvl="0" indent="0" algn="l" rtl="0">
+              <a:lnSpc>
+                <a:spcPct val="115000"/>
+              </a:lnSpc>
+              <a:spcBef>
+                <a:spcPts val="0"/>
+              </a:spcBef>
+              <a:spcAft>
+                <a:spcPts val="0"/>
+              </a:spcAft>
+              <a:buNone/>
+            </a:pPr>
+            <a:r>
+              <a:rPr lang="en-GB" dirty="0">
+                <a:solidFill>
+                  <a:schemeClr val="dk1"/>
+                </a:solidFill>
+                <a:latin typeface="Cabin"/>
+                <a:ea typeface="Cabin"/>
+                <a:cs typeface="Cabin"/>
+                <a:sym typeface="Cabin"/>
+              </a:rPr>
+              <a:t>𝛽</a:t>
+            </a:r>
+            <a:r>
+              <a:rPr lang="en-GB" baseline="-25000" dirty="0">
+                <a:solidFill>
+                  <a:schemeClr val="dk1"/>
+                </a:solidFill>
+                <a:latin typeface="Cabin"/>
+                <a:ea typeface="Cabin"/>
+                <a:cs typeface="Cabin"/>
+                <a:sym typeface="Cabin"/>
+              </a:rPr>
+              <a:t>0</a:t>
+            </a:r>
+            <a:r>
+              <a:rPr lang="en-GB" dirty="0">
+                <a:solidFill>
+                  <a:schemeClr val="dk1"/>
+                </a:solidFill>
+                <a:latin typeface="Cabin"/>
+                <a:ea typeface="Cabin"/>
+                <a:cs typeface="Cabin"/>
+                <a:sym typeface="Cabin"/>
+              </a:rPr>
+              <a:t> = average of the reference group</a:t>
+            </a:r>
+            <a:endParaRPr dirty="0">
+              <a:solidFill>
+                <a:schemeClr val="dk1"/>
+              </a:solidFill>
+              <a:latin typeface="Cabin"/>
+              <a:ea typeface="Cabin"/>
+              <a:cs typeface="Cabin"/>
+              <a:sym typeface="Cabin"/>
+            </a:endParaRPr>
+          </a:p>
+          <a:p>
+            <a:pPr marL="0" lvl="0" indent="0" algn="l" rtl="0">
+              <a:lnSpc>
+                <a:spcPct val="115000"/>
+              </a:lnSpc>
+              <a:spcBef>
+                <a:spcPts val="0"/>
+              </a:spcBef>
+              <a:spcAft>
+                <a:spcPts val="0"/>
+              </a:spcAft>
+              <a:buNone/>
+            </a:pPr>
+            <a:r>
+              <a:rPr lang="en-GB" dirty="0">
+                <a:solidFill>
+                  <a:schemeClr val="dk1"/>
+                </a:solidFill>
+                <a:latin typeface="Cabin"/>
+                <a:ea typeface="Cabin"/>
+                <a:cs typeface="Cabin"/>
+                <a:sym typeface="Cabin"/>
+              </a:rPr>
+              <a:t>𝛽</a:t>
+            </a:r>
+            <a:r>
+              <a:rPr lang="en-GB" baseline="-25000" dirty="0">
+                <a:solidFill>
+                  <a:schemeClr val="dk1"/>
+                </a:solidFill>
+                <a:latin typeface="Cabin"/>
+                <a:ea typeface="Cabin"/>
+                <a:cs typeface="Cabin"/>
+                <a:sym typeface="Cabin"/>
+              </a:rPr>
+              <a:t>1</a:t>
+            </a:r>
+            <a:r>
+              <a:rPr lang="en-GB" dirty="0">
+                <a:solidFill>
+                  <a:schemeClr val="dk1"/>
+                </a:solidFill>
+                <a:latin typeface="Cabin"/>
+                <a:ea typeface="Cabin"/>
+                <a:cs typeface="Cabin"/>
+                <a:sym typeface="Cabin"/>
+              </a:rPr>
+              <a:t> = difference to the reference group</a:t>
+            </a:r>
+            <a:endParaRPr dirty="0">
+              <a:solidFill>
+                <a:schemeClr val="dk1"/>
+              </a:solidFill>
+              <a:latin typeface="Cabin"/>
+              <a:ea typeface="Cabin"/>
+              <a:cs typeface="Cabin"/>
+              <a:sym typeface="Cabin"/>
+            </a:endParaRPr>
+          </a:p>
+        </p:txBody>
+      </p:sp>
+      <p:pic>
+        <p:nvPicPr>
+          <p:cNvPr id="190" name="Google Shape;190;p24"/>
+          <p:cNvPicPr preferRelativeResize="0"/>
+          <p:nvPr/>
+        </p:nvPicPr>
+        <p:blipFill>
+          <a:blip r:embed="rId3">
+            <a:alphaModFix/>
+          </a:blip>
+          <a:stretch>
+            <a:fillRect/>
+          </a:stretch>
+        </p:blipFill>
+        <p:spPr>
+          <a:xfrm>
+            <a:off x="2969525" y="695100"/>
+            <a:ext cx="2497625" cy="1981100"/>
+          </a:xfrm>
+          <a:prstGeom prst="rect">
+            <a:avLst/>
+          </a:prstGeom>
+          <a:noFill/>
+          <a:ln>
+            <a:noFill/>
+          </a:ln>
+        </p:spPr>
+      </p:pic>
+      <p:sp>
+        <p:nvSpPr>
+          <p:cNvPr id="191" name="Google Shape;191;p24"/>
+          <p:cNvSpPr txBox="1"/>
+          <p:nvPr/>
+        </p:nvSpPr>
+        <p:spPr>
+          <a:xfrm>
+            <a:off x="3458350" y="1633725"/>
+            <a:ext cx="437700" cy="400200"/>
+          </a:xfrm>
+          <a:prstGeom prst="rect">
+            <a:avLst/>
+          </a:prstGeom>
+          <a:noFill/>
+          <a:ln>
+            <a:noFill/>
+          </a:ln>
+        </p:spPr>
+        <p:txBody>
+          <a:bodyPr spcFirstLastPara="1" wrap="square" lIns="91425" tIns="91425" rIns="91425" bIns="91425" anchor="t" anchorCtr="0">
+            <a:spAutoFit/>
+          </a:bodyPr>
+          <a:lstStyle/>
+          <a:p>
+            <a:pPr marL="0" lvl="0" indent="0" algn="l" rtl="0">
+              <a:lnSpc>
+                <a:spcPct val="115000"/>
+              </a:lnSpc>
+              <a:spcBef>
+                <a:spcPts val="0"/>
+              </a:spcBef>
+              <a:spcAft>
+                <a:spcPts val="0"/>
+              </a:spcAft>
+              <a:buNone/>
+            </a:pPr>
+            <a:r>
+              <a:rPr lang="en-GB">
+                <a:solidFill>
+                  <a:schemeClr val="dk1"/>
+                </a:solidFill>
+                <a:latin typeface="Cabin"/>
+                <a:ea typeface="Cabin"/>
+                <a:cs typeface="Cabin"/>
+                <a:sym typeface="Cabin"/>
+              </a:rPr>
+              <a:t>𝛽</a:t>
+            </a:r>
+            <a:r>
+              <a:rPr lang="en-GB" baseline="-25000">
+                <a:solidFill>
+                  <a:schemeClr val="dk1"/>
+                </a:solidFill>
+                <a:latin typeface="Cabin"/>
+                <a:ea typeface="Cabin"/>
+                <a:cs typeface="Cabin"/>
+                <a:sym typeface="Cabin"/>
+              </a:rPr>
+              <a:t>0</a:t>
+            </a:r>
+            <a:endParaRPr/>
+          </a:p>
+        </p:txBody>
+      </p:sp>
+      <p:cxnSp>
+        <p:nvCxnSpPr>
+          <p:cNvPr id="192" name="Google Shape;192;p24"/>
+          <p:cNvCxnSpPr/>
+          <p:nvPr/>
+        </p:nvCxnSpPr>
+        <p:spPr>
+          <a:xfrm>
+            <a:off x="3864700" y="1813525"/>
+            <a:ext cx="867600" cy="0"/>
+          </a:xfrm>
+          <a:prstGeom prst="straightConnector1">
+            <a:avLst/>
+          </a:prstGeom>
+          <a:noFill/>
+          <a:ln w="19050" cap="flat" cmpd="sng">
+            <a:solidFill>
+              <a:schemeClr val="dk1"/>
+            </a:solidFill>
+            <a:prstDash val="dash"/>
+            <a:round/>
+            <a:headEnd type="none" w="med" len="med"/>
+            <a:tailEnd type="none" w="med" len="med"/>
+          </a:ln>
+        </p:spPr>
+      </p:cxnSp>
+      <p:cxnSp>
+        <p:nvCxnSpPr>
+          <p:cNvPr id="193" name="Google Shape;193;p24"/>
+          <p:cNvCxnSpPr/>
+          <p:nvPr/>
+        </p:nvCxnSpPr>
+        <p:spPr>
+          <a:xfrm rot="10800000">
+            <a:off x="4728450" y="1235125"/>
+            <a:ext cx="0" cy="578400"/>
+          </a:xfrm>
+          <a:prstGeom prst="straightConnector1">
+            <a:avLst/>
+          </a:prstGeom>
+          <a:noFill/>
+          <a:ln w="9525" cap="flat" cmpd="sng">
+            <a:solidFill>
+              <a:schemeClr val="dk1"/>
+            </a:solidFill>
+            <a:prstDash val="solid"/>
+            <a:round/>
+            <a:headEnd type="none" w="med" len="med"/>
+            <a:tailEnd type="stealth" w="med" len="med"/>
+          </a:ln>
+        </p:spPr>
+      </p:cxnSp>
+      <p:sp>
+        <p:nvSpPr>
+          <p:cNvPr id="194" name="Google Shape;194;p24"/>
+          <p:cNvSpPr txBox="1"/>
+          <p:nvPr/>
+        </p:nvSpPr>
+        <p:spPr>
+          <a:xfrm>
+            <a:off x="4433450" y="1299300"/>
+            <a:ext cx="437700" cy="400200"/>
+          </a:xfrm>
+          <a:prstGeom prst="rect">
+            <a:avLst/>
+          </a:prstGeom>
+          <a:noFill/>
+          <a:ln>
+            <a:noFill/>
+          </a:ln>
+        </p:spPr>
+        <p:txBody>
+          <a:bodyPr spcFirstLastPara="1" wrap="square" lIns="91425" tIns="91425" rIns="91425" bIns="91425" anchor="t" anchorCtr="0">
+            <a:spAutoFit/>
+          </a:bodyPr>
+          <a:lstStyle/>
+          <a:p>
+            <a:pPr marL="0" lvl="0" indent="0" algn="l" rtl="0">
+              <a:lnSpc>
+                <a:spcPct val="115000"/>
+              </a:lnSpc>
+              <a:spcBef>
+                <a:spcPts val="0"/>
+              </a:spcBef>
+              <a:spcAft>
+                <a:spcPts val="0"/>
+              </a:spcAft>
+              <a:buNone/>
+            </a:pPr>
+            <a:r>
+              <a:rPr lang="en-GB">
+                <a:solidFill>
+                  <a:schemeClr val="dk1"/>
+                </a:solidFill>
+                <a:latin typeface="Cabin"/>
+                <a:ea typeface="Cabin"/>
+                <a:cs typeface="Cabin"/>
+                <a:sym typeface="Cabin"/>
+              </a:rPr>
+              <a:t>𝛽</a:t>
+            </a:r>
+            <a:r>
+              <a:rPr lang="en-GB" baseline="-25000">
+                <a:solidFill>
+                  <a:schemeClr val="dk1"/>
+                </a:solidFill>
+                <a:latin typeface="Cabin"/>
+                <a:ea typeface="Cabin"/>
+                <a:cs typeface="Cabin"/>
+                <a:sym typeface="Cabin"/>
+              </a:rPr>
+              <a:t>1</a:t>
+            </a:r>
+            <a:endParaRPr/>
+          </a:p>
+        </p:txBody>
+      </p:sp>
+      <p:sp>
+        <p:nvSpPr>
+          <p:cNvPr id="195" name="Google Shape;195;p24"/>
+          <p:cNvSpPr txBox="1"/>
+          <p:nvPr/>
+        </p:nvSpPr>
+        <p:spPr>
+          <a:xfrm>
+            <a:off x="410525" y="2776950"/>
+            <a:ext cx="6542700" cy="923400"/>
+          </a:xfrm>
+          <a:prstGeom prst="rect">
+            <a:avLst/>
+          </a:prstGeom>
+          <a:noFill/>
+          <a:ln>
+            <a:noFill/>
+          </a:ln>
+        </p:spPr>
+        <p:txBody>
+          <a:bodyPr spcFirstLastPara="1" wrap="square" lIns="91425" tIns="91425" rIns="91425" bIns="91425" anchor="t" anchorCtr="0">
+            <a:spAutoFit/>
+          </a:bodyPr>
+          <a:lstStyle/>
+          <a:p>
+            <a:pPr marL="0" lvl="0" indent="0" algn="l" rtl="0">
+              <a:spcBef>
+                <a:spcPts val="0"/>
+              </a:spcBef>
+              <a:spcAft>
+                <a:spcPts val="0"/>
+              </a:spcAft>
+              <a:buNone/>
+            </a:pPr>
+            <a:r>
+              <a:rPr lang="en-GB" sz="1600">
+                <a:latin typeface="Cabin"/>
+                <a:ea typeface="Cabin"/>
+                <a:cs typeface="Cabin"/>
+                <a:sym typeface="Cabin"/>
+              </a:rPr>
+              <a:t>Formula syntax in R:</a:t>
+            </a:r>
+            <a:endParaRPr sz="1600">
+              <a:latin typeface="Cabin"/>
+              <a:ea typeface="Cabin"/>
+              <a:cs typeface="Cabin"/>
+              <a:sym typeface="Cabin"/>
+            </a:endParaRPr>
+          </a:p>
+          <a:p>
+            <a:pPr marL="0" lvl="0" indent="0" algn="l" rtl="0">
+              <a:spcBef>
+                <a:spcPts val="0"/>
+              </a:spcBef>
+              <a:spcAft>
+                <a:spcPts val="0"/>
+              </a:spcAft>
+              <a:buNone/>
+            </a:pPr>
+            <a:endParaRPr sz="1600">
+              <a:latin typeface="Cabin"/>
+              <a:ea typeface="Cabin"/>
+              <a:cs typeface="Cabin"/>
+              <a:sym typeface="Cabin"/>
+            </a:endParaRPr>
+          </a:p>
+          <a:p>
+            <a:pPr marL="1371600" lvl="0" indent="0" algn="l" rtl="0">
+              <a:spcBef>
+                <a:spcPts val="0"/>
+              </a:spcBef>
+              <a:spcAft>
+                <a:spcPts val="0"/>
+              </a:spcAft>
+              <a:buNone/>
+            </a:pPr>
+            <a:r>
+              <a:rPr lang="en-GB" sz="1600">
+                <a:latin typeface="Cabin"/>
+                <a:ea typeface="Cabin"/>
+                <a:cs typeface="Cabin"/>
+                <a:sym typeface="Cabin"/>
+              </a:rPr>
+              <a:t>outcome </a:t>
+            </a:r>
+            <a:r>
+              <a:rPr lang="en-GB" sz="1600" b="1">
+                <a:latin typeface="Cabin"/>
+                <a:ea typeface="Cabin"/>
+                <a:cs typeface="Cabin"/>
+                <a:sym typeface="Cabin"/>
+              </a:rPr>
+              <a:t>~</a:t>
+            </a:r>
+            <a:r>
+              <a:rPr lang="en-GB" sz="1600">
+                <a:latin typeface="Cabin"/>
+                <a:ea typeface="Cabin"/>
+                <a:cs typeface="Cabin"/>
+                <a:sym typeface="Cabin"/>
+              </a:rPr>
+              <a:t> predictors</a:t>
+            </a:r>
+            <a:endParaRPr sz="1600">
+              <a:latin typeface="Cabin"/>
+              <a:ea typeface="Cabin"/>
+              <a:cs typeface="Cabin"/>
+              <a:sym typeface="Cabin"/>
+            </a:endParaRPr>
+          </a:p>
+        </p:txBody>
+      </p:sp>
+    </p:spTree>
+  </p:cSld>
+  <p:clrMapOvr>
+    <a:masterClrMapping/>
+  </p:clrMapOvr>
+</p:sld>
+</file>
+
+<file path=ppt/slides/slide12.xml><?xml version="1.0" encoding="utf-8"?>
+<p:sld xmlns:a="http://schemas.openxmlformats.org/drawingml/2006/main" xmlns:r="http://schemas.openxmlformats.org/officeDocument/2006/relationships" xmlns:p="http://schemas.openxmlformats.org/presentationml/2006/main">
+  <p:cSld>
+    <p:spTree>
+      <p:nvGrpSpPr>
         <p:cNvPr id="1" name="Shape 199"/>
         <p:cNvGrpSpPr/>
         <p:nvPr/>
@@ -10367,7 +12658,7 @@
               <a:buNone/>
             </a:pPr>
             <a:r>
-              <a:rPr lang="en-GB">
+              <a:rPr lang="en-GB" dirty="0">
                 <a:latin typeface="Cabin"/>
                 <a:ea typeface="Cabin"/>
                 <a:cs typeface="Cabin"/>
@@ -10375,7 +12666,7 @@
               </a:rPr>
               <a:t>Model: </a:t>
             </a:r>
-            <a:endParaRPr>
+            <a:endParaRPr dirty="0">
               <a:latin typeface="Cabin"/>
               <a:ea typeface="Cabin"/>
               <a:cs typeface="Cabin"/>
@@ -10383,20 +12674,13 @@
             </a:endParaRPr>
           </a:p>
           <a:p>
-            <a:pPr marL="0" lvl="0" indent="457200" algn="l" rtl="0">
+            <a:pPr lvl="0" indent="457200">
               <a:lnSpc>
                 <a:spcPct val="115000"/>
               </a:lnSpc>
-              <a:spcBef>
-                <a:spcPts val="0"/>
-              </a:spcBef>
-              <a:spcAft>
-                <a:spcPts val="0"/>
-              </a:spcAft>
-              <a:buNone/>
-            </a:pPr>
-            <a:r>
-              <a:rPr lang="en-GB">
+            </a:pPr>
+            <a:r>
+              <a:rPr lang="en-GB" dirty="0">
                 <a:latin typeface="Cabin"/>
                 <a:ea typeface="Cabin"/>
                 <a:cs typeface="Cabin"/>
@@ -10405,7 +12689,7 @@
               <a:t>Y = </a:t>
             </a:r>
             <a:r>
-              <a:rPr lang="en-GB">
+              <a:rPr lang="en-GB" dirty="0">
                 <a:solidFill>
                   <a:schemeClr val="dk1"/>
                 </a:solidFill>
@@ -10417,7 +12701,7 @@
               <a:t>𝛽</a:t>
             </a:r>
             <a:r>
-              <a:rPr lang="en-GB" baseline="-25000">
+              <a:rPr lang="en-GB" baseline="-25000" dirty="0">
                 <a:solidFill>
                   <a:schemeClr val="dk1"/>
                 </a:solidFill>
@@ -10429,7 +12713,7 @@
               <a:t>0</a:t>
             </a:r>
             <a:r>
-              <a:rPr lang="en-GB">
+              <a:rPr lang="en-GB" dirty="0">
                 <a:solidFill>
                   <a:schemeClr val="dk1"/>
                 </a:solidFill>
@@ -10441,7 +12725,7 @@
               <a:t> + 𝛽</a:t>
             </a:r>
             <a:r>
-              <a:rPr lang="en-GB" baseline="-25000">
+              <a:rPr lang="en-GB" baseline="-25000" dirty="0">
                 <a:solidFill>
                   <a:schemeClr val="dk1"/>
                 </a:solidFill>
@@ -10453,7 +12737,7 @@
               <a:t>1</a:t>
             </a:r>
             <a:r>
-              <a:rPr lang="en-GB" baseline="30000">
+              <a:rPr lang="en-GB" baseline="30000" dirty="0">
                 <a:solidFill>
                   <a:schemeClr val="dk1"/>
                 </a:solidFill>
@@ -10465,7 +12749,7 @@
               <a:t> </a:t>
             </a:r>
             <a:r>
-              <a:rPr lang="en-GB" b="1">
+              <a:rPr lang="en-GB" b="1" dirty="0">
                 <a:solidFill>
                   <a:srgbClr val="A64D79"/>
                 </a:solidFill>
@@ -10477,7 +12761,7 @@
               <a:t>X</a:t>
             </a:r>
             <a:r>
-              <a:rPr lang="en-GB" b="1" baseline="-25000">
+              <a:rPr lang="en-GB" b="1" baseline="-25000" dirty="0">
                 <a:solidFill>
                   <a:srgbClr val="A64D79"/>
                 </a:solidFill>
@@ -10486,9 +12770,21 @@
                 <a:cs typeface="Cabin"/>
                 <a:sym typeface="Cabin"/>
               </a:rPr>
-              <a:t>B</a:t>
-            </a:r>
-            <a:endParaRPr b="1" baseline="-25000">
+              <a:t>B </a:t>
+            </a:r>
+            <a:r>
+              <a:rPr lang="en-GB" dirty="0">
+                <a:solidFill>
+                  <a:schemeClr val="dk1"/>
+                </a:solidFill>
+                <a:latin typeface="Cabin"/>
+                <a:ea typeface="Cabin"/>
+                <a:cs typeface="Cabin"/>
+                <a:sym typeface="Cabin"/>
+              </a:rPr>
+              <a:t>+ 𝞊</a:t>
+            </a:r>
+            <a:endParaRPr b="1" baseline="-25000" dirty="0">
               <a:solidFill>
                 <a:srgbClr val="A64D79"/>
               </a:solidFill>
@@ -10511,7 +12807,7 @@
               </a:spcAft>
               <a:buNone/>
             </a:pPr>
-            <a:endParaRPr baseline="-25000">
+            <a:endParaRPr baseline="-25000" dirty="0">
               <a:solidFill>
                 <a:schemeClr val="dk1"/>
               </a:solidFill>
@@ -10535,7 +12831,7 @@
               <a:buNone/>
             </a:pPr>
             <a:r>
-              <a:rPr lang="en-GB">
+              <a:rPr lang="en-GB" dirty="0">
                 <a:solidFill>
                   <a:schemeClr val="dk1"/>
                 </a:solidFill>
@@ -10547,7 +12843,7 @@
               <a:t>𝛽</a:t>
             </a:r>
             <a:r>
-              <a:rPr lang="en-GB" baseline="-25000">
+              <a:rPr lang="en-GB" baseline="-25000" dirty="0">
                 <a:solidFill>
                   <a:schemeClr val="dk1"/>
                 </a:solidFill>
@@ -10559,7 +12855,7 @@
               <a:t>0</a:t>
             </a:r>
             <a:r>
-              <a:rPr lang="en-GB">
+              <a:rPr lang="en-GB" dirty="0">
                 <a:solidFill>
                   <a:schemeClr val="dk1"/>
                 </a:solidFill>
@@ -10571,7 +12867,7 @@
               <a:t> = </a:t>
             </a:r>
             <a:r>
-              <a:rPr lang="en-GB" i="1">
+              <a:rPr lang="en-GB" i="1" dirty="0">
                 <a:solidFill>
                   <a:schemeClr val="dk1"/>
                 </a:solidFill>
@@ -10582,7 +12878,7 @@
               </a:rPr>
               <a:t>average of the reference group</a:t>
             </a:r>
-            <a:endParaRPr i="1">
+            <a:endParaRPr i="1" dirty="0">
               <a:solidFill>
                 <a:schemeClr val="dk1"/>
               </a:solidFill>
@@ -10606,7 +12902,7 @@
               <a:buNone/>
             </a:pPr>
             <a:r>
-              <a:rPr lang="en-GB">
+              <a:rPr lang="en-GB" dirty="0">
                 <a:solidFill>
                   <a:schemeClr val="dk1"/>
                 </a:solidFill>
@@ -10618,7 +12914,7 @@
               <a:t>𝛽</a:t>
             </a:r>
             <a:r>
-              <a:rPr lang="en-GB" baseline="-25000">
+              <a:rPr lang="en-GB" baseline="-25000" dirty="0">
                 <a:solidFill>
                   <a:schemeClr val="dk1"/>
                 </a:solidFill>
@@ -10630,7 +12926,7 @@
               <a:t>1</a:t>
             </a:r>
             <a:r>
-              <a:rPr lang="en-GB">
+              <a:rPr lang="en-GB" dirty="0">
                 <a:solidFill>
                   <a:schemeClr val="dk1"/>
                 </a:solidFill>
@@ -10642,7 +12938,7 @@
               <a:t> = </a:t>
             </a:r>
             <a:r>
-              <a:rPr lang="en-GB" b="1" i="1">
+              <a:rPr lang="en-GB" b="1" i="1" dirty="0">
                 <a:solidFill>
                   <a:schemeClr val="dk1"/>
                 </a:solidFill>
@@ -10654,7 +12950,7 @@
               <a:t>difference</a:t>
             </a:r>
             <a:r>
-              <a:rPr lang="en-GB">
+              <a:rPr lang="en-GB" dirty="0">
                 <a:solidFill>
                   <a:schemeClr val="dk1"/>
                 </a:solidFill>
@@ -10665,7 +12961,7 @@
               </a:rPr>
               <a:t> to the reference group</a:t>
             </a:r>
-            <a:endParaRPr>
+            <a:endParaRPr dirty="0">
               <a:solidFill>
                 <a:schemeClr val="dk1"/>
               </a:solidFill>
@@ -10990,7 +13286,7 @@
 </p:sld>
 </file>
 
-<file path=ppt/slides/slide11.xml><?xml version="1.0" encoding="utf-8"?>
+<file path=ppt/slides/slide13.xml><?xml version="1.0" encoding="utf-8"?>
 <p:sld xmlns:a="http://schemas.openxmlformats.org/drawingml/2006/main" xmlns:r="http://schemas.openxmlformats.org/officeDocument/2006/relationships" xmlns:p="http://schemas.openxmlformats.org/presentationml/2006/main">
   <p:cSld>
     <p:spTree>
@@ -11996,7 +14292,7 @@
               <a:buNone/>
             </a:pPr>
             <a:r>
-              <a:rPr lang="en-GB">
+              <a:rPr lang="en-GB" dirty="0">
                 <a:latin typeface="Cabin"/>
                 <a:ea typeface="Cabin"/>
                 <a:cs typeface="Cabin"/>
@@ -12004,7 +14300,7 @@
               </a:rPr>
               <a:t>Model: </a:t>
             </a:r>
-            <a:endParaRPr>
+            <a:endParaRPr dirty="0">
               <a:latin typeface="Cabin"/>
               <a:ea typeface="Cabin"/>
               <a:cs typeface="Cabin"/>
@@ -12012,20 +14308,13 @@
             </a:endParaRPr>
           </a:p>
           <a:p>
-            <a:pPr marL="0" lvl="0" indent="457200" algn="l" rtl="0">
+            <a:pPr lvl="0" indent="457200">
               <a:lnSpc>
                 <a:spcPct val="115000"/>
               </a:lnSpc>
-              <a:spcBef>
-                <a:spcPts val="0"/>
-              </a:spcBef>
-              <a:spcAft>
-                <a:spcPts val="0"/>
-              </a:spcAft>
-              <a:buNone/>
-            </a:pPr>
-            <a:r>
-              <a:rPr lang="en-GB">
+            </a:pPr>
+            <a:r>
+              <a:rPr lang="en-GB" dirty="0">
                 <a:latin typeface="Cabin"/>
                 <a:ea typeface="Cabin"/>
                 <a:cs typeface="Cabin"/>
@@ -12034,7 +14323,7 @@
               <a:t>Y = </a:t>
             </a:r>
             <a:r>
-              <a:rPr lang="en-GB">
+              <a:rPr lang="en-GB" dirty="0">
                 <a:solidFill>
                   <a:schemeClr val="dk1"/>
                 </a:solidFill>
@@ -12046,7 +14335,7 @@
               <a:t>𝛽</a:t>
             </a:r>
             <a:r>
-              <a:rPr lang="en-GB" baseline="-25000">
+              <a:rPr lang="en-GB" baseline="-25000" dirty="0">
                 <a:solidFill>
                   <a:schemeClr val="dk1"/>
                 </a:solidFill>
@@ -12058,7 +14347,7 @@
               <a:t>0</a:t>
             </a:r>
             <a:r>
-              <a:rPr lang="en-GB">
+              <a:rPr lang="en-GB" dirty="0">
                 <a:solidFill>
                   <a:schemeClr val="dk1"/>
                 </a:solidFill>
@@ -12070,7 +14359,7 @@
               <a:t> + 𝛽</a:t>
             </a:r>
             <a:r>
-              <a:rPr lang="en-GB" baseline="-25000">
+              <a:rPr lang="en-GB" baseline="-25000" dirty="0">
                 <a:solidFill>
                   <a:schemeClr val="dk1"/>
                 </a:solidFill>
@@ -12082,7 +14371,7 @@
               <a:t>1</a:t>
             </a:r>
             <a:r>
-              <a:rPr lang="en-GB" baseline="30000">
+              <a:rPr lang="en-GB" baseline="30000" dirty="0">
                 <a:solidFill>
                   <a:schemeClr val="dk1"/>
                 </a:solidFill>
@@ -12094,7 +14383,7 @@
               <a:t> </a:t>
             </a:r>
             <a:r>
-              <a:rPr lang="en-GB" b="1">
+              <a:rPr lang="en-GB" b="1" dirty="0">
                 <a:solidFill>
                   <a:srgbClr val="A64D79"/>
                 </a:solidFill>
@@ -12106,7 +14395,7 @@
               <a:t>X</a:t>
             </a:r>
             <a:r>
-              <a:rPr lang="en-GB" b="1" baseline="-25000">
+              <a:rPr lang="en-GB" b="1" baseline="-25000" dirty="0">
                 <a:solidFill>
                   <a:srgbClr val="A64D79"/>
                 </a:solidFill>
@@ -12117,7 +14406,19 @@
               </a:rPr>
               <a:t>B</a:t>
             </a:r>
-            <a:endParaRPr b="1" baseline="-25000">
+            <a:r>
+              <a:rPr lang="en-GB" dirty="0">
+                <a:solidFill>
+                  <a:schemeClr val="dk1"/>
+                </a:solidFill>
+                <a:latin typeface="Cabin"/>
+                <a:ea typeface="Cabin"/>
+                <a:cs typeface="Cabin"/>
+                <a:sym typeface="Cabin"/>
+              </a:rPr>
+              <a:t> + 𝞊</a:t>
+            </a:r>
+            <a:endParaRPr b="1" baseline="-25000" dirty="0">
               <a:solidFill>
                 <a:srgbClr val="A64D79"/>
               </a:solidFill>
@@ -12140,7 +14441,7 @@
               </a:spcAft>
               <a:buNone/>
             </a:pPr>
-            <a:endParaRPr baseline="-25000">
+            <a:endParaRPr baseline="-25000" dirty="0">
               <a:solidFill>
                 <a:schemeClr val="dk1"/>
               </a:solidFill>
@@ -12164,7 +14465,7 @@
               <a:buNone/>
             </a:pPr>
             <a:r>
-              <a:rPr lang="en-GB">
+              <a:rPr lang="en-GB" dirty="0">
                 <a:solidFill>
                   <a:schemeClr val="dk1"/>
                 </a:solidFill>
@@ -12176,7 +14477,7 @@
               <a:t>𝛽</a:t>
             </a:r>
             <a:r>
-              <a:rPr lang="en-GB" baseline="-25000">
+              <a:rPr lang="en-GB" baseline="-25000" dirty="0">
                 <a:solidFill>
                   <a:schemeClr val="dk1"/>
                 </a:solidFill>
@@ -12188,7 +14489,7 @@
               <a:t>0</a:t>
             </a:r>
             <a:r>
-              <a:rPr lang="en-GB">
+              <a:rPr lang="en-GB" dirty="0">
                 <a:solidFill>
                   <a:schemeClr val="dk1"/>
                 </a:solidFill>
@@ -12200,7 +14501,7 @@
               <a:t> = </a:t>
             </a:r>
             <a:r>
-              <a:rPr lang="en-GB" i="1">
+              <a:rPr lang="en-GB" i="1" dirty="0">
                 <a:solidFill>
                   <a:schemeClr val="dk1"/>
                 </a:solidFill>
@@ -12211,7 +14512,7 @@
               </a:rPr>
               <a:t>average of the reference group</a:t>
             </a:r>
-            <a:endParaRPr i="1">
+            <a:endParaRPr i="1" dirty="0">
               <a:solidFill>
                 <a:schemeClr val="dk1"/>
               </a:solidFill>
@@ -12235,7 +14536,7 @@
               <a:buNone/>
             </a:pPr>
             <a:r>
-              <a:rPr lang="en-GB">
+              <a:rPr lang="en-GB" dirty="0">
                 <a:solidFill>
                   <a:schemeClr val="dk1"/>
                 </a:solidFill>
@@ -12247,7 +14548,7 @@
               <a:t>𝛽</a:t>
             </a:r>
             <a:r>
-              <a:rPr lang="en-GB" baseline="-25000">
+              <a:rPr lang="en-GB" baseline="-25000" dirty="0">
                 <a:solidFill>
                   <a:schemeClr val="dk1"/>
                 </a:solidFill>
@@ -12259,7 +14560,7 @@
               <a:t>1</a:t>
             </a:r>
             <a:r>
-              <a:rPr lang="en-GB">
+              <a:rPr lang="en-GB" dirty="0">
                 <a:solidFill>
                   <a:schemeClr val="dk1"/>
                 </a:solidFill>
@@ -12271,7 +14572,7 @@
               <a:t> = </a:t>
             </a:r>
             <a:r>
-              <a:rPr lang="en-GB" b="1" i="1">
+              <a:rPr lang="en-GB" b="1" i="1" dirty="0">
                 <a:solidFill>
                   <a:schemeClr val="dk1"/>
                 </a:solidFill>
@@ -12283,7 +14584,7 @@
               <a:t>difference</a:t>
             </a:r>
             <a:r>
-              <a:rPr lang="en-GB">
+              <a:rPr lang="en-GB" dirty="0">
                 <a:solidFill>
                   <a:schemeClr val="dk1"/>
                 </a:solidFill>
@@ -12294,7 +14595,7 @@
               </a:rPr>
               <a:t> to the reference group</a:t>
             </a:r>
-            <a:endParaRPr>
+            <a:endParaRPr dirty="0">
               <a:solidFill>
                 <a:schemeClr val="dk1"/>
               </a:solidFill>
@@ -12697,7 +14998,7 @@
 </p:sld>
 </file>
 
-<file path=ppt/slides/slide12.xml><?xml version="1.0" encoding="utf-8"?>
+<file path=ppt/slides/slide14.xml><?xml version="1.0" encoding="utf-8"?>
 <p:sld xmlns:a="http://schemas.openxmlformats.org/drawingml/2006/main" xmlns:r="http://schemas.openxmlformats.org/officeDocument/2006/relationships" xmlns:p="http://schemas.openxmlformats.org/presentationml/2006/main">
   <p:cSld>
     <p:spTree>
@@ -15201,7 +17502,7 @@
 </p:sld>
 </file>
 
-<file path=ppt/slides/slide13.xml><?xml version="1.0" encoding="utf-8"?>
+<file path=ppt/slides/slide15.xml><?xml version="1.0" encoding="utf-8"?>
 <p:sld xmlns:a="http://schemas.openxmlformats.org/drawingml/2006/main" xmlns:r="http://schemas.openxmlformats.org/officeDocument/2006/relationships" xmlns:p="http://schemas.openxmlformats.org/presentationml/2006/main">
   <p:cSld>
     <p:spTree>
@@ -15670,7 +17971,7 @@
 </p:sld>
 </file>
 
-<file path=ppt/slides/slide14.xml><?xml version="1.0" encoding="utf-8"?>
+<file path=ppt/slides/slide16.xml><?xml version="1.0" encoding="utf-8"?>
 <p:sld xmlns:a="http://schemas.openxmlformats.org/drawingml/2006/main" xmlns:r="http://schemas.openxmlformats.org/officeDocument/2006/relationships" xmlns:p="http://schemas.openxmlformats.org/presentationml/2006/main">
   <p:cSld>
     <p:spTree>
@@ -17912,7 +20213,7 @@
 </p:sld>
 </file>
 
-<file path=ppt/slides/slide15.xml><?xml version="1.0" encoding="utf-8"?>
+<file path=ppt/slides/slide17.xml><?xml version="1.0" encoding="utf-8"?>
 <p:sld xmlns:a="http://schemas.openxmlformats.org/drawingml/2006/main" xmlns:r="http://schemas.openxmlformats.org/officeDocument/2006/relationships" xmlns:p="http://schemas.openxmlformats.org/presentationml/2006/main">
   <p:cSld>
     <p:spTree>
@@ -20315,7 +22616,7 @@
 </p:sld>
 </file>
 
-<file path=ppt/slides/slide16.xml><?xml version="1.0" encoding="utf-8"?>
+<file path=ppt/slides/slide18.xml><?xml version="1.0" encoding="utf-8"?>
 <p:sld xmlns:a="http://schemas.openxmlformats.org/drawingml/2006/main" xmlns:r="http://schemas.openxmlformats.org/officeDocument/2006/relationships" xmlns:p="http://schemas.openxmlformats.org/presentationml/2006/main">
   <p:cSld>
     <p:spTree>
@@ -22960,7 +25261,7 @@
 </p:sld>
 </file>
 
-<file path=ppt/slides/slide17.xml><?xml version="1.0" encoding="utf-8"?>
+<file path=ppt/slides/slide19.xml><?xml version="1.0" encoding="utf-8"?>
 <p:sld xmlns:a="http://schemas.openxmlformats.org/drawingml/2006/main" xmlns:r="http://schemas.openxmlformats.org/officeDocument/2006/relationships" xmlns:p="http://schemas.openxmlformats.org/presentationml/2006/main">
   <p:cSld>
     <p:spTree>
@@ -23872,7 +26173,571 @@
 </p:sld>
 </file>
 
-<file path=ppt/slides/slide18.xml><?xml version="1.0" encoding="utf-8"?>
+<file path=ppt/slides/slide2.xml><?xml version="1.0" encoding="utf-8"?>
+<p:sld xmlns:a="http://schemas.openxmlformats.org/drawingml/2006/main" xmlns:r="http://schemas.openxmlformats.org/officeDocument/2006/relationships" xmlns:p="http://schemas.openxmlformats.org/presentationml/2006/main">
+  <p:cSld>
+    <p:spTree>
+      <p:nvGrpSpPr>
+        <p:cNvPr id="1" name="Shape 89"/>
+        <p:cNvGrpSpPr/>
+        <p:nvPr/>
+      </p:nvGrpSpPr>
+      <p:grpSpPr>
+        <a:xfrm>
+          <a:off x="0" y="0"/>
+          <a:ext cx="0" cy="0"/>
+          <a:chOff x="0" y="0"/>
+          <a:chExt cx="0" cy="0"/>
+        </a:xfrm>
+      </p:grpSpPr>
+      <p:sp>
+        <p:nvSpPr>
+          <p:cNvPr id="90" name="Google Shape;90;p17"/>
+          <p:cNvSpPr txBox="1">
+            <a:spLocks noGrp="1"/>
+          </p:cNvSpPr>
+          <p:nvPr>
+            <p:ph type="title"/>
+          </p:nvPr>
+        </p:nvSpPr>
+        <p:spPr>
+          <a:xfrm>
+            <a:off x="76200" y="0"/>
+            <a:ext cx="8520600" cy="572700"/>
+          </a:xfrm>
+          <a:prstGeom prst="rect">
+            <a:avLst/>
+          </a:prstGeom>
+        </p:spPr>
+        <p:txBody>
+          <a:bodyPr spcFirstLastPara="1" wrap="square" lIns="91425" tIns="91425" rIns="91425" bIns="91425" anchor="t" anchorCtr="0">
+            <a:noAutofit/>
+          </a:bodyPr>
+          <a:lstStyle/>
+          <a:p>
+            <a:pPr marL="0" lvl="0" indent="0" algn="l" rtl="0">
+              <a:spcBef>
+                <a:spcPts val="0"/>
+              </a:spcBef>
+              <a:spcAft>
+                <a:spcPts val="0"/>
+              </a:spcAft>
+              <a:buNone/>
+            </a:pPr>
+            <a:r>
+              <a:rPr lang="en-GB"/>
+              <a:t>Outline</a:t>
+            </a:r>
+            <a:endParaRPr/>
+          </a:p>
+        </p:txBody>
+      </p:sp>
+      <p:sp>
+        <p:nvSpPr>
+          <p:cNvPr id="91" name="Google Shape;91;p17"/>
+          <p:cNvSpPr txBox="1"/>
+          <p:nvPr/>
+        </p:nvSpPr>
+        <p:spPr>
+          <a:xfrm>
+            <a:off x="466625" y="741650"/>
+            <a:ext cx="8208300" cy="4125000"/>
+          </a:xfrm>
+          <a:prstGeom prst="rect">
+            <a:avLst/>
+          </a:prstGeom>
+          <a:noFill/>
+          <a:ln>
+            <a:noFill/>
+          </a:ln>
+        </p:spPr>
+        <p:txBody>
+          <a:bodyPr spcFirstLastPara="1" wrap="square" lIns="91425" tIns="91425" rIns="91425" bIns="91425" anchor="t" anchorCtr="0">
+            <a:spAutoFit/>
+          </a:bodyPr>
+          <a:lstStyle/>
+          <a:p>
+            <a:pPr marL="457200" lvl="0" indent="-330200" algn="l" rtl="0">
+              <a:lnSpc>
+                <a:spcPct val="150000"/>
+              </a:lnSpc>
+              <a:spcBef>
+                <a:spcPts val="0"/>
+              </a:spcBef>
+              <a:spcAft>
+                <a:spcPts val="0"/>
+              </a:spcAft>
+              <a:buSzPts val="1600"/>
+              <a:buFont typeface="Cabin"/>
+              <a:buChar char="●"/>
+            </a:pPr>
+            <a:r>
+              <a:rPr lang="en-GB" sz="1600">
+                <a:latin typeface="Cabin"/>
+                <a:ea typeface="Cabin"/>
+                <a:cs typeface="Cabin"/>
+                <a:sym typeface="Cabin"/>
+              </a:rPr>
+              <a:t>How to interpret linear models coefficients</a:t>
+            </a:r>
+            <a:endParaRPr sz="1600">
+              <a:latin typeface="Cabin"/>
+              <a:ea typeface="Cabin"/>
+              <a:cs typeface="Cabin"/>
+              <a:sym typeface="Cabin"/>
+            </a:endParaRPr>
+          </a:p>
+          <a:p>
+            <a:pPr marL="914400" lvl="1" indent="-330200" algn="l" rtl="0">
+              <a:lnSpc>
+                <a:spcPct val="150000"/>
+              </a:lnSpc>
+              <a:spcBef>
+                <a:spcPts val="0"/>
+              </a:spcBef>
+              <a:spcAft>
+                <a:spcPts val="0"/>
+              </a:spcAft>
+              <a:buSzPts val="1600"/>
+              <a:buFont typeface="Cabin"/>
+              <a:buChar char="○"/>
+            </a:pPr>
+            <a:r>
+              <a:rPr lang="en-GB" sz="1600">
+                <a:latin typeface="Cabin"/>
+                <a:ea typeface="Cabin"/>
+                <a:cs typeface="Cabin"/>
+                <a:sym typeface="Cabin"/>
+              </a:rPr>
+              <a:t>categorical variables &amp; model matrix</a:t>
+            </a:r>
+            <a:endParaRPr sz="1600">
+              <a:latin typeface="Cabin"/>
+              <a:ea typeface="Cabin"/>
+              <a:cs typeface="Cabin"/>
+              <a:sym typeface="Cabin"/>
+            </a:endParaRPr>
+          </a:p>
+          <a:p>
+            <a:pPr marL="0" lvl="0" indent="0" algn="l" rtl="0">
+              <a:lnSpc>
+                <a:spcPct val="150000"/>
+              </a:lnSpc>
+              <a:spcBef>
+                <a:spcPts val="0"/>
+              </a:spcBef>
+              <a:spcAft>
+                <a:spcPts val="0"/>
+              </a:spcAft>
+              <a:buNone/>
+            </a:pPr>
+            <a:endParaRPr sz="1600">
+              <a:latin typeface="Cabin"/>
+              <a:ea typeface="Cabin"/>
+              <a:cs typeface="Cabin"/>
+              <a:sym typeface="Cabin"/>
+            </a:endParaRPr>
+          </a:p>
+          <a:p>
+            <a:pPr marL="457200" lvl="0" indent="-330200" algn="l" rtl="0">
+              <a:lnSpc>
+                <a:spcPct val="150000"/>
+              </a:lnSpc>
+              <a:spcBef>
+                <a:spcPts val="0"/>
+              </a:spcBef>
+              <a:spcAft>
+                <a:spcPts val="0"/>
+              </a:spcAft>
+              <a:buSzPts val="1600"/>
+              <a:buFont typeface="Cabin"/>
+              <a:buChar char="●"/>
+            </a:pPr>
+            <a:r>
+              <a:rPr lang="en-GB" sz="1600">
+                <a:latin typeface="Cabin"/>
+                <a:ea typeface="Cabin"/>
+                <a:cs typeface="Cabin"/>
+                <a:sym typeface="Cabin"/>
+              </a:rPr>
+              <a:t>How to specify models in R using the “formula syntax”  </a:t>
+            </a:r>
+            <a:endParaRPr sz="1600">
+              <a:latin typeface="Cabin"/>
+              <a:ea typeface="Cabin"/>
+              <a:cs typeface="Cabin"/>
+              <a:sym typeface="Cabin"/>
+            </a:endParaRPr>
+          </a:p>
+          <a:p>
+            <a:pPr marL="0" lvl="0" indent="0" algn="l" rtl="0">
+              <a:lnSpc>
+                <a:spcPct val="150000"/>
+              </a:lnSpc>
+              <a:spcBef>
+                <a:spcPts val="0"/>
+              </a:spcBef>
+              <a:spcAft>
+                <a:spcPts val="0"/>
+              </a:spcAft>
+              <a:buNone/>
+            </a:pPr>
+            <a:endParaRPr sz="1600">
+              <a:latin typeface="Cabin"/>
+              <a:ea typeface="Cabin"/>
+              <a:cs typeface="Cabin"/>
+              <a:sym typeface="Cabin"/>
+            </a:endParaRPr>
+          </a:p>
+          <a:p>
+            <a:pPr marL="457200" lvl="0" indent="-330200" algn="l" rtl="0">
+              <a:lnSpc>
+                <a:spcPct val="150000"/>
+              </a:lnSpc>
+              <a:spcBef>
+                <a:spcPts val="0"/>
+              </a:spcBef>
+              <a:spcAft>
+                <a:spcPts val="0"/>
+              </a:spcAft>
+              <a:buSzPts val="1600"/>
+              <a:buFont typeface="Cabin"/>
+              <a:buChar char="●"/>
+            </a:pPr>
+            <a:r>
+              <a:rPr lang="en-GB" sz="1600">
+                <a:latin typeface="Cabin"/>
+                <a:ea typeface="Cabin"/>
+                <a:cs typeface="Cabin"/>
+                <a:sym typeface="Cabin"/>
+              </a:rPr>
+              <a:t>How to interpret the results of different model designs</a:t>
+            </a:r>
+            <a:endParaRPr sz="1600">
+              <a:latin typeface="Cabin"/>
+              <a:ea typeface="Cabin"/>
+              <a:cs typeface="Cabin"/>
+              <a:sym typeface="Cabin"/>
+            </a:endParaRPr>
+          </a:p>
+          <a:p>
+            <a:pPr marL="914400" lvl="1" indent="-330200" algn="l" rtl="0">
+              <a:lnSpc>
+                <a:spcPct val="150000"/>
+              </a:lnSpc>
+              <a:spcBef>
+                <a:spcPts val="0"/>
+              </a:spcBef>
+              <a:spcAft>
+                <a:spcPts val="0"/>
+              </a:spcAft>
+              <a:buSzPts val="1600"/>
+              <a:buFont typeface="Cabin"/>
+              <a:buChar char="○"/>
+            </a:pPr>
+            <a:r>
+              <a:rPr lang="en-GB" sz="1600">
+                <a:latin typeface="Cabin"/>
+                <a:ea typeface="Cabin"/>
+                <a:cs typeface="Cabin"/>
+                <a:sym typeface="Cabin"/>
+              </a:rPr>
+              <a:t>One factor, 3 levels</a:t>
+            </a:r>
+            <a:endParaRPr sz="1600">
+              <a:latin typeface="Cabin"/>
+              <a:ea typeface="Cabin"/>
+              <a:cs typeface="Cabin"/>
+              <a:sym typeface="Cabin"/>
+            </a:endParaRPr>
+          </a:p>
+          <a:p>
+            <a:pPr marL="914400" lvl="1" indent="-330200" algn="l" rtl="0">
+              <a:lnSpc>
+                <a:spcPct val="150000"/>
+              </a:lnSpc>
+              <a:spcBef>
+                <a:spcPts val="0"/>
+              </a:spcBef>
+              <a:spcAft>
+                <a:spcPts val="0"/>
+              </a:spcAft>
+              <a:buSzPts val="1600"/>
+              <a:buFont typeface="Cabin"/>
+              <a:buChar char="○"/>
+            </a:pPr>
+            <a:r>
+              <a:rPr lang="en-GB" sz="1600">
+                <a:latin typeface="Cabin"/>
+                <a:ea typeface="Cabin"/>
+                <a:cs typeface="Cabin"/>
+                <a:sym typeface="Cabin"/>
+              </a:rPr>
+              <a:t>Two factors, additive</a:t>
+            </a:r>
+            <a:endParaRPr sz="1600">
+              <a:latin typeface="Cabin"/>
+              <a:ea typeface="Cabin"/>
+              <a:cs typeface="Cabin"/>
+              <a:sym typeface="Cabin"/>
+            </a:endParaRPr>
+          </a:p>
+          <a:p>
+            <a:pPr marL="914400" lvl="1" indent="-330200" algn="l" rtl="0">
+              <a:lnSpc>
+                <a:spcPct val="150000"/>
+              </a:lnSpc>
+              <a:spcBef>
+                <a:spcPts val="0"/>
+              </a:spcBef>
+              <a:spcAft>
+                <a:spcPts val="0"/>
+              </a:spcAft>
+              <a:buSzPts val="1600"/>
+              <a:buFont typeface="Cabin"/>
+              <a:buChar char="○"/>
+            </a:pPr>
+            <a:r>
+              <a:rPr lang="en-GB" sz="1600">
+                <a:latin typeface="Cabin"/>
+                <a:ea typeface="Cabin"/>
+                <a:cs typeface="Cabin"/>
+                <a:sym typeface="Cabin"/>
+              </a:rPr>
+              <a:t>Two factors, interaction</a:t>
+            </a:r>
+            <a:endParaRPr sz="1600">
+              <a:latin typeface="Cabin"/>
+              <a:ea typeface="Cabin"/>
+              <a:cs typeface="Cabin"/>
+              <a:sym typeface="Cabin"/>
+            </a:endParaRPr>
+          </a:p>
+          <a:p>
+            <a:pPr marL="0" lvl="0" indent="0" algn="l" rtl="0">
+              <a:lnSpc>
+                <a:spcPct val="150000"/>
+              </a:lnSpc>
+              <a:spcBef>
+                <a:spcPts val="0"/>
+              </a:spcBef>
+              <a:spcAft>
+                <a:spcPts val="0"/>
+              </a:spcAft>
+              <a:buNone/>
+            </a:pPr>
+            <a:endParaRPr sz="1600">
+              <a:latin typeface="Cabin"/>
+              <a:ea typeface="Cabin"/>
+              <a:cs typeface="Cabin"/>
+              <a:sym typeface="Cabin"/>
+            </a:endParaRPr>
+          </a:p>
+          <a:p>
+            <a:pPr marL="457200" lvl="0" indent="-330200" algn="l" rtl="0">
+              <a:lnSpc>
+                <a:spcPct val="150000"/>
+              </a:lnSpc>
+              <a:spcBef>
+                <a:spcPts val="0"/>
+              </a:spcBef>
+              <a:spcAft>
+                <a:spcPts val="0"/>
+              </a:spcAft>
+              <a:buSzPts val="1600"/>
+              <a:buFont typeface="Cabin"/>
+              <a:buChar char="●"/>
+            </a:pPr>
+            <a:r>
+              <a:rPr lang="en-GB" sz="1600">
+                <a:latin typeface="Cabin"/>
+                <a:ea typeface="Cabin"/>
+                <a:cs typeface="Cabin"/>
+                <a:sym typeface="Cabin"/>
+              </a:rPr>
+              <a:t>How </a:t>
+            </a:r>
+            <a:r>
+              <a:rPr lang="en-GB" sz="1600" i="1">
+                <a:latin typeface="Cabin"/>
+                <a:ea typeface="Cabin"/>
+                <a:cs typeface="Cabin"/>
+                <a:sym typeface="Cabin"/>
+              </a:rPr>
+              <a:t>DESeq2</a:t>
+            </a:r>
+            <a:r>
+              <a:rPr lang="en-GB" sz="1600">
+                <a:latin typeface="Cabin"/>
+                <a:ea typeface="Cabin"/>
+                <a:cs typeface="Cabin"/>
+                <a:sym typeface="Cabin"/>
+              </a:rPr>
+              <a:t> reports its results and how to interpret them</a:t>
+            </a:r>
+            <a:endParaRPr sz="1600">
+              <a:latin typeface="Cabin"/>
+              <a:ea typeface="Cabin"/>
+              <a:cs typeface="Cabin"/>
+              <a:sym typeface="Cabin"/>
+            </a:endParaRPr>
+          </a:p>
+        </p:txBody>
+      </p:sp>
+      <p:pic>
+        <p:nvPicPr>
+          <p:cNvPr id="92" name="Google Shape;92;p17"/>
+          <p:cNvPicPr preferRelativeResize="0"/>
+          <p:nvPr/>
+        </p:nvPicPr>
+        <p:blipFill rotWithShape="1">
+          <a:blip r:embed="rId3">
+            <a:alphaModFix/>
+          </a:blip>
+          <a:srcRect l="16422" b="17115"/>
+          <a:stretch/>
+        </p:blipFill>
+        <p:spPr>
+          <a:xfrm>
+            <a:off x="5112326" y="496500"/>
+            <a:ext cx="1390200" cy="1261700"/>
+          </a:xfrm>
+          <a:prstGeom prst="rect">
+            <a:avLst/>
+          </a:prstGeom>
+          <a:noFill/>
+          <a:ln>
+            <a:noFill/>
+          </a:ln>
+        </p:spPr>
+      </p:pic>
+      <p:pic>
+        <p:nvPicPr>
+          <p:cNvPr id="93" name="Google Shape;93;p17"/>
+          <p:cNvPicPr preferRelativeResize="0"/>
+          <p:nvPr/>
+        </p:nvPicPr>
+        <p:blipFill rotWithShape="1">
+          <a:blip r:embed="rId4">
+            <a:alphaModFix/>
+          </a:blip>
+          <a:srcRect l="15874" b="16043"/>
+          <a:stretch/>
+        </p:blipFill>
+        <p:spPr>
+          <a:xfrm>
+            <a:off x="4331600" y="3034650"/>
+            <a:ext cx="1320350" cy="1204300"/>
+          </a:xfrm>
+          <a:prstGeom prst="rect">
+            <a:avLst/>
+          </a:prstGeom>
+          <a:noFill/>
+          <a:ln>
+            <a:noFill/>
+          </a:ln>
+        </p:spPr>
+      </p:pic>
+      <p:pic>
+        <p:nvPicPr>
+          <p:cNvPr id="94" name="Google Shape;94;p17"/>
+          <p:cNvPicPr preferRelativeResize="0"/>
+          <p:nvPr/>
+        </p:nvPicPr>
+        <p:blipFill rotWithShape="1">
+          <a:blip r:embed="rId5">
+            <a:alphaModFix/>
+          </a:blip>
+          <a:srcRect l="9681" r="33599" b="18400"/>
+          <a:stretch/>
+        </p:blipFill>
+        <p:spPr>
+          <a:xfrm>
+            <a:off x="6145600" y="3034650"/>
+            <a:ext cx="1802525" cy="1261700"/>
+          </a:xfrm>
+          <a:prstGeom prst="rect">
+            <a:avLst/>
+          </a:prstGeom>
+          <a:noFill/>
+          <a:ln>
+            <a:noFill/>
+          </a:ln>
+        </p:spPr>
+      </p:pic>
+      <p:sp>
+        <p:nvSpPr>
+          <p:cNvPr id="95" name="Google Shape;95;p17"/>
+          <p:cNvSpPr txBox="1"/>
+          <p:nvPr/>
+        </p:nvSpPr>
+        <p:spPr>
+          <a:xfrm>
+            <a:off x="5858575" y="2064450"/>
+            <a:ext cx="975900" cy="431100"/>
+          </a:xfrm>
+          <a:prstGeom prst="rect">
+            <a:avLst/>
+          </a:prstGeom>
+          <a:noFill/>
+          <a:ln>
+            <a:noFill/>
+          </a:ln>
+        </p:spPr>
+        <p:txBody>
+          <a:bodyPr spcFirstLastPara="1" wrap="square" lIns="91425" tIns="91425" rIns="91425" bIns="91425" anchor="t" anchorCtr="0">
+            <a:spAutoFit/>
+          </a:bodyPr>
+          <a:lstStyle/>
+          <a:p>
+            <a:pPr marL="0" lvl="0" indent="0" algn="l" rtl="0">
+              <a:lnSpc>
+                <a:spcPct val="150000"/>
+              </a:lnSpc>
+              <a:spcBef>
+                <a:spcPts val="0"/>
+              </a:spcBef>
+              <a:spcAft>
+                <a:spcPts val="0"/>
+              </a:spcAft>
+              <a:buNone/>
+            </a:pPr>
+            <a:r>
+              <a:rPr lang="en-GB" sz="1600">
+                <a:solidFill>
+                  <a:schemeClr val="dk1"/>
+                </a:solidFill>
+                <a:highlight>
+                  <a:srgbClr val="EFEFEF"/>
+                </a:highlight>
+                <a:latin typeface="Courier New"/>
+                <a:ea typeface="Courier New"/>
+                <a:cs typeface="Courier New"/>
+                <a:sym typeface="Courier New"/>
+              </a:rPr>
+              <a:t>y ~ x</a:t>
+            </a:r>
+            <a:endParaRPr>
+              <a:highlight>
+                <a:srgbClr val="EFEFEF"/>
+              </a:highlight>
+              <a:latin typeface="Courier New"/>
+              <a:ea typeface="Courier New"/>
+              <a:cs typeface="Courier New"/>
+              <a:sym typeface="Courier New"/>
+            </a:endParaRPr>
+          </a:p>
+        </p:txBody>
+      </p:sp>
+    </p:spTree>
+  </p:cSld>
+  <p:clrMapOvr>
+    <a:masterClrMapping/>
+  </p:clrMapOvr>
+</p:sld>
+</file>
+
+<file path=ppt/slides/slide20.xml><?xml version="1.0" encoding="utf-8"?>
 <p:sld xmlns:a="http://schemas.openxmlformats.org/drawingml/2006/main" xmlns:r="http://schemas.openxmlformats.org/officeDocument/2006/relationships" xmlns:p="http://schemas.openxmlformats.org/presentationml/2006/main">
   <p:cSld>
     <p:spTree>
@@ -25484,7 +28349,7 @@
 </p:sld>
 </file>
 
-<file path=ppt/slides/slide19.xml><?xml version="1.0" encoding="utf-8"?>
+<file path=ppt/slides/slide21.xml><?xml version="1.0" encoding="utf-8"?>
 <p:sld xmlns:a="http://schemas.openxmlformats.org/drawingml/2006/main" xmlns:r="http://schemas.openxmlformats.org/officeDocument/2006/relationships" xmlns:p="http://schemas.openxmlformats.org/presentationml/2006/main">
   <p:cSld>
     <p:spTree>
@@ -25900,571 +28765,7 @@
 </p:sld>
 </file>
 
-<file path=ppt/slides/slide2.xml><?xml version="1.0" encoding="utf-8"?>
-<p:sld xmlns:a="http://schemas.openxmlformats.org/drawingml/2006/main" xmlns:r="http://schemas.openxmlformats.org/officeDocument/2006/relationships" xmlns:p="http://schemas.openxmlformats.org/presentationml/2006/main">
-  <p:cSld>
-    <p:spTree>
-      <p:nvGrpSpPr>
-        <p:cNvPr id="1" name="Shape 89"/>
-        <p:cNvGrpSpPr/>
-        <p:nvPr/>
-      </p:nvGrpSpPr>
-      <p:grpSpPr>
-        <a:xfrm>
-          <a:off x="0" y="0"/>
-          <a:ext cx="0" cy="0"/>
-          <a:chOff x="0" y="0"/>
-          <a:chExt cx="0" cy="0"/>
-        </a:xfrm>
-      </p:grpSpPr>
-      <p:sp>
-        <p:nvSpPr>
-          <p:cNvPr id="90" name="Google Shape;90;p17"/>
-          <p:cNvSpPr txBox="1">
-            <a:spLocks noGrp="1"/>
-          </p:cNvSpPr>
-          <p:nvPr>
-            <p:ph type="title"/>
-          </p:nvPr>
-        </p:nvSpPr>
-        <p:spPr>
-          <a:xfrm>
-            <a:off x="76200" y="0"/>
-            <a:ext cx="8520600" cy="572700"/>
-          </a:xfrm>
-          <a:prstGeom prst="rect">
-            <a:avLst/>
-          </a:prstGeom>
-        </p:spPr>
-        <p:txBody>
-          <a:bodyPr spcFirstLastPara="1" wrap="square" lIns="91425" tIns="91425" rIns="91425" bIns="91425" anchor="t" anchorCtr="0">
-            <a:noAutofit/>
-          </a:bodyPr>
-          <a:lstStyle/>
-          <a:p>
-            <a:pPr marL="0" lvl="0" indent="0" algn="l" rtl="0">
-              <a:spcBef>
-                <a:spcPts val="0"/>
-              </a:spcBef>
-              <a:spcAft>
-                <a:spcPts val="0"/>
-              </a:spcAft>
-              <a:buNone/>
-            </a:pPr>
-            <a:r>
-              <a:rPr lang="en-GB"/>
-              <a:t>Outline</a:t>
-            </a:r>
-            <a:endParaRPr/>
-          </a:p>
-        </p:txBody>
-      </p:sp>
-      <p:sp>
-        <p:nvSpPr>
-          <p:cNvPr id="91" name="Google Shape;91;p17"/>
-          <p:cNvSpPr txBox="1"/>
-          <p:nvPr/>
-        </p:nvSpPr>
-        <p:spPr>
-          <a:xfrm>
-            <a:off x="466625" y="741650"/>
-            <a:ext cx="8208300" cy="4125000"/>
-          </a:xfrm>
-          <a:prstGeom prst="rect">
-            <a:avLst/>
-          </a:prstGeom>
-          <a:noFill/>
-          <a:ln>
-            <a:noFill/>
-          </a:ln>
-        </p:spPr>
-        <p:txBody>
-          <a:bodyPr spcFirstLastPara="1" wrap="square" lIns="91425" tIns="91425" rIns="91425" bIns="91425" anchor="t" anchorCtr="0">
-            <a:spAutoFit/>
-          </a:bodyPr>
-          <a:lstStyle/>
-          <a:p>
-            <a:pPr marL="457200" lvl="0" indent="-330200" algn="l" rtl="0">
-              <a:lnSpc>
-                <a:spcPct val="150000"/>
-              </a:lnSpc>
-              <a:spcBef>
-                <a:spcPts val="0"/>
-              </a:spcBef>
-              <a:spcAft>
-                <a:spcPts val="0"/>
-              </a:spcAft>
-              <a:buSzPts val="1600"/>
-              <a:buFont typeface="Cabin"/>
-              <a:buChar char="●"/>
-            </a:pPr>
-            <a:r>
-              <a:rPr lang="en-GB" sz="1600">
-                <a:latin typeface="Cabin"/>
-                <a:ea typeface="Cabin"/>
-                <a:cs typeface="Cabin"/>
-                <a:sym typeface="Cabin"/>
-              </a:rPr>
-              <a:t>How to interpret linear models coefficients</a:t>
-            </a:r>
-            <a:endParaRPr sz="1600">
-              <a:latin typeface="Cabin"/>
-              <a:ea typeface="Cabin"/>
-              <a:cs typeface="Cabin"/>
-              <a:sym typeface="Cabin"/>
-            </a:endParaRPr>
-          </a:p>
-          <a:p>
-            <a:pPr marL="914400" lvl="1" indent="-330200" algn="l" rtl="0">
-              <a:lnSpc>
-                <a:spcPct val="150000"/>
-              </a:lnSpc>
-              <a:spcBef>
-                <a:spcPts val="0"/>
-              </a:spcBef>
-              <a:spcAft>
-                <a:spcPts val="0"/>
-              </a:spcAft>
-              <a:buSzPts val="1600"/>
-              <a:buFont typeface="Cabin"/>
-              <a:buChar char="○"/>
-            </a:pPr>
-            <a:r>
-              <a:rPr lang="en-GB" sz="1600">
-                <a:latin typeface="Cabin"/>
-                <a:ea typeface="Cabin"/>
-                <a:cs typeface="Cabin"/>
-                <a:sym typeface="Cabin"/>
-              </a:rPr>
-              <a:t>categorical variables &amp; model matrix</a:t>
-            </a:r>
-            <a:endParaRPr sz="1600">
-              <a:latin typeface="Cabin"/>
-              <a:ea typeface="Cabin"/>
-              <a:cs typeface="Cabin"/>
-              <a:sym typeface="Cabin"/>
-            </a:endParaRPr>
-          </a:p>
-          <a:p>
-            <a:pPr marL="0" lvl="0" indent="0" algn="l" rtl="0">
-              <a:lnSpc>
-                <a:spcPct val="150000"/>
-              </a:lnSpc>
-              <a:spcBef>
-                <a:spcPts val="0"/>
-              </a:spcBef>
-              <a:spcAft>
-                <a:spcPts val="0"/>
-              </a:spcAft>
-              <a:buNone/>
-            </a:pPr>
-            <a:endParaRPr sz="1600">
-              <a:latin typeface="Cabin"/>
-              <a:ea typeface="Cabin"/>
-              <a:cs typeface="Cabin"/>
-              <a:sym typeface="Cabin"/>
-            </a:endParaRPr>
-          </a:p>
-          <a:p>
-            <a:pPr marL="457200" lvl="0" indent="-330200" algn="l" rtl="0">
-              <a:lnSpc>
-                <a:spcPct val="150000"/>
-              </a:lnSpc>
-              <a:spcBef>
-                <a:spcPts val="0"/>
-              </a:spcBef>
-              <a:spcAft>
-                <a:spcPts val="0"/>
-              </a:spcAft>
-              <a:buSzPts val="1600"/>
-              <a:buFont typeface="Cabin"/>
-              <a:buChar char="●"/>
-            </a:pPr>
-            <a:r>
-              <a:rPr lang="en-GB" sz="1600">
-                <a:latin typeface="Cabin"/>
-                <a:ea typeface="Cabin"/>
-                <a:cs typeface="Cabin"/>
-                <a:sym typeface="Cabin"/>
-              </a:rPr>
-              <a:t>How to specify models in R using the “formula syntax”  </a:t>
-            </a:r>
-            <a:endParaRPr sz="1600">
-              <a:latin typeface="Cabin"/>
-              <a:ea typeface="Cabin"/>
-              <a:cs typeface="Cabin"/>
-              <a:sym typeface="Cabin"/>
-            </a:endParaRPr>
-          </a:p>
-          <a:p>
-            <a:pPr marL="0" lvl="0" indent="0" algn="l" rtl="0">
-              <a:lnSpc>
-                <a:spcPct val="150000"/>
-              </a:lnSpc>
-              <a:spcBef>
-                <a:spcPts val="0"/>
-              </a:spcBef>
-              <a:spcAft>
-                <a:spcPts val="0"/>
-              </a:spcAft>
-              <a:buNone/>
-            </a:pPr>
-            <a:endParaRPr sz="1600">
-              <a:latin typeface="Cabin"/>
-              <a:ea typeface="Cabin"/>
-              <a:cs typeface="Cabin"/>
-              <a:sym typeface="Cabin"/>
-            </a:endParaRPr>
-          </a:p>
-          <a:p>
-            <a:pPr marL="457200" lvl="0" indent="-330200" algn="l" rtl="0">
-              <a:lnSpc>
-                <a:spcPct val="150000"/>
-              </a:lnSpc>
-              <a:spcBef>
-                <a:spcPts val="0"/>
-              </a:spcBef>
-              <a:spcAft>
-                <a:spcPts val="0"/>
-              </a:spcAft>
-              <a:buSzPts val="1600"/>
-              <a:buFont typeface="Cabin"/>
-              <a:buChar char="●"/>
-            </a:pPr>
-            <a:r>
-              <a:rPr lang="en-GB" sz="1600">
-                <a:latin typeface="Cabin"/>
-                <a:ea typeface="Cabin"/>
-                <a:cs typeface="Cabin"/>
-                <a:sym typeface="Cabin"/>
-              </a:rPr>
-              <a:t>How to interpret the results of different model designs</a:t>
-            </a:r>
-            <a:endParaRPr sz="1600">
-              <a:latin typeface="Cabin"/>
-              <a:ea typeface="Cabin"/>
-              <a:cs typeface="Cabin"/>
-              <a:sym typeface="Cabin"/>
-            </a:endParaRPr>
-          </a:p>
-          <a:p>
-            <a:pPr marL="914400" lvl="1" indent="-330200" algn="l" rtl="0">
-              <a:lnSpc>
-                <a:spcPct val="150000"/>
-              </a:lnSpc>
-              <a:spcBef>
-                <a:spcPts val="0"/>
-              </a:spcBef>
-              <a:spcAft>
-                <a:spcPts val="0"/>
-              </a:spcAft>
-              <a:buSzPts val="1600"/>
-              <a:buFont typeface="Cabin"/>
-              <a:buChar char="○"/>
-            </a:pPr>
-            <a:r>
-              <a:rPr lang="en-GB" sz="1600">
-                <a:latin typeface="Cabin"/>
-                <a:ea typeface="Cabin"/>
-                <a:cs typeface="Cabin"/>
-                <a:sym typeface="Cabin"/>
-              </a:rPr>
-              <a:t>One factor, 3 levels</a:t>
-            </a:r>
-            <a:endParaRPr sz="1600">
-              <a:latin typeface="Cabin"/>
-              <a:ea typeface="Cabin"/>
-              <a:cs typeface="Cabin"/>
-              <a:sym typeface="Cabin"/>
-            </a:endParaRPr>
-          </a:p>
-          <a:p>
-            <a:pPr marL="914400" lvl="1" indent="-330200" algn="l" rtl="0">
-              <a:lnSpc>
-                <a:spcPct val="150000"/>
-              </a:lnSpc>
-              <a:spcBef>
-                <a:spcPts val="0"/>
-              </a:spcBef>
-              <a:spcAft>
-                <a:spcPts val="0"/>
-              </a:spcAft>
-              <a:buSzPts val="1600"/>
-              <a:buFont typeface="Cabin"/>
-              <a:buChar char="○"/>
-            </a:pPr>
-            <a:r>
-              <a:rPr lang="en-GB" sz="1600">
-                <a:latin typeface="Cabin"/>
-                <a:ea typeface="Cabin"/>
-                <a:cs typeface="Cabin"/>
-                <a:sym typeface="Cabin"/>
-              </a:rPr>
-              <a:t>Two factors, additive</a:t>
-            </a:r>
-            <a:endParaRPr sz="1600">
-              <a:latin typeface="Cabin"/>
-              <a:ea typeface="Cabin"/>
-              <a:cs typeface="Cabin"/>
-              <a:sym typeface="Cabin"/>
-            </a:endParaRPr>
-          </a:p>
-          <a:p>
-            <a:pPr marL="914400" lvl="1" indent="-330200" algn="l" rtl="0">
-              <a:lnSpc>
-                <a:spcPct val="150000"/>
-              </a:lnSpc>
-              <a:spcBef>
-                <a:spcPts val="0"/>
-              </a:spcBef>
-              <a:spcAft>
-                <a:spcPts val="0"/>
-              </a:spcAft>
-              <a:buSzPts val="1600"/>
-              <a:buFont typeface="Cabin"/>
-              <a:buChar char="○"/>
-            </a:pPr>
-            <a:r>
-              <a:rPr lang="en-GB" sz="1600">
-                <a:latin typeface="Cabin"/>
-                <a:ea typeface="Cabin"/>
-                <a:cs typeface="Cabin"/>
-                <a:sym typeface="Cabin"/>
-              </a:rPr>
-              <a:t>Two factors, interaction</a:t>
-            </a:r>
-            <a:endParaRPr sz="1600">
-              <a:latin typeface="Cabin"/>
-              <a:ea typeface="Cabin"/>
-              <a:cs typeface="Cabin"/>
-              <a:sym typeface="Cabin"/>
-            </a:endParaRPr>
-          </a:p>
-          <a:p>
-            <a:pPr marL="0" lvl="0" indent="0" algn="l" rtl="0">
-              <a:lnSpc>
-                <a:spcPct val="150000"/>
-              </a:lnSpc>
-              <a:spcBef>
-                <a:spcPts val="0"/>
-              </a:spcBef>
-              <a:spcAft>
-                <a:spcPts val="0"/>
-              </a:spcAft>
-              <a:buNone/>
-            </a:pPr>
-            <a:endParaRPr sz="1600">
-              <a:latin typeface="Cabin"/>
-              <a:ea typeface="Cabin"/>
-              <a:cs typeface="Cabin"/>
-              <a:sym typeface="Cabin"/>
-            </a:endParaRPr>
-          </a:p>
-          <a:p>
-            <a:pPr marL="457200" lvl="0" indent="-330200" algn="l" rtl="0">
-              <a:lnSpc>
-                <a:spcPct val="150000"/>
-              </a:lnSpc>
-              <a:spcBef>
-                <a:spcPts val="0"/>
-              </a:spcBef>
-              <a:spcAft>
-                <a:spcPts val="0"/>
-              </a:spcAft>
-              <a:buSzPts val="1600"/>
-              <a:buFont typeface="Cabin"/>
-              <a:buChar char="●"/>
-            </a:pPr>
-            <a:r>
-              <a:rPr lang="en-GB" sz="1600">
-                <a:latin typeface="Cabin"/>
-                <a:ea typeface="Cabin"/>
-                <a:cs typeface="Cabin"/>
-                <a:sym typeface="Cabin"/>
-              </a:rPr>
-              <a:t>How </a:t>
-            </a:r>
-            <a:r>
-              <a:rPr lang="en-GB" sz="1600" i="1">
-                <a:latin typeface="Cabin"/>
-                <a:ea typeface="Cabin"/>
-                <a:cs typeface="Cabin"/>
-                <a:sym typeface="Cabin"/>
-              </a:rPr>
-              <a:t>DESeq2</a:t>
-            </a:r>
-            <a:r>
-              <a:rPr lang="en-GB" sz="1600">
-                <a:latin typeface="Cabin"/>
-                <a:ea typeface="Cabin"/>
-                <a:cs typeface="Cabin"/>
-                <a:sym typeface="Cabin"/>
-              </a:rPr>
-              <a:t> reports its results and how to interpret them</a:t>
-            </a:r>
-            <a:endParaRPr sz="1600">
-              <a:latin typeface="Cabin"/>
-              <a:ea typeface="Cabin"/>
-              <a:cs typeface="Cabin"/>
-              <a:sym typeface="Cabin"/>
-            </a:endParaRPr>
-          </a:p>
-        </p:txBody>
-      </p:sp>
-      <p:pic>
-        <p:nvPicPr>
-          <p:cNvPr id="92" name="Google Shape;92;p17"/>
-          <p:cNvPicPr preferRelativeResize="0"/>
-          <p:nvPr/>
-        </p:nvPicPr>
-        <p:blipFill rotWithShape="1">
-          <a:blip r:embed="rId3">
-            <a:alphaModFix/>
-          </a:blip>
-          <a:srcRect l="16422" b="17115"/>
-          <a:stretch/>
-        </p:blipFill>
-        <p:spPr>
-          <a:xfrm>
-            <a:off x="5112326" y="496500"/>
-            <a:ext cx="1390200" cy="1261700"/>
-          </a:xfrm>
-          <a:prstGeom prst="rect">
-            <a:avLst/>
-          </a:prstGeom>
-          <a:noFill/>
-          <a:ln>
-            <a:noFill/>
-          </a:ln>
-        </p:spPr>
-      </p:pic>
-      <p:pic>
-        <p:nvPicPr>
-          <p:cNvPr id="93" name="Google Shape;93;p17"/>
-          <p:cNvPicPr preferRelativeResize="0"/>
-          <p:nvPr/>
-        </p:nvPicPr>
-        <p:blipFill rotWithShape="1">
-          <a:blip r:embed="rId4">
-            <a:alphaModFix/>
-          </a:blip>
-          <a:srcRect l="15874" b="16043"/>
-          <a:stretch/>
-        </p:blipFill>
-        <p:spPr>
-          <a:xfrm>
-            <a:off x="4331600" y="3034650"/>
-            <a:ext cx="1320350" cy="1204300"/>
-          </a:xfrm>
-          <a:prstGeom prst="rect">
-            <a:avLst/>
-          </a:prstGeom>
-          <a:noFill/>
-          <a:ln>
-            <a:noFill/>
-          </a:ln>
-        </p:spPr>
-      </p:pic>
-      <p:pic>
-        <p:nvPicPr>
-          <p:cNvPr id="94" name="Google Shape;94;p17"/>
-          <p:cNvPicPr preferRelativeResize="0"/>
-          <p:nvPr/>
-        </p:nvPicPr>
-        <p:blipFill rotWithShape="1">
-          <a:blip r:embed="rId5">
-            <a:alphaModFix/>
-          </a:blip>
-          <a:srcRect l="9681" r="33599" b="18400"/>
-          <a:stretch/>
-        </p:blipFill>
-        <p:spPr>
-          <a:xfrm>
-            <a:off x="6145600" y="3034650"/>
-            <a:ext cx="1802525" cy="1261700"/>
-          </a:xfrm>
-          <a:prstGeom prst="rect">
-            <a:avLst/>
-          </a:prstGeom>
-          <a:noFill/>
-          <a:ln>
-            <a:noFill/>
-          </a:ln>
-        </p:spPr>
-      </p:pic>
-      <p:sp>
-        <p:nvSpPr>
-          <p:cNvPr id="95" name="Google Shape;95;p17"/>
-          <p:cNvSpPr txBox="1"/>
-          <p:nvPr/>
-        </p:nvSpPr>
-        <p:spPr>
-          <a:xfrm>
-            <a:off x="5858575" y="2064450"/>
-            <a:ext cx="975900" cy="431100"/>
-          </a:xfrm>
-          <a:prstGeom prst="rect">
-            <a:avLst/>
-          </a:prstGeom>
-          <a:noFill/>
-          <a:ln>
-            <a:noFill/>
-          </a:ln>
-        </p:spPr>
-        <p:txBody>
-          <a:bodyPr spcFirstLastPara="1" wrap="square" lIns="91425" tIns="91425" rIns="91425" bIns="91425" anchor="t" anchorCtr="0">
-            <a:spAutoFit/>
-          </a:bodyPr>
-          <a:lstStyle/>
-          <a:p>
-            <a:pPr marL="0" lvl="0" indent="0" algn="l" rtl="0">
-              <a:lnSpc>
-                <a:spcPct val="150000"/>
-              </a:lnSpc>
-              <a:spcBef>
-                <a:spcPts val="0"/>
-              </a:spcBef>
-              <a:spcAft>
-                <a:spcPts val="0"/>
-              </a:spcAft>
-              <a:buNone/>
-            </a:pPr>
-            <a:r>
-              <a:rPr lang="en-GB" sz="1600">
-                <a:solidFill>
-                  <a:schemeClr val="dk1"/>
-                </a:solidFill>
-                <a:highlight>
-                  <a:srgbClr val="EFEFEF"/>
-                </a:highlight>
-                <a:latin typeface="Courier New"/>
-                <a:ea typeface="Courier New"/>
-                <a:cs typeface="Courier New"/>
-                <a:sym typeface="Courier New"/>
-              </a:rPr>
-              <a:t>y ~ x</a:t>
-            </a:r>
-            <a:endParaRPr>
-              <a:highlight>
-                <a:srgbClr val="EFEFEF"/>
-              </a:highlight>
-              <a:latin typeface="Courier New"/>
-              <a:ea typeface="Courier New"/>
-              <a:cs typeface="Courier New"/>
-              <a:sym typeface="Courier New"/>
-            </a:endParaRPr>
-          </a:p>
-        </p:txBody>
-      </p:sp>
-    </p:spTree>
-  </p:cSld>
-  <p:clrMapOvr>
-    <a:masterClrMapping/>
-  </p:clrMapOvr>
-</p:sld>
-</file>
-
-<file path=ppt/slides/slide20.xml><?xml version="1.0" encoding="utf-8"?>
+<file path=ppt/slides/slide22.xml><?xml version="1.0" encoding="utf-8"?>
 <p:sld xmlns:a="http://schemas.openxmlformats.org/drawingml/2006/main" xmlns:r="http://schemas.openxmlformats.org/officeDocument/2006/relationships" xmlns:p="http://schemas.openxmlformats.org/presentationml/2006/main">
   <p:cSld>
     <p:spTree>
@@ -27064,7 +29365,7 @@
 </p:sld>
 </file>
 
-<file path=ppt/slides/slide21.xml><?xml version="1.0" encoding="utf-8"?>
+<file path=ppt/slides/slide23.xml><?xml version="1.0" encoding="utf-8"?>
 <p:sld xmlns:a="http://schemas.openxmlformats.org/drawingml/2006/main" xmlns:r="http://schemas.openxmlformats.org/officeDocument/2006/relationships" xmlns:p="http://schemas.openxmlformats.org/presentationml/2006/main">
   <p:cSld>
     <p:spTree>
@@ -27566,10 +29867,10 @@
               <a:buNone/>
             </a:pPr>
             <a:r>
-              <a:rPr lang="en-GB"/>
-              <a:t>Linear Models in R</a:t>
-            </a:r>
-            <a:endParaRPr/>
+              <a:rPr lang="en-GB" dirty="0"/>
+              <a:t>Linear Model</a:t>
+            </a:r>
+            <a:endParaRPr dirty="0"/>
           </a:p>
         </p:txBody>
       </p:sp>
@@ -27608,7 +29909,7 @@
               <a:buNone/>
             </a:pPr>
             <a:r>
-              <a:rPr lang="en-GB">
+              <a:rPr lang="en-GB" dirty="0">
                 <a:latin typeface="Cabin"/>
                 <a:ea typeface="Cabin"/>
                 <a:cs typeface="Cabin"/>
@@ -27616,7 +29917,7 @@
               </a:rPr>
               <a:t>A model is a simplified representation of how we think different variables relate to each other.</a:t>
             </a:r>
-            <a:endParaRPr>
+            <a:endParaRPr dirty="0">
               <a:latin typeface="Cabin"/>
               <a:ea typeface="Cabin"/>
               <a:cs typeface="Cabin"/>
@@ -27633,7 +29934,7 @@
               </a:spcAft>
               <a:buNone/>
             </a:pPr>
-            <a:endParaRPr>
+            <a:endParaRPr dirty="0">
               <a:latin typeface="Cabin"/>
               <a:ea typeface="Cabin"/>
               <a:cs typeface="Cabin"/>
@@ -27651,7 +29952,7 @@
               <a:buNone/>
             </a:pPr>
             <a:r>
-              <a:rPr lang="en-GB" b="1">
+              <a:rPr lang="en-GB" b="1" dirty="0">
                 <a:solidFill>
                   <a:schemeClr val="dk1"/>
                 </a:solidFill>
@@ -27663,7 +29964,7 @@
               <a:t>Linear models </a:t>
             </a:r>
             <a:r>
-              <a:rPr lang="en-GB">
+              <a:rPr lang="en-GB" dirty="0">
                 <a:solidFill>
                   <a:schemeClr val="dk1"/>
                 </a:solidFill>
@@ -27675,7 +29976,7 @@
               <a:t>are the most commonly used in </a:t>
             </a:r>
             <a:r>
-              <a:rPr lang="en-GB">
+              <a:rPr lang="en-GB" dirty="0">
                 <a:latin typeface="Cabin"/>
                 <a:ea typeface="Cabin"/>
                 <a:cs typeface="Cabin"/>
@@ -27683,7 +29984,7 @@
               </a:rPr>
               <a:t>statistical inference. </a:t>
             </a:r>
-            <a:endParaRPr>
+            <a:endParaRPr dirty="0">
               <a:latin typeface="Cabin"/>
               <a:ea typeface="Cabin"/>
               <a:cs typeface="Cabin"/>
@@ -27779,7 +30080,7 @@
               <a:buNone/>
             </a:pPr>
             <a:r>
-              <a:rPr lang="en-GB">
+              <a:rPr lang="en-GB" dirty="0">
                 <a:latin typeface="Cabin"/>
                 <a:ea typeface="Cabin"/>
                 <a:cs typeface="Cabin"/>
@@ -27787,7 +30088,7 @@
               </a:rPr>
               <a:t>Slope</a:t>
             </a:r>
-            <a:endParaRPr>
+            <a:endParaRPr dirty="0">
               <a:latin typeface="Cabin"/>
               <a:ea typeface="Cabin"/>
               <a:cs typeface="Cabin"/>
@@ -27915,7 +30216,7 @@
               <a:buNone/>
             </a:pPr>
             <a:r>
-              <a:rPr lang="en-GB">
+              <a:rPr lang="en-GB" dirty="0">
                 <a:solidFill>
                   <a:schemeClr val="dk1"/>
                 </a:solidFill>
@@ -27927,7 +30228,7 @@
               <a:t>Y = 𝛽</a:t>
             </a:r>
             <a:r>
-              <a:rPr lang="en-GB" baseline="-25000">
+              <a:rPr lang="en-GB" baseline="-25000" dirty="0">
                 <a:solidFill>
                   <a:schemeClr val="dk1"/>
                 </a:solidFill>
@@ -27939,7 +30240,7 @@
               <a:t>0</a:t>
             </a:r>
             <a:r>
-              <a:rPr lang="en-GB">
+              <a:rPr lang="en-GB" dirty="0">
                 <a:solidFill>
                   <a:schemeClr val="dk1"/>
                 </a:solidFill>
@@ -27951,7 +30252,7 @@
               <a:t> + 𝛽</a:t>
             </a:r>
             <a:r>
-              <a:rPr lang="en-GB" baseline="-25000">
+              <a:rPr lang="en-GB" baseline="-25000" dirty="0">
                 <a:solidFill>
                   <a:schemeClr val="dk1"/>
                 </a:solidFill>
@@ -27963,7 +30264,7 @@
               <a:t>1</a:t>
             </a:r>
             <a:r>
-              <a:rPr lang="en-GB" baseline="30000">
+              <a:rPr lang="en-GB" baseline="30000" dirty="0">
                 <a:solidFill>
                   <a:schemeClr val="dk1"/>
                 </a:solidFill>
@@ -27975,18 +30276,18 @@
               <a:t> </a:t>
             </a:r>
             <a:r>
-              <a:rPr lang="en-GB">
-                <a:solidFill>
-                  <a:schemeClr val="dk1"/>
-                </a:solidFill>
-                <a:latin typeface="Cabin"/>
-                <a:ea typeface="Cabin"/>
-                <a:cs typeface="Cabin"/>
-                <a:sym typeface="Cabin"/>
-              </a:rPr>
-              <a:t>X</a:t>
-            </a:r>
-            <a:endParaRPr>
+              <a:rPr lang="en-GB" dirty="0">
+                <a:solidFill>
+                  <a:schemeClr val="dk1"/>
+                </a:solidFill>
+                <a:latin typeface="Cabin"/>
+                <a:ea typeface="Cabin"/>
+                <a:cs typeface="Cabin"/>
+                <a:sym typeface="Cabin"/>
+              </a:rPr>
+              <a:t>X + 𝞊</a:t>
+            </a:r>
+            <a:endParaRPr dirty="0">
               <a:solidFill>
                 <a:schemeClr val="dk1"/>
               </a:solidFill>
@@ -27995,6 +30296,166 @@
               <a:cs typeface="Cabin"/>
               <a:sym typeface="Cabin"/>
             </a:endParaRPr>
+          </a:p>
+        </p:txBody>
+      </p:sp>
+      <p:cxnSp>
+        <p:nvCxnSpPr>
+          <p:cNvPr id="10" name="Google Shape;105;p18">
+            <a:extLst>
+              <a:ext uri="{FF2B5EF4-FFF2-40B4-BE49-F238E27FC236}">
+                <a16:creationId xmlns:a16="http://schemas.microsoft.com/office/drawing/2014/main" id="{9DE9D344-5F07-B74C-BC4F-952ED9ED3E82}"/>
+              </a:ext>
+            </a:extLst>
+          </p:cNvPr>
+          <p:cNvCxnSpPr/>
+          <p:nvPr/>
+        </p:nvCxnSpPr>
+        <p:spPr>
+          <a:xfrm rot="10800000">
+            <a:off x="4031625" y="2505798"/>
+            <a:ext cx="175800" cy="205200"/>
+          </a:xfrm>
+          <a:prstGeom prst="straightConnector1">
+            <a:avLst/>
+          </a:prstGeom>
+          <a:noFill/>
+          <a:ln w="9525" cap="flat" cmpd="sng">
+            <a:solidFill>
+              <a:schemeClr val="dk2"/>
+            </a:solidFill>
+            <a:prstDash val="solid"/>
+            <a:round/>
+            <a:headEnd type="none" w="med" len="med"/>
+            <a:tailEnd type="stealth" w="med" len="med"/>
+          </a:ln>
+        </p:spPr>
+      </p:cxnSp>
+      <p:sp>
+        <p:nvSpPr>
+          <p:cNvPr id="11" name="Google Shape;103;p18">
+            <a:extLst>
+              <a:ext uri="{FF2B5EF4-FFF2-40B4-BE49-F238E27FC236}">
+                <a16:creationId xmlns:a16="http://schemas.microsoft.com/office/drawing/2014/main" id="{25A6E159-1B1E-0F4C-B4F8-2C3D6AC094F3}"/>
+              </a:ext>
+            </a:extLst>
+          </p:cNvPr>
+          <p:cNvSpPr txBox="1"/>
+          <p:nvPr/>
+        </p:nvSpPr>
+        <p:spPr>
+          <a:xfrm>
+            <a:off x="3869400" y="2799328"/>
+            <a:ext cx="1000500" cy="400200"/>
+          </a:xfrm>
+          <a:prstGeom prst="rect">
+            <a:avLst/>
+          </a:prstGeom>
+          <a:noFill/>
+          <a:ln>
+            <a:noFill/>
+          </a:ln>
+        </p:spPr>
+        <p:txBody>
+          <a:bodyPr spcFirstLastPara="1" wrap="square" lIns="91425" tIns="91425" rIns="91425" bIns="91425" anchor="t" anchorCtr="0">
+            <a:spAutoFit/>
+          </a:bodyPr>
+          <a:lstStyle/>
+          <a:p>
+            <a:pPr marL="0" lvl="0" indent="0" algn="ctr" rtl="0">
+              <a:spcBef>
+                <a:spcPts val="0"/>
+              </a:spcBef>
+              <a:spcAft>
+                <a:spcPts val="0"/>
+              </a:spcAft>
+              <a:buNone/>
+            </a:pPr>
+            <a:r>
+              <a:rPr lang="en-GB" dirty="0">
+                <a:latin typeface="Cabin"/>
+                <a:ea typeface="Cabin"/>
+                <a:cs typeface="Cabin"/>
+                <a:sym typeface="Cabin"/>
+              </a:rPr>
+              <a:t>Errors</a:t>
+            </a:r>
+            <a:endParaRPr dirty="0">
+              <a:latin typeface="Cabin"/>
+              <a:ea typeface="Cabin"/>
+              <a:cs typeface="Cabin"/>
+              <a:sym typeface="Cabin"/>
+            </a:endParaRPr>
+          </a:p>
+        </p:txBody>
+      </p:sp>
+      <p:sp>
+        <p:nvSpPr>
+          <p:cNvPr id="2" name="TextBox 1">
+            <a:extLst>
+              <a:ext uri="{FF2B5EF4-FFF2-40B4-BE49-F238E27FC236}">
+                <a16:creationId xmlns:a16="http://schemas.microsoft.com/office/drawing/2014/main" id="{E25CB6AF-1506-AB47-9282-ECF3975E3C0D}"/>
+              </a:ext>
+            </a:extLst>
+          </p:cNvPr>
+          <p:cNvSpPr txBox="1"/>
+          <p:nvPr/>
+        </p:nvSpPr>
+        <p:spPr>
+          <a:xfrm>
+            <a:off x="922400" y="3901473"/>
+            <a:ext cx="2178802" cy="307777"/>
+          </a:xfrm>
+          <a:prstGeom prst="rect">
+            <a:avLst/>
+          </a:prstGeom>
+          <a:noFill/>
+        </p:spPr>
+        <p:txBody>
+          <a:bodyPr wrap="none" rtlCol="0">
+            <a:spAutoFit/>
+          </a:bodyPr>
+          <a:lstStyle/>
+          <a:p>
+            <a:r>
+              <a:rPr lang="en-US" dirty="0"/>
+              <a:t>X = Independent variable</a:t>
+            </a:r>
+          </a:p>
+        </p:txBody>
+      </p:sp>
+      <p:sp>
+        <p:nvSpPr>
+          <p:cNvPr id="13" name="TextBox 12">
+            <a:extLst>
+              <a:ext uri="{FF2B5EF4-FFF2-40B4-BE49-F238E27FC236}">
+                <a16:creationId xmlns:a16="http://schemas.microsoft.com/office/drawing/2014/main" id="{5CE22043-0651-E643-89F4-CCFEB2BDAF16}"/>
+              </a:ext>
+            </a:extLst>
+          </p:cNvPr>
+          <p:cNvSpPr txBox="1"/>
+          <p:nvPr/>
+        </p:nvSpPr>
+        <p:spPr>
+          <a:xfrm>
+            <a:off x="922400" y="4202771"/>
+            <a:ext cx="2060179" cy="307777"/>
+          </a:xfrm>
+          <a:prstGeom prst="rect">
+            <a:avLst/>
+          </a:prstGeom>
+          <a:noFill/>
+        </p:spPr>
+        <p:txBody>
+          <a:bodyPr wrap="none" rtlCol="0">
+            <a:spAutoFit/>
+          </a:bodyPr>
+          <a:lstStyle/>
+          <a:p>
+            <a:r>
+              <a:rPr lang="en-US" dirty="0"/>
+              <a:t>Y = Dependent variable</a:t>
+            </a:r>
           </a:p>
         </p:txBody>
       </p:sp>
@@ -28007,6 +30468,282 @@
 </file>
 
 <file path=ppt/slides/slide4.xml><?xml version="1.0" encoding="utf-8"?>
+<p:sld xmlns:a="http://schemas.openxmlformats.org/drawingml/2006/main" xmlns:r="http://schemas.openxmlformats.org/officeDocument/2006/relationships" xmlns:p="http://schemas.openxmlformats.org/presentationml/2006/main">
+  <p:cSld>
+    <p:spTree>
+      <p:nvGrpSpPr>
+        <p:cNvPr id="1" name=""/>
+        <p:cNvGrpSpPr/>
+        <p:nvPr/>
+      </p:nvGrpSpPr>
+      <p:grpSpPr>
+        <a:xfrm>
+          <a:off x="0" y="0"/>
+          <a:ext cx="0" cy="0"/>
+          <a:chOff x="0" y="0"/>
+          <a:chExt cx="0" cy="0"/>
+        </a:xfrm>
+      </p:grpSpPr>
+      <p:sp>
+        <p:nvSpPr>
+          <p:cNvPr id="2" name="Title 1">
+            <a:extLst>
+              <a:ext uri="{FF2B5EF4-FFF2-40B4-BE49-F238E27FC236}">
+                <a16:creationId xmlns:a16="http://schemas.microsoft.com/office/drawing/2014/main" id="{13ED09FF-07E0-2E48-A56A-782A3F403F41}"/>
+              </a:ext>
+            </a:extLst>
+          </p:cNvPr>
+          <p:cNvSpPr>
+            <a:spLocks noGrp="1"/>
+          </p:cNvSpPr>
+          <p:nvPr>
+            <p:ph type="title"/>
+          </p:nvPr>
+        </p:nvSpPr>
+        <p:spPr/>
+        <p:txBody>
+          <a:bodyPr/>
+          <a:lstStyle/>
+          <a:p>
+            <a:r>
+              <a:rPr lang="en-GB" dirty="0"/>
+              <a:t>Linear Model assumptions</a:t>
+            </a:r>
+            <a:endParaRPr lang="en-US" dirty="0"/>
+          </a:p>
+        </p:txBody>
+      </p:sp>
+      <p:sp>
+        <p:nvSpPr>
+          <p:cNvPr id="10" name="Text Placeholder 9">
+            <a:extLst>
+              <a:ext uri="{FF2B5EF4-FFF2-40B4-BE49-F238E27FC236}">
+                <a16:creationId xmlns:a16="http://schemas.microsoft.com/office/drawing/2014/main" id="{65FA707A-6F4F-1A4B-B5DE-FB7AACA80C46}"/>
+              </a:ext>
+            </a:extLst>
+          </p:cNvPr>
+          <p:cNvSpPr>
+            <a:spLocks noGrp="1"/>
+          </p:cNvSpPr>
+          <p:nvPr>
+            <p:ph type="body" idx="1"/>
+          </p:nvPr>
+        </p:nvSpPr>
+        <p:spPr/>
+        <p:txBody>
+          <a:bodyPr/>
+          <a:lstStyle/>
+          <a:p>
+            <a:endParaRPr lang="en-US" dirty="0"/>
+          </a:p>
+        </p:txBody>
+      </p:sp>
+      <p:sp>
+        <p:nvSpPr>
+          <p:cNvPr id="11" name="Text Placeholder 10">
+            <a:extLst>
+              <a:ext uri="{FF2B5EF4-FFF2-40B4-BE49-F238E27FC236}">
+                <a16:creationId xmlns:a16="http://schemas.microsoft.com/office/drawing/2014/main" id="{B51FC5C3-9723-474A-8120-80E9E8721967}"/>
+              </a:ext>
+            </a:extLst>
+          </p:cNvPr>
+          <p:cNvSpPr>
+            <a:spLocks noGrp="1"/>
+          </p:cNvSpPr>
+          <p:nvPr>
+            <p:ph type="body" idx="2"/>
+          </p:nvPr>
+        </p:nvSpPr>
+        <p:spPr/>
+        <p:txBody>
+          <a:bodyPr/>
+          <a:lstStyle/>
+          <a:p>
+            <a:r>
+              <a:rPr lang="en-US" b="1" dirty="0"/>
+              <a:t>Important assumptions</a:t>
+            </a:r>
+          </a:p>
+          <a:p>
+            <a:pPr lvl="1"/>
+            <a:r>
+              <a:rPr lang="en-US" sz="1400" dirty="0"/>
+              <a:t>Errors / residuals are normally distributed around the fit line</a:t>
+            </a:r>
+          </a:p>
+          <a:p>
+            <a:pPr lvl="1"/>
+            <a:r>
+              <a:rPr lang="en-GB" sz="1400" dirty="0"/>
+              <a:t>Homoscedasticity: Error is constant along the values of the dependent variable.</a:t>
+            </a:r>
+            <a:endParaRPr lang="en-US" sz="1400" dirty="0"/>
+          </a:p>
+          <a:p>
+            <a:pPr lvl="1"/>
+            <a:endParaRPr lang="en-US" dirty="0"/>
+          </a:p>
+        </p:txBody>
+      </p:sp>
+      <p:pic>
+        <p:nvPicPr>
+          <p:cNvPr id="12" name="Picture 11">
+            <a:extLst>
+              <a:ext uri="{FF2B5EF4-FFF2-40B4-BE49-F238E27FC236}">
+                <a16:creationId xmlns:a16="http://schemas.microsoft.com/office/drawing/2014/main" id="{4DB47B94-C79F-0F44-A35F-D2743C384641}"/>
+              </a:ext>
+            </a:extLst>
+          </p:cNvPr>
+          <p:cNvPicPr>
+            <a:picLocks noChangeAspect="1"/>
+          </p:cNvPicPr>
+          <p:nvPr/>
+        </p:nvPicPr>
+        <p:blipFill rotWithShape="1">
+          <a:blip r:embed="rId2"/>
+          <a:srcRect r="5846"/>
+          <a:stretch/>
+        </p:blipFill>
+        <p:spPr>
+          <a:xfrm>
+            <a:off x="652774" y="1182527"/>
+            <a:ext cx="2219821" cy="3269017"/>
+          </a:xfrm>
+          <a:prstGeom prst="rect">
+            <a:avLst/>
+          </a:prstGeom>
+        </p:spPr>
+      </p:pic>
+    </p:spTree>
+    <p:extLst>
+      <p:ext uri="{BB962C8B-B14F-4D97-AF65-F5344CB8AC3E}">
+        <p14:creationId xmlns:p14="http://schemas.microsoft.com/office/powerpoint/2010/main" val="3592907665"/>
+      </p:ext>
+    </p:extLst>
+  </p:cSld>
+  <p:clrMapOvr>
+    <a:masterClrMapping/>
+  </p:clrMapOvr>
+</p:sld>
+</file>
+
+<file path=ppt/slides/slide5.xml><?xml version="1.0" encoding="utf-8"?>
+<p:sld xmlns:a="http://schemas.openxmlformats.org/drawingml/2006/main" xmlns:r="http://schemas.openxmlformats.org/officeDocument/2006/relationships" xmlns:p="http://schemas.openxmlformats.org/presentationml/2006/main">
+  <p:cSld>
+    <p:spTree>
+      <p:nvGrpSpPr>
+        <p:cNvPr id="1" name=""/>
+        <p:cNvGrpSpPr/>
+        <p:nvPr/>
+      </p:nvGrpSpPr>
+      <p:grpSpPr>
+        <a:xfrm>
+          <a:off x="0" y="0"/>
+          <a:ext cx="0" cy="0"/>
+          <a:chOff x="0" y="0"/>
+          <a:chExt cx="0" cy="0"/>
+        </a:xfrm>
+      </p:grpSpPr>
+      <p:sp>
+        <p:nvSpPr>
+          <p:cNvPr id="2" name="Title 1">
+            <a:extLst>
+              <a:ext uri="{FF2B5EF4-FFF2-40B4-BE49-F238E27FC236}">
+                <a16:creationId xmlns:a16="http://schemas.microsoft.com/office/drawing/2014/main" id="{C4D23958-4D31-F542-BB5D-4BF375A968B3}"/>
+              </a:ext>
+            </a:extLst>
+          </p:cNvPr>
+          <p:cNvSpPr>
+            <a:spLocks noGrp="1"/>
+          </p:cNvSpPr>
+          <p:nvPr>
+            <p:ph type="title"/>
+          </p:nvPr>
+        </p:nvSpPr>
+        <p:spPr/>
+        <p:txBody>
+          <a:bodyPr/>
+          <a:lstStyle/>
+          <a:p>
+            <a:r>
+              <a:rPr lang="en-US" dirty="0"/>
+              <a:t>Generalized Linear models (GLMs) in r</a:t>
+            </a:r>
+          </a:p>
+        </p:txBody>
+      </p:sp>
+      <p:sp>
+        <p:nvSpPr>
+          <p:cNvPr id="5" name="Text Placeholder 4">
+            <a:extLst>
+              <a:ext uri="{FF2B5EF4-FFF2-40B4-BE49-F238E27FC236}">
+                <a16:creationId xmlns:a16="http://schemas.microsoft.com/office/drawing/2014/main" id="{D54F6710-6297-EC40-BBDA-40AD8220250A}"/>
+              </a:ext>
+            </a:extLst>
+          </p:cNvPr>
+          <p:cNvSpPr>
+            <a:spLocks noGrp="1"/>
+          </p:cNvSpPr>
+          <p:nvPr>
+            <p:ph type="body" idx="2"/>
+          </p:nvPr>
+        </p:nvSpPr>
+        <p:spPr/>
+        <p:txBody>
+          <a:bodyPr/>
+          <a:lstStyle/>
+          <a:p>
+            <a:r>
+              <a:rPr lang="en-US" dirty="0"/>
+              <a:t>In GLMs, linear model is generalized such that it can handle non-normal distribution of errors and heteroscedasticity.</a:t>
+            </a:r>
+          </a:p>
+        </p:txBody>
+      </p:sp>
+      <p:pic>
+        <p:nvPicPr>
+          <p:cNvPr id="6" name="Picture 5">
+            <a:extLst>
+              <a:ext uri="{FF2B5EF4-FFF2-40B4-BE49-F238E27FC236}">
+                <a16:creationId xmlns:a16="http://schemas.microsoft.com/office/drawing/2014/main" id="{EDA61412-85DF-1049-9E27-54510A744040}"/>
+              </a:ext>
+            </a:extLst>
+          </p:cNvPr>
+          <p:cNvPicPr>
+            <a:picLocks noChangeAspect="1"/>
+          </p:cNvPicPr>
+          <p:nvPr/>
+        </p:nvPicPr>
+        <p:blipFill>
+          <a:blip r:embed="rId2"/>
+          <a:stretch>
+            <a:fillRect/>
+          </a:stretch>
+        </p:blipFill>
+        <p:spPr>
+          <a:xfrm>
+            <a:off x="469239" y="1152475"/>
+            <a:ext cx="2584512" cy="3639414"/>
+          </a:xfrm>
+          <a:prstGeom prst="rect">
+            <a:avLst/>
+          </a:prstGeom>
+        </p:spPr>
+      </p:pic>
+    </p:spTree>
+    <p:extLst>
+      <p:ext uri="{BB962C8B-B14F-4D97-AF65-F5344CB8AC3E}">
+        <p14:creationId xmlns:p14="http://schemas.microsoft.com/office/powerpoint/2010/main" val="2457068690"/>
+      </p:ext>
+    </p:extLst>
+  </p:cSld>
+  <p:clrMapOvr>
+    <a:masterClrMapping/>
+  </p:clrMapOvr>
+</p:sld>
+</file>
+
+<file path=ppt/slides/slide6.xml><?xml version="1.0" encoding="utf-8"?>
 <p:sld xmlns:a="http://schemas.openxmlformats.org/drawingml/2006/main" xmlns:r="http://schemas.openxmlformats.org/officeDocument/2006/relationships" xmlns:p="http://schemas.openxmlformats.org/presentationml/2006/main">
   <p:cSld>
     <p:spTree>
@@ -28410,7 +31147,7 @@
 </p:sld>
 </file>
 
-<file path=ppt/slides/slide5.xml><?xml version="1.0" encoding="utf-8"?>
+<file path=ppt/slides/slide7.xml><?xml version="1.0" encoding="utf-8"?>
 <p:sld xmlns:a="http://schemas.openxmlformats.org/drawingml/2006/main" xmlns:r="http://schemas.openxmlformats.org/officeDocument/2006/relationships" xmlns:p="http://schemas.openxmlformats.org/presentationml/2006/main">
   <p:cSld>
     <p:spTree>
@@ -28811,7 +31548,7 @@
               <a:buNone/>
             </a:pPr>
             <a:r>
-              <a:rPr lang="en-GB">
+              <a:rPr lang="en-GB" dirty="0">
                 <a:latin typeface="Cabin"/>
                 <a:ea typeface="Cabin"/>
                 <a:cs typeface="Cabin"/>
@@ -28819,7 +31556,7 @@
               </a:rPr>
               <a:t>Model: </a:t>
             </a:r>
-            <a:endParaRPr>
+            <a:endParaRPr dirty="0">
               <a:latin typeface="Cabin"/>
               <a:ea typeface="Cabin"/>
               <a:cs typeface="Cabin"/>
@@ -28827,20 +31564,13 @@
             </a:endParaRPr>
           </a:p>
           <a:p>
-            <a:pPr marL="0" lvl="0" indent="457200" algn="l" rtl="0">
+            <a:pPr lvl="0" indent="457200">
               <a:lnSpc>
                 <a:spcPct val="115000"/>
               </a:lnSpc>
-              <a:spcBef>
-                <a:spcPts val="0"/>
-              </a:spcBef>
-              <a:spcAft>
-                <a:spcPts val="0"/>
-              </a:spcAft>
-              <a:buNone/>
-            </a:pPr>
-            <a:r>
-              <a:rPr lang="en-GB">
+            </a:pPr>
+            <a:r>
+              <a:rPr lang="en-GB" dirty="0">
                 <a:latin typeface="Cabin"/>
                 <a:ea typeface="Cabin"/>
                 <a:cs typeface="Cabin"/>
@@ -28849,7 +31579,7 @@
               <a:t>Y = </a:t>
             </a:r>
             <a:r>
-              <a:rPr lang="en-GB">
+              <a:rPr lang="en-GB" dirty="0">
                 <a:solidFill>
                   <a:schemeClr val="dk1"/>
                 </a:solidFill>
@@ -28861,7 +31591,7 @@
               <a:t>𝛽</a:t>
             </a:r>
             <a:r>
-              <a:rPr lang="en-GB" baseline="-25000">
+              <a:rPr lang="en-GB" baseline="-25000" dirty="0">
                 <a:solidFill>
                   <a:schemeClr val="dk1"/>
                 </a:solidFill>
@@ -28873,7 +31603,7 @@
               <a:t>0</a:t>
             </a:r>
             <a:r>
-              <a:rPr lang="en-GB">
+              <a:rPr lang="en-GB" dirty="0">
                 <a:solidFill>
                   <a:schemeClr val="dk1"/>
                 </a:solidFill>
@@ -28885,7 +31615,7 @@
               <a:t> + 𝛽</a:t>
             </a:r>
             <a:r>
-              <a:rPr lang="en-GB" baseline="-25000">
+              <a:rPr lang="en-GB" baseline="-25000" dirty="0">
                 <a:solidFill>
                   <a:schemeClr val="dk1"/>
                 </a:solidFill>
@@ -28897,7 +31627,7 @@
               <a:t>1</a:t>
             </a:r>
             <a:r>
-              <a:rPr lang="en-GB" baseline="30000">
+              <a:rPr lang="en-GB" baseline="30000" dirty="0">
                 <a:solidFill>
                   <a:schemeClr val="dk1"/>
                 </a:solidFill>
@@ -28909,7 +31639,7 @@
               <a:t> </a:t>
             </a:r>
             <a:r>
-              <a:rPr lang="en-GB">
+              <a:rPr lang="en-GB" dirty="0">
                 <a:solidFill>
                   <a:schemeClr val="dk1"/>
                 </a:solidFill>
@@ -28921,18 +31651,30 @@
               <a:t>X</a:t>
             </a:r>
             <a:r>
-              <a:rPr lang="en-GB" baseline="-25000">
-                <a:solidFill>
-                  <a:schemeClr val="dk1"/>
-                </a:solidFill>
-                <a:latin typeface="Cabin"/>
-                <a:ea typeface="Cabin"/>
-                <a:cs typeface="Cabin"/>
-                <a:sym typeface="Cabin"/>
-              </a:rPr>
-              <a:t>B</a:t>
-            </a:r>
-            <a:endParaRPr baseline="-25000">
+              <a:rPr lang="en-GB" baseline="-25000" dirty="0">
+                <a:solidFill>
+                  <a:schemeClr val="dk1"/>
+                </a:solidFill>
+                <a:latin typeface="Cabin"/>
+                <a:ea typeface="Cabin"/>
+                <a:cs typeface="Cabin"/>
+                <a:sym typeface="Cabin"/>
+              </a:rPr>
+              <a:t>B </a:t>
+            </a:r>
+            <a:r>
+              <a:rPr lang="en-GB" dirty="0">
+                <a:solidFill>
+                  <a:schemeClr val="dk1"/>
+                </a:solidFill>
+                <a:latin typeface="Cabin"/>
+                <a:ea typeface="Cabin"/>
+                <a:cs typeface="Cabin"/>
+                <a:sym typeface="Cabin"/>
+              </a:rPr>
+              <a:t>+ 𝞊</a:t>
+            </a:r>
+            <a:endParaRPr baseline="-25000" dirty="0">
               <a:solidFill>
                 <a:schemeClr val="dk1"/>
               </a:solidFill>
@@ -28955,7 +31697,7 @@
               </a:spcAft>
               <a:buNone/>
             </a:pPr>
-            <a:endParaRPr baseline="-25000">
+            <a:endParaRPr baseline="-25000" dirty="0">
               <a:solidFill>
                 <a:schemeClr val="dk1"/>
               </a:solidFill>
@@ -28979,7 +31721,7 @@
               <a:buNone/>
             </a:pPr>
             <a:r>
-              <a:rPr lang="en-GB">
+              <a:rPr lang="en-GB" dirty="0">
                 <a:solidFill>
                   <a:schemeClr val="dk1"/>
                 </a:solidFill>
@@ -28991,7 +31733,7 @@
               <a:t>𝛽</a:t>
             </a:r>
             <a:r>
-              <a:rPr lang="en-GB" baseline="-25000">
+              <a:rPr lang="en-GB" baseline="-25000" dirty="0">
                 <a:solidFill>
                   <a:schemeClr val="dk1"/>
                 </a:solidFill>
@@ -29003,7 +31745,7 @@
               <a:t>0</a:t>
             </a:r>
             <a:r>
-              <a:rPr lang="en-GB">
+              <a:rPr lang="en-GB" dirty="0">
                 <a:solidFill>
                   <a:schemeClr val="dk1"/>
                 </a:solidFill>
@@ -29015,7 +31757,7 @@
               <a:t> = </a:t>
             </a:r>
             <a:r>
-              <a:rPr lang="en-GB" i="1">
+              <a:rPr lang="en-GB" i="1" dirty="0">
                 <a:solidFill>
                   <a:schemeClr val="dk1"/>
                 </a:solidFill>
@@ -29026,7 +31768,7 @@
               </a:rPr>
               <a:t>average of the reference group</a:t>
             </a:r>
-            <a:endParaRPr i="1">
+            <a:endParaRPr i="1" dirty="0">
               <a:solidFill>
                 <a:schemeClr val="dk1"/>
               </a:solidFill>
@@ -29050,7 +31792,7 @@
               <a:buNone/>
             </a:pPr>
             <a:r>
-              <a:rPr lang="en-GB">
+              <a:rPr lang="en-GB" dirty="0">
                 <a:solidFill>
                   <a:schemeClr val="dk1"/>
                 </a:solidFill>
@@ -29062,7 +31804,7 @@
               <a:t>𝛽</a:t>
             </a:r>
             <a:r>
-              <a:rPr lang="en-GB" baseline="-25000">
+              <a:rPr lang="en-GB" baseline="-25000" dirty="0">
                 <a:solidFill>
                   <a:schemeClr val="dk1"/>
                 </a:solidFill>
@@ -29074,7 +31816,7 @@
               <a:t>1</a:t>
             </a:r>
             <a:r>
-              <a:rPr lang="en-GB">
+              <a:rPr lang="en-GB" dirty="0">
                 <a:solidFill>
                   <a:schemeClr val="dk1"/>
                 </a:solidFill>
@@ -29086,7 +31828,7 @@
               <a:t> = </a:t>
             </a:r>
             <a:r>
-              <a:rPr lang="en-GB" b="1" i="1">
+              <a:rPr lang="en-GB" b="1" i="1" dirty="0">
                 <a:solidFill>
                   <a:schemeClr val="dk1"/>
                 </a:solidFill>
@@ -29098,7 +31840,7 @@
               <a:t>difference</a:t>
             </a:r>
             <a:r>
-              <a:rPr lang="en-GB">
+              <a:rPr lang="en-GB" dirty="0">
                 <a:solidFill>
                   <a:schemeClr val="dk1"/>
                 </a:solidFill>
@@ -29109,7 +31851,7 @@
               </a:rPr>
               <a:t> to the reference group</a:t>
             </a:r>
-            <a:endParaRPr>
+            <a:endParaRPr dirty="0">
               <a:solidFill>
                 <a:schemeClr val="dk1"/>
               </a:solidFill>
@@ -29339,7 +32081,7 @@
 </p:sld>
 </file>
 
-<file path=ppt/slides/slide6.xml><?xml version="1.0" encoding="utf-8"?>
+<file path=ppt/slides/slide8.xml><?xml version="1.0" encoding="utf-8"?>
 <p:sld xmlns:a="http://schemas.openxmlformats.org/drawingml/2006/main" xmlns:r="http://schemas.openxmlformats.org/officeDocument/2006/relationships" xmlns:p="http://schemas.openxmlformats.org/presentationml/2006/main">
   <p:cSld>
     <p:spTree>
@@ -29752,7 +32494,7 @@
               <a:buNone/>
             </a:pPr>
             <a:r>
-              <a:rPr lang="en-GB">
+              <a:rPr lang="en-GB" dirty="0">
                 <a:latin typeface="Cabin"/>
                 <a:ea typeface="Cabin"/>
                 <a:cs typeface="Cabin"/>
@@ -29760,7 +32502,7 @@
               </a:rPr>
               <a:t>Model: </a:t>
             </a:r>
-            <a:endParaRPr>
+            <a:endParaRPr dirty="0">
               <a:latin typeface="Cabin"/>
               <a:ea typeface="Cabin"/>
               <a:cs typeface="Cabin"/>
@@ -29768,20 +32510,13 @@
             </a:endParaRPr>
           </a:p>
           <a:p>
-            <a:pPr marL="0" lvl="0" indent="457200" algn="l" rtl="0">
+            <a:pPr lvl="0" indent="457200">
               <a:lnSpc>
                 <a:spcPct val="115000"/>
               </a:lnSpc>
-              <a:spcBef>
-                <a:spcPts val="0"/>
-              </a:spcBef>
-              <a:spcAft>
-                <a:spcPts val="0"/>
-              </a:spcAft>
-              <a:buNone/>
-            </a:pPr>
-            <a:r>
-              <a:rPr lang="en-GB">
+            </a:pPr>
+            <a:r>
+              <a:rPr lang="en-GB" dirty="0">
                 <a:latin typeface="Cabin"/>
                 <a:ea typeface="Cabin"/>
                 <a:cs typeface="Cabin"/>
@@ -29790,7 +32525,7 @@
               <a:t>Y = </a:t>
             </a:r>
             <a:r>
-              <a:rPr lang="en-GB">
+              <a:rPr lang="en-GB" dirty="0">
                 <a:solidFill>
                   <a:schemeClr val="dk1"/>
                 </a:solidFill>
@@ -29802,7 +32537,7 @@
               <a:t>𝛽</a:t>
             </a:r>
             <a:r>
-              <a:rPr lang="en-GB" baseline="-25000">
+              <a:rPr lang="en-GB" baseline="-25000" dirty="0">
                 <a:solidFill>
                   <a:schemeClr val="dk1"/>
                 </a:solidFill>
@@ -29814,7 +32549,7 @@
               <a:t>0</a:t>
             </a:r>
             <a:r>
-              <a:rPr lang="en-GB">
+              <a:rPr lang="en-GB" dirty="0">
                 <a:solidFill>
                   <a:schemeClr val="dk1"/>
                 </a:solidFill>
@@ -29826,7 +32561,7 @@
               <a:t> + 𝛽</a:t>
             </a:r>
             <a:r>
-              <a:rPr lang="en-GB" baseline="-25000">
+              <a:rPr lang="en-GB" baseline="-25000" dirty="0">
                 <a:solidFill>
                   <a:schemeClr val="dk1"/>
                 </a:solidFill>
@@ -29838,7 +32573,7 @@
               <a:t>1</a:t>
             </a:r>
             <a:r>
-              <a:rPr lang="en-GB" baseline="30000">
+              <a:rPr lang="en-GB" baseline="30000" dirty="0">
                 <a:solidFill>
                   <a:schemeClr val="dk1"/>
                 </a:solidFill>
@@ -29850,7 +32585,7 @@
               <a:t> </a:t>
             </a:r>
             <a:r>
-              <a:rPr lang="en-GB" b="1">
+              <a:rPr lang="en-GB" b="1" dirty="0">
                 <a:solidFill>
                   <a:srgbClr val="A64D79"/>
                 </a:solidFill>
@@ -29862,7 +32597,7 @@
               <a:t>X</a:t>
             </a:r>
             <a:r>
-              <a:rPr lang="en-GB" b="1" baseline="-25000">
+              <a:rPr lang="en-GB" b="1" baseline="-25000" dirty="0">
                 <a:solidFill>
                   <a:srgbClr val="A64D79"/>
                 </a:solidFill>
@@ -29871,9 +32606,21 @@
                 <a:cs typeface="Cabin"/>
                 <a:sym typeface="Cabin"/>
               </a:rPr>
-              <a:t>B</a:t>
-            </a:r>
-            <a:endParaRPr b="1" baseline="-25000">
+              <a:t>B </a:t>
+            </a:r>
+            <a:r>
+              <a:rPr lang="en-GB" dirty="0">
+                <a:solidFill>
+                  <a:schemeClr val="dk1"/>
+                </a:solidFill>
+                <a:latin typeface="Cabin"/>
+                <a:ea typeface="Cabin"/>
+                <a:cs typeface="Cabin"/>
+                <a:sym typeface="Cabin"/>
+              </a:rPr>
+              <a:t>+ 𝞊</a:t>
+            </a:r>
+            <a:endParaRPr b="1" baseline="-25000" dirty="0">
               <a:solidFill>
                 <a:srgbClr val="A64D79"/>
               </a:solidFill>
@@ -29896,7 +32643,7 @@
               </a:spcAft>
               <a:buNone/>
             </a:pPr>
-            <a:endParaRPr baseline="-25000">
+            <a:endParaRPr baseline="-25000" dirty="0">
               <a:solidFill>
                 <a:schemeClr val="dk1"/>
               </a:solidFill>
@@ -29920,7 +32667,7 @@
               <a:buNone/>
             </a:pPr>
             <a:r>
-              <a:rPr lang="en-GB">
+              <a:rPr lang="en-GB" dirty="0">
                 <a:solidFill>
                   <a:schemeClr val="dk1"/>
                 </a:solidFill>
@@ -29932,7 +32679,7 @@
               <a:t>𝛽</a:t>
             </a:r>
             <a:r>
-              <a:rPr lang="en-GB" baseline="-25000">
+              <a:rPr lang="en-GB" baseline="-25000" dirty="0">
                 <a:solidFill>
                   <a:schemeClr val="dk1"/>
                 </a:solidFill>
@@ -29944,7 +32691,7 @@
               <a:t>0</a:t>
             </a:r>
             <a:r>
-              <a:rPr lang="en-GB">
+              <a:rPr lang="en-GB" dirty="0">
                 <a:solidFill>
                   <a:schemeClr val="dk1"/>
                 </a:solidFill>
@@ -29956,7 +32703,7 @@
               <a:t> = </a:t>
             </a:r>
             <a:r>
-              <a:rPr lang="en-GB" i="1">
+              <a:rPr lang="en-GB" i="1" dirty="0">
                 <a:solidFill>
                   <a:schemeClr val="dk1"/>
                 </a:solidFill>
@@ -29967,7 +32714,7 @@
               </a:rPr>
               <a:t>average of the reference group</a:t>
             </a:r>
-            <a:endParaRPr i="1">
+            <a:endParaRPr i="1" dirty="0">
               <a:solidFill>
                 <a:schemeClr val="dk1"/>
               </a:solidFill>
@@ -29991,7 +32738,7 @@
               <a:buNone/>
             </a:pPr>
             <a:r>
-              <a:rPr lang="en-GB">
+              <a:rPr lang="en-GB" dirty="0">
                 <a:solidFill>
                   <a:schemeClr val="dk1"/>
                 </a:solidFill>
@@ -30003,7 +32750,7 @@
               <a:t>𝛽</a:t>
             </a:r>
             <a:r>
-              <a:rPr lang="en-GB" baseline="-25000">
+              <a:rPr lang="en-GB" baseline="-25000" dirty="0">
                 <a:solidFill>
                   <a:schemeClr val="dk1"/>
                 </a:solidFill>
@@ -30015,7 +32762,7 @@
               <a:t>1</a:t>
             </a:r>
             <a:r>
-              <a:rPr lang="en-GB">
+              <a:rPr lang="en-GB" dirty="0">
                 <a:solidFill>
                   <a:schemeClr val="dk1"/>
                 </a:solidFill>
@@ -30027,7 +32774,7 @@
               <a:t> = </a:t>
             </a:r>
             <a:r>
-              <a:rPr lang="en-GB" b="1" i="1">
+              <a:rPr lang="en-GB" b="1" i="1" dirty="0">
                 <a:solidFill>
                   <a:schemeClr val="dk1"/>
                 </a:solidFill>
@@ -30039,7 +32786,7 @@
               <a:t>difference</a:t>
             </a:r>
             <a:r>
-              <a:rPr lang="en-GB">
+              <a:rPr lang="en-GB" dirty="0">
                 <a:solidFill>
                   <a:schemeClr val="dk1"/>
                 </a:solidFill>
@@ -30050,7 +32797,7 @@
               </a:rPr>
               <a:t> to the reference group</a:t>
             </a:r>
-            <a:endParaRPr>
+            <a:endParaRPr dirty="0">
               <a:solidFill>
                 <a:schemeClr val="dk1"/>
               </a:solidFill>
@@ -30869,7 +33616,7 @@
 </p:sld>
 </file>
 
-<file path=ppt/slides/slide7.xml><?xml version="1.0" encoding="utf-8"?>
+<file path=ppt/slides/slide9.xml><?xml version="1.0" encoding="utf-8"?>
 <p:sld xmlns:a="http://schemas.openxmlformats.org/drawingml/2006/main" xmlns:r="http://schemas.openxmlformats.org/officeDocument/2006/relationships" xmlns:p="http://schemas.openxmlformats.org/presentationml/2006/main">
   <p:cSld>
     <p:spTree>
@@ -31568,7 +34315,7 @@
               <a:buNone/>
             </a:pPr>
             <a:r>
-              <a:rPr lang="en-GB">
+              <a:rPr lang="en-GB" dirty="0">
                 <a:latin typeface="Cabin"/>
                 <a:ea typeface="Cabin"/>
                 <a:cs typeface="Cabin"/>
@@ -31576,7 +34323,7 @@
               </a:rPr>
               <a:t>Model: </a:t>
             </a:r>
-            <a:endParaRPr>
+            <a:endParaRPr dirty="0">
               <a:latin typeface="Cabin"/>
               <a:ea typeface="Cabin"/>
               <a:cs typeface="Cabin"/>
@@ -31584,20 +34331,13 @@
             </a:endParaRPr>
           </a:p>
           <a:p>
-            <a:pPr marL="0" lvl="0" indent="457200" algn="l" rtl="0">
+            <a:pPr lvl="0" indent="457200">
               <a:lnSpc>
                 <a:spcPct val="115000"/>
               </a:lnSpc>
-              <a:spcBef>
-                <a:spcPts val="0"/>
-              </a:spcBef>
-              <a:spcAft>
-                <a:spcPts val="0"/>
-              </a:spcAft>
-              <a:buNone/>
-            </a:pPr>
-            <a:r>
-              <a:rPr lang="en-GB">
+            </a:pPr>
+            <a:r>
+              <a:rPr lang="en-GB" dirty="0">
                 <a:latin typeface="Cabin"/>
                 <a:ea typeface="Cabin"/>
                 <a:cs typeface="Cabin"/>
@@ -31606,7 +34346,7 @@
               <a:t>Y = </a:t>
             </a:r>
             <a:r>
-              <a:rPr lang="en-GB">
+              <a:rPr lang="en-GB" dirty="0">
                 <a:solidFill>
                   <a:schemeClr val="dk1"/>
                 </a:solidFill>
@@ -31618,7 +34358,7 @@
               <a:t>𝛽</a:t>
             </a:r>
             <a:r>
-              <a:rPr lang="en-GB" baseline="-25000">
+              <a:rPr lang="en-GB" baseline="-25000" dirty="0">
                 <a:solidFill>
                   <a:schemeClr val="dk1"/>
                 </a:solidFill>
@@ -31630,7 +34370,7 @@
               <a:t>0</a:t>
             </a:r>
             <a:r>
-              <a:rPr lang="en-GB">
+              <a:rPr lang="en-GB" dirty="0">
                 <a:solidFill>
                   <a:schemeClr val="dk1"/>
                 </a:solidFill>
@@ -31642,7 +34382,7 @@
               <a:t> + 𝛽</a:t>
             </a:r>
             <a:r>
-              <a:rPr lang="en-GB" baseline="-25000">
+              <a:rPr lang="en-GB" baseline="-25000" dirty="0">
                 <a:solidFill>
                   <a:schemeClr val="dk1"/>
                 </a:solidFill>
@@ -31654,7 +34394,7 @@
               <a:t>1</a:t>
             </a:r>
             <a:r>
-              <a:rPr lang="en-GB" baseline="30000">
+              <a:rPr lang="en-GB" baseline="30000" dirty="0">
                 <a:solidFill>
                   <a:schemeClr val="dk1"/>
                 </a:solidFill>
@@ -31666,7 +34406,7 @@
               <a:t> </a:t>
             </a:r>
             <a:r>
-              <a:rPr lang="en-GB" b="1">
+              <a:rPr lang="en-GB" b="1" dirty="0">
                 <a:solidFill>
                   <a:srgbClr val="A64D79"/>
                 </a:solidFill>
@@ -31678,7 +34418,7 @@
               <a:t>X</a:t>
             </a:r>
             <a:r>
-              <a:rPr lang="en-GB" b="1" baseline="-25000">
+              <a:rPr lang="en-GB" b="1" baseline="-25000" dirty="0">
                 <a:solidFill>
                   <a:srgbClr val="A64D79"/>
                 </a:solidFill>
@@ -31689,7 +34429,19 @@
               </a:rPr>
               <a:t>B</a:t>
             </a:r>
-            <a:endParaRPr b="1" baseline="-25000">
+            <a:r>
+              <a:rPr lang="en-GB" dirty="0">
+                <a:solidFill>
+                  <a:schemeClr val="dk1"/>
+                </a:solidFill>
+                <a:latin typeface="Cabin"/>
+                <a:ea typeface="Cabin"/>
+                <a:cs typeface="Cabin"/>
+                <a:sym typeface="Cabin"/>
+              </a:rPr>
+              <a:t> + 𝞊</a:t>
+            </a:r>
+            <a:endParaRPr b="1" baseline="-25000" dirty="0">
               <a:solidFill>
                 <a:srgbClr val="A64D79"/>
               </a:solidFill>
@@ -31712,7 +34464,7 @@
               </a:spcAft>
               <a:buNone/>
             </a:pPr>
-            <a:endParaRPr baseline="-25000">
+            <a:endParaRPr baseline="-25000" dirty="0">
               <a:solidFill>
                 <a:schemeClr val="dk1"/>
               </a:solidFill>
@@ -31736,7 +34488,7 @@
               <a:buNone/>
             </a:pPr>
             <a:r>
-              <a:rPr lang="en-GB">
+              <a:rPr lang="en-GB" dirty="0">
                 <a:solidFill>
                   <a:schemeClr val="dk1"/>
                 </a:solidFill>
@@ -31748,7 +34500,7 @@
               <a:t>𝛽</a:t>
             </a:r>
             <a:r>
-              <a:rPr lang="en-GB" baseline="-25000">
+              <a:rPr lang="en-GB" baseline="-25000" dirty="0">
                 <a:solidFill>
                   <a:schemeClr val="dk1"/>
                 </a:solidFill>
@@ -31760,7 +34512,7 @@
               <a:t>0</a:t>
             </a:r>
             <a:r>
-              <a:rPr lang="en-GB">
+              <a:rPr lang="en-GB" dirty="0">
                 <a:solidFill>
                   <a:schemeClr val="dk1"/>
                 </a:solidFill>
@@ -31772,7 +34524,7 @@
               <a:t> = </a:t>
             </a:r>
             <a:r>
-              <a:rPr lang="en-GB" i="1">
+              <a:rPr lang="en-GB" i="1" dirty="0">
                 <a:solidFill>
                   <a:schemeClr val="dk1"/>
                 </a:solidFill>
@@ -31783,7 +34535,7 @@
               </a:rPr>
               <a:t>average of the reference group</a:t>
             </a:r>
-            <a:endParaRPr i="1">
+            <a:endParaRPr i="1" dirty="0">
               <a:solidFill>
                 <a:schemeClr val="dk1"/>
               </a:solidFill>
@@ -31807,7 +34559,7 @@
               <a:buNone/>
             </a:pPr>
             <a:r>
-              <a:rPr lang="en-GB">
+              <a:rPr lang="en-GB" dirty="0">
                 <a:solidFill>
                   <a:schemeClr val="dk1"/>
                 </a:solidFill>
@@ -31819,7 +34571,7 @@
               <a:t>𝛽</a:t>
             </a:r>
             <a:r>
-              <a:rPr lang="en-GB" baseline="-25000">
+              <a:rPr lang="en-GB" baseline="-25000" dirty="0">
                 <a:solidFill>
                   <a:schemeClr val="dk1"/>
                 </a:solidFill>
@@ -31831,7 +34583,7 @@
               <a:t>1</a:t>
             </a:r>
             <a:r>
-              <a:rPr lang="en-GB">
+              <a:rPr lang="en-GB" dirty="0">
                 <a:solidFill>
                   <a:schemeClr val="dk1"/>
                 </a:solidFill>
@@ -31843,7 +34595,7 @@
               <a:t> = </a:t>
             </a:r>
             <a:r>
-              <a:rPr lang="en-GB" b="1" i="1">
+              <a:rPr lang="en-GB" b="1" i="1" dirty="0">
                 <a:solidFill>
                   <a:schemeClr val="dk1"/>
                 </a:solidFill>
@@ -31855,7 +34607,7 @@
               <a:t>difference</a:t>
             </a:r>
             <a:r>
-              <a:rPr lang="en-GB">
+              <a:rPr lang="en-GB" dirty="0">
                 <a:solidFill>
                   <a:schemeClr val="dk1"/>
                 </a:solidFill>
@@ -31866,7 +34618,7 @@
               </a:rPr>
               <a:t> to the reference group</a:t>
             </a:r>
-            <a:endParaRPr>
+            <a:endParaRPr dirty="0">
               <a:solidFill>
                 <a:schemeClr val="dk1"/>
               </a:solidFill>
@@ -32085,2285 +34837,6 @@
               <a:t>1</a:t>
             </a:r>
             <a:endParaRPr/>
-          </a:p>
-        </p:txBody>
-      </p:sp>
-    </p:spTree>
-  </p:cSld>
-  <p:clrMapOvr>
-    <a:masterClrMapping/>
-  </p:clrMapOvr>
-</p:sld>
-</file>
-
-<file path=ppt/slides/slide8.xml><?xml version="1.0" encoding="utf-8"?>
-<p:sld xmlns:a="http://schemas.openxmlformats.org/drawingml/2006/main" xmlns:r="http://schemas.openxmlformats.org/officeDocument/2006/relationships" xmlns:p="http://schemas.openxmlformats.org/presentationml/2006/main">
-  <p:cSld>
-    <p:spTree>
-      <p:nvGrpSpPr>
-        <p:cNvPr id="1" name="Shape 167"/>
-        <p:cNvGrpSpPr/>
-        <p:nvPr/>
-      </p:nvGrpSpPr>
-      <p:grpSpPr>
-        <a:xfrm>
-          <a:off x="0" y="0"/>
-          <a:ext cx="0" cy="0"/>
-          <a:chOff x="0" y="0"/>
-          <a:chExt cx="0" cy="0"/>
-        </a:xfrm>
-      </p:grpSpPr>
-      <p:pic>
-        <p:nvPicPr>
-          <p:cNvPr id="168" name="Google Shape;168;p23"/>
-          <p:cNvPicPr preferRelativeResize="0"/>
-          <p:nvPr/>
-        </p:nvPicPr>
-        <p:blipFill>
-          <a:blip r:embed="rId3">
-            <a:alphaModFix/>
-          </a:blip>
-          <a:stretch>
-            <a:fillRect/>
-          </a:stretch>
-        </p:blipFill>
-        <p:spPr>
-          <a:xfrm>
-            <a:off x="194013" y="2033925"/>
-            <a:ext cx="2361979" cy="1873525"/>
-          </a:xfrm>
-          <a:prstGeom prst="rect">
-            <a:avLst/>
-          </a:prstGeom>
-          <a:noFill/>
-          <a:ln>
-            <a:noFill/>
-          </a:ln>
-        </p:spPr>
-      </p:pic>
-      <p:sp>
-        <p:nvSpPr>
-          <p:cNvPr id="169" name="Google Shape;169;p23"/>
-          <p:cNvSpPr txBox="1"/>
-          <p:nvPr/>
-        </p:nvSpPr>
-        <p:spPr>
-          <a:xfrm>
-            <a:off x="631638" y="2698525"/>
-            <a:ext cx="437700" cy="400200"/>
-          </a:xfrm>
-          <a:prstGeom prst="rect">
-            <a:avLst/>
-          </a:prstGeom>
-          <a:noFill/>
-          <a:ln>
-            <a:noFill/>
-          </a:ln>
-        </p:spPr>
-        <p:txBody>
-          <a:bodyPr spcFirstLastPara="1" wrap="square" lIns="91425" tIns="91425" rIns="91425" bIns="91425" anchor="t" anchorCtr="0">
-            <a:spAutoFit/>
-          </a:bodyPr>
-          <a:lstStyle/>
-          <a:p>
-            <a:pPr marL="0" lvl="0" indent="0" algn="l" rtl="0">
-              <a:lnSpc>
-                <a:spcPct val="115000"/>
-              </a:lnSpc>
-              <a:spcBef>
-                <a:spcPts val="0"/>
-              </a:spcBef>
-              <a:spcAft>
-                <a:spcPts val="0"/>
-              </a:spcAft>
-              <a:buNone/>
-            </a:pPr>
-            <a:r>
-              <a:rPr lang="en-GB">
-                <a:solidFill>
-                  <a:schemeClr val="dk1"/>
-                </a:solidFill>
-                <a:latin typeface="Cabin"/>
-                <a:ea typeface="Cabin"/>
-                <a:cs typeface="Cabin"/>
-                <a:sym typeface="Cabin"/>
-              </a:rPr>
-              <a:t>𝛽</a:t>
-            </a:r>
-            <a:r>
-              <a:rPr lang="en-GB" baseline="-25000">
-                <a:solidFill>
-                  <a:schemeClr val="dk1"/>
-                </a:solidFill>
-                <a:latin typeface="Cabin"/>
-                <a:ea typeface="Cabin"/>
-                <a:cs typeface="Cabin"/>
-                <a:sym typeface="Cabin"/>
-              </a:rPr>
-              <a:t>0</a:t>
-            </a:r>
-            <a:endParaRPr/>
-          </a:p>
-        </p:txBody>
-      </p:sp>
-      <p:cxnSp>
-        <p:nvCxnSpPr>
-          <p:cNvPr id="170" name="Google Shape;170;p23"/>
-          <p:cNvCxnSpPr/>
-          <p:nvPr/>
-        </p:nvCxnSpPr>
-        <p:spPr>
-          <a:xfrm>
-            <a:off x="1024322" y="2878325"/>
-            <a:ext cx="867600" cy="0"/>
-          </a:xfrm>
-          <a:prstGeom prst="straightConnector1">
-            <a:avLst/>
-          </a:prstGeom>
-          <a:noFill/>
-          <a:ln w="19050" cap="flat" cmpd="sng">
-            <a:solidFill>
-              <a:schemeClr val="dk1"/>
-            </a:solidFill>
-            <a:prstDash val="dash"/>
-            <a:round/>
-            <a:headEnd type="none" w="med" len="med"/>
-            <a:tailEnd type="none" w="med" len="med"/>
-          </a:ln>
-        </p:spPr>
-      </p:cxnSp>
-      <p:cxnSp>
-        <p:nvCxnSpPr>
-          <p:cNvPr id="171" name="Google Shape;171;p23"/>
-          <p:cNvCxnSpPr/>
-          <p:nvPr/>
-        </p:nvCxnSpPr>
-        <p:spPr>
-          <a:xfrm rot="10800000">
-            <a:off x="1901738" y="2769125"/>
-            <a:ext cx="0" cy="109200"/>
-          </a:xfrm>
-          <a:prstGeom prst="straightConnector1">
-            <a:avLst/>
-          </a:prstGeom>
-          <a:noFill/>
-          <a:ln w="9525" cap="flat" cmpd="sng">
-            <a:solidFill>
-              <a:schemeClr val="dk1"/>
-            </a:solidFill>
-            <a:prstDash val="solid"/>
-            <a:round/>
-            <a:headEnd type="none" w="med" len="med"/>
-            <a:tailEnd type="stealth" w="med" len="med"/>
-          </a:ln>
-        </p:spPr>
-      </p:cxnSp>
-      <p:sp>
-        <p:nvSpPr>
-          <p:cNvPr id="172" name="Google Shape;172;p23"/>
-          <p:cNvSpPr txBox="1"/>
-          <p:nvPr/>
-        </p:nvSpPr>
-        <p:spPr>
-          <a:xfrm>
-            <a:off x="1608621" y="2525026"/>
-            <a:ext cx="437700" cy="400200"/>
-          </a:xfrm>
-          <a:prstGeom prst="rect">
-            <a:avLst/>
-          </a:prstGeom>
-          <a:noFill/>
-          <a:ln>
-            <a:noFill/>
-          </a:ln>
-        </p:spPr>
-        <p:txBody>
-          <a:bodyPr spcFirstLastPara="1" wrap="square" lIns="91425" tIns="91425" rIns="91425" bIns="91425" anchor="t" anchorCtr="0">
-            <a:spAutoFit/>
-          </a:bodyPr>
-          <a:lstStyle/>
-          <a:p>
-            <a:pPr marL="0" lvl="0" indent="0" algn="l" rtl="0">
-              <a:lnSpc>
-                <a:spcPct val="115000"/>
-              </a:lnSpc>
-              <a:spcBef>
-                <a:spcPts val="0"/>
-              </a:spcBef>
-              <a:spcAft>
-                <a:spcPts val="0"/>
-              </a:spcAft>
-              <a:buNone/>
-            </a:pPr>
-            <a:r>
-              <a:rPr lang="en-GB">
-                <a:solidFill>
-                  <a:schemeClr val="dk1"/>
-                </a:solidFill>
-                <a:latin typeface="Cabin"/>
-                <a:ea typeface="Cabin"/>
-                <a:cs typeface="Cabin"/>
-                <a:sym typeface="Cabin"/>
-              </a:rPr>
-              <a:t>𝛽</a:t>
-            </a:r>
-            <a:r>
-              <a:rPr lang="en-GB" baseline="-25000">
-                <a:solidFill>
-                  <a:schemeClr val="dk1"/>
-                </a:solidFill>
-                <a:latin typeface="Cabin"/>
-                <a:ea typeface="Cabin"/>
-                <a:cs typeface="Cabin"/>
-                <a:sym typeface="Cabin"/>
-              </a:rPr>
-              <a:t>1</a:t>
-            </a:r>
-            <a:endParaRPr/>
-          </a:p>
-        </p:txBody>
-      </p:sp>
-      <p:sp>
-        <p:nvSpPr>
-          <p:cNvPr id="173" name="Google Shape;173;p23"/>
-          <p:cNvSpPr txBox="1">
-            <a:spLocks noGrp="1"/>
-          </p:cNvSpPr>
-          <p:nvPr>
-            <p:ph type="title"/>
-          </p:nvPr>
-        </p:nvSpPr>
-        <p:spPr>
-          <a:xfrm>
-            <a:off x="76200" y="0"/>
-            <a:ext cx="8520600" cy="572700"/>
-          </a:xfrm>
-          <a:prstGeom prst="rect">
-            <a:avLst/>
-          </a:prstGeom>
-        </p:spPr>
-        <p:txBody>
-          <a:bodyPr spcFirstLastPara="1" wrap="square" lIns="91425" tIns="91425" rIns="91425" bIns="91425" anchor="t" anchorCtr="0">
-            <a:noAutofit/>
-          </a:bodyPr>
-          <a:lstStyle/>
-          <a:p>
-            <a:pPr marL="0" lvl="0" indent="0" algn="l" rtl="0">
-              <a:spcBef>
-                <a:spcPts val="0"/>
-              </a:spcBef>
-              <a:spcAft>
-                <a:spcPts val="0"/>
-              </a:spcAft>
-              <a:buNone/>
-            </a:pPr>
-            <a:r>
-              <a:rPr lang="en-GB">
-                <a:solidFill>
-                  <a:srgbClr val="666666"/>
-                </a:solidFill>
-              </a:rPr>
-              <a:t>Linear Models in R |</a:t>
-            </a:r>
-            <a:r>
-              <a:rPr lang="en-GB"/>
-              <a:t> Null Hypothesis Testing</a:t>
-            </a:r>
-            <a:endParaRPr/>
-          </a:p>
-        </p:txBody>
-      </p:sp>
-      <p:sp>
-        <p:nvSpPr>
-          <p:cNvPr id="174" name="Google Shape;174;p23"/>
-          <p:cNvSpPr txBox="1"/>
-          <p:nvPr/>
-        </p:nvSpPr>
-        <p:spPr>
-          <a:xfrm>
-            <a:off x="233850" y="868200"/>
-            <a:ext cx="2497500" cy="1046700"/>
-          </a:xfrm>
-          <a:prstGeom prst="rect">
-            <a:avLst/>
-          </a:prstGeom>
-          <a:noFill/>
-          <a:ln>
-            <a:noFill/>
-          </a:ln>
-        </p:spPr>
-        <p:txBody>
-          <a:bodyPr spcFirstLastPara="1" wrap="square" lIns="91425" tIns="91425" rIns="91425" bIns="91425" anchor="t" anchorCtr="0">
-            <a:spAutoFit/>
-          </a:bodyPr>
-          <a:lstStyle/>
-          <a:p>
-            <a:pPr marL="0" lvl="0" indent="0" algn="l" rtl="0">
-              <a:spcBef>
-                <a:spcPts val="0"/>
-              </a:spcBef>
-              <a:spcAft>
-                <a:spcPts val="0"/>
-              </a:spcAft>
-              <a:buNone/>
-            </a:pPr>
-            <a:r>
-              <a:rPr lang="en-GB" b="1">
-                <a:latin typeface="Cabin"/>
-                <a:ea typeface="Cabin"/>
-                <a:cs typeface="Cabin"/>
-                <a:sym typeface="Cabin"/>
-              </a:rPr>
-              <a:t>How compatible is my data with a “boring” hypothesis?</a:t>
-            </a:r>
-            <a:endParaRPr b="1">
-              <a:latin typeface="Cabin"/>
-              <a:ea typeface="Cabin"/>
-              <a:cs typeface="Cabin"/>
-              <a:sym typeface="Cabin"/>
-            </a:endParaRPr>
-          </a:p>
-          <a:p>
-            <a:pPr marL="0" lvl="0" indent="0" algn="l" rtl="0">
-              <a:spcBef>
-                <a:spcPts val="0"/>
-              </a:spcBef>
-              <a:spcAft>
-                <a:spcPts val="0"/>
-              </a:spcAft>
-              <a:buNone/>
-            </a:pPr>
-            <a:endParaRPr b="1">
-              <a:latin typeface="Cabin"/>
-              <a:ea typeface="Cabin"/>
-              <a:cs typeface="Cabin"/>
-              <a:sym typeface="Cabin"/>
-            </a:endParaRPr>
-          </a:p>
-          <a:p>
-            <a:pPr marL="0" lvl="0" indent="0" algn="l" rtl="0">
-              <a:spcBef>
-                <a:spcPts val="0"/>
-              </a:spcBef>
-              <a:spcAft>
-                <a:spcPts val="0"/>
-              </a:spcAft>
-              <a:buNone/>
-            </a:pPr>
-            <a:r>
-              <a:rPr lang="en-GB">
-                <a:latin typeface="Cabin"/>
-                <a:ea typeface="Cabin"/>
-                <a:cs typeface="Cabin"/>
-                <a:sym typeface="Cabin"/>
-              </a:rPr>
-              <a:t>Null hypothesis:  </a:t>
-            </a:r>
-            <a:r>
-              <a:rPr lang="en-GB">
-                <a:solidFill>
-                  <a:schemeClr val="dk1"/>
-                </a:solidFill>
-                <a:latin typeface="Cabin"/>
-                <a:ea typeface="Cabin"/>
-                <a:cs typeface="Cabin"/>
-                <a:sym typeface="Cabin"/>
-              </a:rPr>
-              <a:t>𝛽</a:t>
-            </a:r>
-            <a:r>
-              <a:rPr lang="en-GB" baseline="-25000">
-                <a:solidFill>
-                  <a:schemeClr val="dk1"/>
-                </a:solidFill>
-                <a:latin typeface="Cabin"/>
-                <a:ea typeface="Cabin"/>
-                <a:cs typeface="Cabin"/>
-                <a:sym typeface="Cabin"/>
-              </a:rPr>
-              <a:t>1</a:t>
-            </a:r>
-            <a:r>
-              <a:rPr lang="en-GB">
-                <a:solidFill>
-                  <a:schemeClr val="dk1"/>
-                </a:solidFill>
-                <a:latin typeface="Cabin"/>
-                <a:ea typeface="Cabin"/>
-                <a:cs typeface="Cabin"/>
-                <a:sym typeface="Cabin"/>
-              </a:rPr>
-              <a:t> = 0</a:t>
-            </a:r>
-            <a:endParaRPr>
-              <a:latin typeface="Cabin"/>
-              <a:ea typeface="Cabin"/>
-              <a:cs typeface="Cabin"/>
-              <a:sym typeface="Cabin"/>
-            </a:endParaRPr>
-          </a:p>
-        </p:txBody>
-      </p:sp>
-      <p:sp>
-        <p:nvSpPr>
-          <p:cNvPr id="175" name="Google Shape;175;p23"/>
-          <p:cNvSpPr txBox="1"/>
-          <p:nvPr/>
-        </p:nvSpPr>
-        <p:spPr>
-          <a:xfrm>
-            <a:off x="3048575" y="2798600"/>
-            <a:ext cx="4932300" cy="1887000"/>
-          </a:xfrm>
-          <a:prstGeom prst="rect">
-            <a:avLst/>
-          </a:prstGeom>
-          <a:noFill/>
-          <a:ln>
-            <a:noFill/>
-          </a:ln>
-        </p:spPr>
-        <p:txBody>
-          <a:bodyPr spcFirstLastPara="1" wrap="square" lIns="91425" tIns="91425" rIns="91425" bIns="91425" anchor="t" anchorCtr="0">
-            <a:spAutoFit/>
-          </a:bodyPr>
-          <a:lstStyle/>
-          <a:p>
-            <a:pPr marL="0" lvl="0" indent="0" algn="l" rtl="0">
-              <a:lnSpc>
-                <a:spcPct val="115000"/>
-              </a:lnSpc>
-              <a:spcBef>
-                <a:spcPts val="0"/>
-              </a:spcBef>
-              <a:spcAft>
-                <a:spcPts val="0"/>
-              </a:spcAft>
-              <a:buNone/>
-            </a:pPr>
-            <a:r>
-              <a:rPr lang="en-GB">
-                <a:solidFill>
-                  <a:schemeClr val="dk1"/>
-                </a:solidFill>
-                <a:latin typeface="Cabin"/>
-                <a:ea typeface="Cabin"/>
-                <a:cs typeface="Cabin"/>
-                <a:sym typeface="Cabin"/>
-              </a:rPr>
-              <a:t>Test statistic:    𝛽</a:t>
-            </a:r>
-            <a:r>
-              <a:rPr lang="en-GB" baseline="-25000">
-                <a:solidFill>
-                  <a:schemeClr val="dk1"/>
-                </a:solidFill>
-                <a:latin typeface="Cabin"/>
-                <a:ea typeface="Cabin"/>
-                <a:cs typeface="Cabin"/>
-                <a:sym typeface="Cabin"/>
-              </a:rPr>
-              <a:t>1</a:t>
-            </a:r>
-            <a:r>
-              <a:rPr lang="en-GB">
-                <a:solidFill>
-                  <a:schemeClr val="dk1"/>
-                </a:solidFill>
-                <a:latin typeface="Cabin"/>
-                <a:ea typeface="Cabin"/>
-                <a:cs typeface="Cabin"/>
-                <a:sym typeface="Cabin"/>
-              </a:rPr>
-              <a:t> / σ</a:t>
-            </a:r>
-            <a:r>
-              <a:rPr lang="en-GB" baseline="-25000">
-                <a:solidFill>
-                  <a:schemeClr val="dk1"/>
-                </a:solidFill>
-                <a:latin typeface="Cabin"/>
-                <a:ea typeface="Cabin"/>
-                <a:cs typeface="Cabin"/>
-                <a:sym typeface="Cabin"/>
-              </a:rPr>
-              <a:t>𝛽1</a:t>
-            </a:r>
-            <a:endParaRPr>
-              <a:solidFill>
-                <a:schemeClr val="dk1"/>
-              </a:solidFill>
-              <a:latin typeface="Cabin"/>
-              <a:ea typeface="Cabin"/>
-              <a:cs typeface="Cabin"/>
-              <a:sym typeface="Cabin"/>
-            </a:endParaRPr>
-          </a:p>
-          <a:p>
-            <a:pPr marL="0" lvl="0" indent="0" algn="l" rtl="0">
-              <a:lnSpc>
-                <a:spcPct val="115000"/>
-              </a:lnSpc>
-              <a:spcBef>
-                <a:spcPts val="0"/>
-              </a:spcBef>
-              <a:spcAft>
-                <a:spcPts val="0"/>
-              </a:spcAft>
-              <a:buNone/>
-            </a:pPr>
-            <a:endParaRPr>
-              <a:solidFill>
-                <a:schemeClr val="dk1"/>
-              </a:solidFill>
-              <a:latin typeface="Cabin"/>
-              <a:ea typeface="Cabin"/>
-              <a:cs typeface="Cabin"/>
-              <a:sym typeface="Cabin"/>
-            </a:endParaRPr>
-          </a:p>
-          <a:p>
-            <a:pPr marL="0" lvl="0" indent="0" algn="l" rtl="0">
-              <a:lnSpc>
-                <a:spcPct val="115000"/>
-              </a:lnSpc>
-              <a:spcBef>
-                <a:spcPts val="0"/>
-              </a:spcBef>
-              <a:spcAft>
-                <a:spcPts val="0"/>
-              </a:spcAft>
-              <a:buNone/>
-            </a:pPr>
-            <a:r>
-              <a:rPr lang="en-GB">
-                <a:solidFill>
-                  <a:schemeClr val="dk1"/>
-                </a:solidFill>
-                <a:latin typeface="Cabin"/>
-                <a:ea typeface="Cabin"/>
-                <a:cs typeface="Cabin"/>
-                <a:sym typeface="Cabin"/>
-              </a:rPr>
-              <a:t>(our estimate divided by the uncertainty in that estimate)</a:t>
-            </a:r>
-            <a:endParaRPr>
-              <a:solidFill>
-                <a:schemeClr val="dk1"/>
-              </a:solidFill>
-              <a:latin typeface="Cabin"/>
-              <a:ea typeface="Cabin"/>
-              <a:cs typeface="Cabin"/>
-              <a:sym typeface="Cabin"/>
-            </a:endParaRPr>
-          </a:p>
-          <a:p>
-            <a:pPr marL="0" lvl="0" indent="0" algn="l" rtl="0">
-              <a:lnSpc>
-                <a:spcPct val="115000"/>
-              </a:lnSpc>
-              <a:spcBef>
-                <a:spcPts val="0"/>
-              </a:spcBef>
-              <a:spcAft>
-                <a:spcPts val="0"/>
-              </a:spcAft>
-              <a:buNone/>
-            </a:pPr>
-            <a:endParaRPr>
-              <a:solidFill>
-                <a:schemeClr val="dk1"/>
-              </a:solidFill>
-              <a:latin typeface="Cabin"/>
-              <a:ea typeface="Cabin"/>
-              <a:cs typeface="Cabin"/>
-              <a:sym typeface="Cabin"/>
-            </a:endParaRPr>
-          </a:p>
-          <a:p>
-            <a:pPr marL="0" lvl="0" indent="0" algn="l" rtl="0">
-              <a:lnSpc>
-                <a:spcPct val="115000"/>
-              </a:lnSpc>
-              <a:spcBef>
-                <a:spcPts val="0"/>
-              </a:spcBef>
-              <a:spcAft>
-                <a:spcPts val="0"/>
-              </a:spcAft>
-              <a:buNone/>
-            </a:pPr>
-            <a:r>
-              <a:rPr lang="en-GB">
-                <a:solidFill>
-                  <a:schemeClr val="dk1"/>
-                </a:solidFill>
-                <a:latin typeface="Cabin"/>
-                <a:ea typeface="Cabin"/>
-                <a:cs typeface="Cabin"/>
-                <a:sym typeface="Cabin"/>
-              </a:rPr>
-              <a:t>P-value calculated from the test statistic</a:t>
-            </a:r>
-            <a:endParaRPr>
-              <a:solidFill>
-                <a:schemeClr val="dk1"/>
-              </a:solidFill>
-              <a:latin typeface="Cabin"/>
-              <a:ea typeface="Cabin"/>
-              <a:cs typeface="Cabin"/>
-              <a:sym typeface="Cabin"/>
-            </a:endParaRPr>
-          </a:p>
-          <a:p>
-            <a:pPr marL="457200" lvl="0" indent="-317500" algn="l" rtl="0">
-              <a:lnSpc>
-                <a:spcPct val="115000"/>
-              </a:lnSpc>
-              <a:spcBef>
-                <a:spcPts val="0"/>
-              </a:spcBef>
-              <a:spcAft>
-                <a:spcPts val="0"/>
-              </a:spcAft>
-              <a:buClr>
-                <a:schemeClr val="dk1"/>
-              </a:buClr>
-              <a:buSzPts val="1400"/>
-              <a:buFont typeface="Cabin"/>
-              <a:buChar char="●"/>
-            </a:pPr>
-            <a:r>
-              <a:rPr lang="en-GB">
-                <a:solidFill>
-                  <a:schemeClr val="dk1"/>
-                </a:solidFill>
-                <a:latin typeface="Cabin"/>
-                <a:ea typeface="Cabin"/>
-                <a:cs typeface="Cabin"/>
-                <a:sym typeface="Cabin"/>
-              </a:rPr>
-              <a:t>Low p-value indicates that the data are not very compatible with the null hypothesis.</a:t>
-            </a:r>
-            <a:endParaRPr>
-              <a:solidFill>
-                <a:schemeClr val="dk1"/>
-              </a:solidFill>
-              <a:latin typeface="Cabin"/>
-              <a:ea typeface="Cabin"/>
-              <a:cs typeface="Cabin"/>
-              <a:sym typeface="Cabin"/>
-            </a:endParaRPr>
-          </a:p>
-        </p:txBody>
-      </p:sp>
-      <p:sp>
-        <p:nvSpPr>
-          <p:cNvPr id="176" name="Google Shape;176;p23"/>
-          <p:cNvSpPr txBox="1"/>
-          <p:nvPr/>
-        </p:nvSpPr>
-        <p:spPr>
-          <a:xfrm>
-            <a:off x="5556575" y="771300"/>
-            <a:ext cx="3072900" cy="1391400"/>
-          </a:xfrm>
-          <a:prstGeom prst="rect">
-            <a:avLst/>
-          </a:prstGeom>
-          <a:noFill/>
-          <a:ln>
-            <a:noFill/>
-          </a:ln>
-        </p:spPr>
-        <p:txBody>
-          <a:bodyPr spcFirstLastPara="1" wrap="square" lIns="91425" tIns="91425" rIns="91425" bIns="91425" anchor="t" anchorCtr="0">
-            <a:spAutoFit/>
-          </a:bodyPr>
-          <a:lstStyle/>
-          <a:p>
-            <a:pPr marL="0" lvl="0" indent="0" algn="l" rtl="0">
-              <a:lnSpc>
-                <a:spcPct val="115000"/>
-              </a:lnSpc>
-              <a:spcBef>
-                <a:spcPts val="0"/>
-              </a:spcBef>
-              <a:spcAft>
-                <a:spcPts val="0"/>
-              </a:spcAft>
-              <a:buNone/>
-            </a:pPr>
-            <a:r>
-              <a:rPr lang="en-GB">
-                <a:latin typeface="Cabin"/>
-                <a:ea typeface="Cabin"/>
-                <a:cs typeface="Cabin"/>
-                <a:sym typeface="Cabin"/>
-              </a:rPr>
-              <a:t>Model: </a:t>
-            </a:r>
-            <a:endParaRPr>
-              <a:latin typeface="Cabin"/>
-              <a:ea typeface="Cabin"/>
-              <a:cs typeface="Cabin"/>
-              <a:sym typeface="Cabin"/>
-            </a:endParaRPr>
-          </a:p>
-          <a:p>
-            <a:pPr marL="0" lvl="0" indent="457200" algn="l" rtl="0">
-              <a:lnSpc>
-                <a:spcPct val="115000"/>
-              </a:lnSpc>
-              <a:spcBef>
-                <a:spcPts val="0"/>
-              </a:spcBef>
-              <a:spcAft>
-                <a:spcPts val="0"/>
-              </a:spcAft>
-              <a:buNone/>
-            </a:pPr>
-            <a:r>
-              <a:rPr lang="en-GB">
-                <a:latin typeface="Cabin"/>
-                <a:ea typeface="Cabin"/>
-                <a:cs typeface="Cabin"/>
-                <a:sym typeface="Cabin"/>
-              </a:rPr>
-              <a:t>Y = </a:t>
-            </a:r>
-            <a:r>
-              <a:rPr lang="en-GB">
-                <a:solidFill>
-                  <a:schemeClr val="dk1"/>
-                </a:solidFill>
-                <a:latin typeface="Cabin"/>
-                <a:ea typeface="Cabin"/>
-                <a:cs typeface="Cabin"/>
-                <a:sym typeface="Cabin"/>
-              </a:rPr>
-              <a:t>𝛽</a:t>
-            </a:r>
-            <a:r>
-              <a:rPr lang="en-GB" baseline="-25000">
-                <a:solidFill>
-                  <a:schemeClr val="dk1"/>
-                </a:solidFill>
-                <a:latin typeface="Cabin"/>
-                <a:ea typeface="Cabin"/>
-                <a:cs typeface="Cabin"/>
-                <a:sym typeface="Cabin"/>
-              </a:rPr>
-              <a:t>0</a:t>
-            </a:r>
-            <a:r>
-              <a:rPr lang="en-GB">
-                <a:solidFill>
-                  <a:schemeClr val="dk1"/>
-                </a:solidFill>
-                <a:latin typeface="Cabin"/>
-                <a:ea typeface="Cabin"/>
-                <a:cs typeface="Cabin"/>
-                <a:sym typeface="Cabin"/>
-              </a:rPr>
-              <a:t> + 𝛽</a:t>
-            </a:r>
-            <a:r>
-              <a:rPr lang="en-GB" baseline="-25000">
-                <a:solidFill>
-                  <a:schemeClr val="dk1"/>
-                </a:solidFill>
-                <a:latin typeface="Cabin"/>
-                <a:ea typeface="Cabin"/>
-                <a:cs typeface="Cabin"/>
-                <a:sym typeface="Cabin"/>
-              </a:rPr>
-              <a:t>1</a:t>
-            </a:r>
-            <a:r>
-              <a:rPr lang="en-GB" baseline="30000">
-                <a:solidFill>
-                  <a:schemeClr val="dk1"/>
-                </a:solidFill>
-                <a:latin typeface="Cabin"/>
-                <a:ea typeface="Cabin"/>
-                <a:cs typeface="Cabin"/>
-                <a:sym typeface="Cabin"/>
-              </a:rPr>
-              <a:t> </a:t>
-            </a:r>
-            <a:r>
-              <a:rPr lang="en-GB" b="1">
-                <a:solidFill>
-                  <a:srgbClr val="A64D79"/>
-                </a:solidFill>
-                <a:latin typeface="Cabin"/>
-                <a:ea typeface="Cabin"/>
-                <a:cs typeface="Cabin"/>
-                <a:sym typeface="Cabin"/>
-              </a:rPr>
-              <a:t>X</a:t>
-            </a:r>
-            <a:r>
-              <a:rPr lang="en-GB" b="1" baseline="-25000">
-                <a:solidFill>
-                  <a:srgbClr val="A64D79"/>
-                </a:solidFill>
-                <a:latin typeface="Cabin"/>
-                <a:ea typeface="Cabin"/>
-                <a:cs typeface="Cabin"/>
-                <a:sym typeface="Cabin"/>
-              </a:rPr>
-              <a:t>B</a:t>
-            </a:r>
-            <a:endParaRPr b="1" baseline="-25000">
-              <a:solidFill>
-                <a:srgbClr val="A64D79"/>
-              </a:solidFill>
-              <a:latin typeface="Cabin"/>
-              <a:ea typeface="Cabin"/>
-              <a:cs typeface="Cabin"/>
-              <a:sym typeface="Cabin"/>
-            </a:endParaRPr>
-          </a:p>
-          <a:p>
-            <a:pPr marL="0" lvl="0" indent="457200" algn="l" rtl="0">
-              <a:lnSpc>
-                <a:spcPct val="115000"/>
-              </a:lnSpc>
-              <a:spcBef>
-                <a:spcPts val="0"/>
-              </a:spcBef>
-              <a:spcAft>
-                <a:spcPts val="0"/>
-              </a:spcAft>
-              <a:buNone/>
-            </a:pPr>
-            <a:endParaRPr baseline="-25000">
-              <a:solidFill>
-                <a:schemeClr val="dk1"/>
-              </a:solidFill>
-              <a:latin typeface="Cabin"/>
-              <a:ea typeface="Cabin"/>
-              <a:cs typeface="Cabin"/>
-              <a:sym typeface="Cabin"/>
-            </a:endParaRPr>
-          </a:p>
-          <a:p>
-            <a:pPr marL="0" lvl="0" indent="0" algn="l" rtl="0">
-              <a:lnSpc>
-                <a:spcPct val="115000"/>
-              </a:lnSpc>
-              <a:spcBef>
-                <a:spcPts val="0"/>
-              </a:spcBef>
-              <a:spcAft>
-                <a:spcPts val="0"/>
-              </a:spcAft>
-              <a:buNone/>
-            </a:pPr>
-            <a:r>
-              <a:rPr lang="en-GB">
-                <a:solidFill>
-                  <a:schemeClr val="dk1"/>
-                </a:solidFill>
-                <a:latin typeface="Cabin"/>
-                <a:ea typeface="Cabin"/>
-                <a:cs typeface="Cabin"/>
-                <a:sym typeface="Cabin"/>
-              </a:rPr>
-              <a:t>𝛽</a:t>
-            </a:r>
-            <a:r>
-              <a:rPr lang="en-GB" baseline="-25000">
-                <a:solidFill>
-                  <a:schemeClr val="dk1"/>
-                </a:solidFill>
-                <a:latin typeface="Cabin"/>
-                <a:ea typeface="Cabin"/>
-                <a:cs typeface="Cabin"/>
-                <a:sym typeface="Cabin"/>
-              </a:rPr>
-              <a:t>0</a:t>
-            </a:r>
-            <a:r>
-              <a:rPr lang="en-GB">
-                <a:solidFill>
-                  <a:schemeClr val="dk1"/>
-                </a:solidFill>
-                <a:latin typeface="Cabin"/>
-                <a:ea typeface="Cabin"/>
-                <a:cs typeface="Cabin"/>
-                <a:sym typeface="Cabin"/>
-              </a:rPr>
-              <a:t> = </a:t>
-            </a:r>
-            <a:r>
-              <a:rPr lang="en-GB" i="1">
-                <a:solidFill>
-                  <a:schemeClr val="dk1"/>
-                </a:solidFill>
-                <a:latin typeface="Cabin"/>
-                <a:ea typeface="Cabin"/>
-                <a:cs typeface="Cabin"/>
-                <a:sym typeface="Cabin"/>
-              </a:rPr>
-              <a:t>average of the reference group</a:t>
-            </a:r>
-            <a:endParaRPr i="1">
-              <a:solidFill>
-                <a:schemeClr val="dk1"/>
-              </a:solidFill>
-              <a:latin typeface="Cabin"/>
-              <a:ea typeface="Cabin"/>
-              <a:cs typeface="Cabin"/>
-              <a:sym typeface="Cabin"/>
-            </a:endParaRPr>
-          </a:p>
-          <a:p>
-            <a:pPr marL="0" lvl="0" indent="0" algn="l" rtl="0">
-              <a:lnSpc>
-                <a:spcPct val="115000"/>
-              </a:lnSpc>
-              <a:spcBef>
-                <a:spcPts val="0"/>
-              </a:spcBef>
-              <a:spcAft>
-                <a:spcPts val="0"/>
-              </a:spcAft>
-              <a:buNone/>
-            </a:pPr>
-            <a:r>
-              <a:rPr lang="en-GB">
-                <a:solidFill>
-                  <a:schemeClr val="dk1"/>
-                </a:solidFill>
-                <a:latin typeface="Cabin"/>
-                <a:ea typeface="Cabin"/>
-                <a:cs typeface="Cabin"/>
-                <a:sym typeface="Cabin"/>
-              </a:rPr>
-              <a:t>𝛽</a:t>
-            </a:r>
-            <a:r>
-              <a:rPr lang="en-GB" baseline="-25000">
-                <a:solidFill>
-                  <a:schemeClr val="dk1"/>
-                </a:solidFill>
-                <a:latin typeface="Cabin"/>
-                <a:ea typeface="Cabin"/>
-                <a:cs typeface="Cabin"/>
-                <a:sym typeface="Cabin"/>
-              </a:rPr>
-              <a:t>1</a:t>
-            </a:r>
-            <a:r>
-              <a:rPr lang="en-GB">
-                <a:solidFill>
-                  <a:schemeClr val="dk1"/>
-                </a:solidFill>
-                <a:latin typeface="Cabin"/>
-                <a:ea typeface="Cabin"/>
-                <a:cs typeface="Cabin"/>
-                <a:sym typeface="Cabin"/>
-              </a:rPr>
-              <a:t> = </a:t>
-            </a:r>
-            <a:r>
-              <a:rPr lang="en-GB" b="1" i="1">
-                <a:solidFill>
-                  <a:schemeClr val="dk1"/>
-                </a:solidFill>
-                <a:latin typeface="Cabin"/>
-                <a:ea typeface="Cabin"/>
-                <a:cs typeface="Cabin"/>
-                <a:sym typeface="Cabin"/>
-              </a:rPr>
-              <a:t>difference</a:t>
-            </a:r>
-            <a:r>
-              <a:rPr lang="en-GB">
-                <a:solidFill>
-                  <a:schemeClr val="dk1"/>
-                </a:solidFill>
-                <a:latin typeface="Cabin"/>
-                <a:ea typeface="Cabin"/>
-                <a:cs typeface="Cabin"/>
-                <a:sym typeface="Cabin"/>
-              </a:rPr>
-              <a:t> to the reference group</a:t>
-            </a:r>
-            <a:endParaRPr>
-              <a:solidFill>
-                <a:schemeClr val="dk1"/>
-              </a:solidFill>
-              <a:latin typeface="Cabin"/>
-              <a:ea typeface="Cabin"/>
-              <a:cs typeface="Cabin"/>
-              <a:sym typeface="Cabin"/>
-            </a:endParaRPr>
-          </a:p>
-        </p:txBody>
-      </p:sp>
-      <p:pic>
-        <p:nvPicPr>
-          <p:cNvPr id="177" name="Google Shape;177;p23"/>
-          <p:cNvPicPr preferRelativeResize="0"/>
-          <p:nvPr/>
-        </p:nvPicPr>
-        <p:blipFill>
-          <a:blip r:embed="rId4">
-            <a:alphaModFix/>
-          </a:blip>
-          <a:stretch>
-            <a:fillRect/>
-          </a:stretch>
-        </p:blipFill>
-        <p:spPr>
-          <a:xfrm>
-            <a:off x="2969525" y="695100"/>
-            <a:ext cx="2497625" cy="1981100"/>
-          </a:xfrm>
-          <a:prstGeom prst="rect">
-            <a:avLst/>
-          </a:prstGeom>
-          <a:noFill/>
-          <a:ln>
-            <a:noFill/>
-          </a:ln>
-        </p:spPr>
-      </p:pic>
-      <p:sp>
-        <p:nvSpPr>
-          <p:cNvPr id="178" name="Google Shape;178;p23"/>
-          <p:cNvSpPr txBox="1"/>
-          <p:nvPr/>
-        </p:nvSpPr>
-        <p:spPr>
-          <a:xfrm>
-            <a:off x="3458350" y="1633725"/>
-            <a:ext cx="437700" cy="400200"/>
-          </a:xfrm>
-          <a:prstGeom prst="rect">
-            <a:avLst/>
-          </a:prstGeom>
-          <a:noFill/>
-          <a:ln>
-            <a:noFill/>
-          </a:ln>
-        </p:spPr>
-        <p:txBody>
-          <a:bodyPr spcFirstLastPara="1" wrap="square" lIns="91425" tIns="91425" rIns="91425" bIns="91425" anchor="t" anchorCtr="0">
-            <a:spAutoFit/>
-          </a:bodyPr>
-          <a:lstStyle/>
-          <a:p>
-            <a:pPr marL="0" lvl="0" indent="0" algn="l" rtl="0">
-              <a:lnSpc>
-                <a:spcPct val="115000"/>
-              </a:lnSpc>
-              <a:spcBef>
-                <a:spcPts val="0"/>
-              </a:spcBef>
-              <a:spcAft>
-                <a:spcPts val="0"/>
-              </a:spcAft>
-              <a:buNone/>
-            </a:pPr>
-            <a:r>
-              <a:rPr lang="en-GB">
-                <a:solidFill>
-                  <a:schemeClr val="dk1"/>
-                </a:solidFill>
-                <a:latin typeface="Cabin"/>
-                <a:ea typeface="Cabin"/>
-                <a:cs typeface="Cabin"/>
-                <a:sym typeface="Cabin"/>
-              </a:rPr>
-              <a:t>𝛽</a:t>
-            </a:r>
-            <a:r>
-              <a:rPr lang="en-GB" baseline="-25000">
-                <a:solidFill>
-                  <a:schemeClr val="dk1"/>
-                </a:solidFill>
-                <a:latin typeface="Cabin"/>
-                <a:ea typeface="Cabin"/>
-                <a:cs typeface="Cabin"/>
-                <a:sym typeface="Cabin"/>
-              </a:rPr>
-              <a:t>0</a:t>
-            </a:r>
-            <a:endParaRPr/>
-          </a:p>
-        </p:txBody>
-      </p:sp>
-      <p:cxnSp>
-        <p:nvCxnSpPr>
-          <p:cNvPr id="179" name="Google Shape;179;p23"/>
-          <p:cNvCxnSpPr/>
-          <p:nvPr/>
-        </p:nvCxnSpPr>
-        <p:spPr>
-          <a:xfrm>
-            <a:off x="3864700" y="1813525"/>
-            <a:ext cx="867600" cy="0"/>
-          </a:xfrm>
-          <a:prstGeom prst="straightConnector1">
-            <a:avLst/>
-          </a:prstGeom>
-          <a:noFill/>
-          <a:ln w="19050" cap="flat" cmpd="sng">
-            <a:solidFill>
-              <a:schemeClr val="dk1"/>
-            </a:solidFill>
-            <a:prstDash val="dash"/>
-            <a:round/>
-            <a:headEnd type="none" w="med" len="med"/>
-            <a:tailEnd type="none" w="med" len="med"/>
-          </a:ln>
-        </p:spPr>
-      </p:cxnSp>
-      <p:cxnSp>
-        <p:nvCxnSpPr>
-          <p:cNvPr id="180" name="Google Shape;180;p23"/>
-          <p:cNvCxnSpPr/>
-          <p:nvPr/>
-        </p:nvCxnSpPr>
-        <p:spPr>
-          <a:xfrm rot="10800000">
-            <a:off x="4728450" y="1235125"/>
-            <a:ext cx="0" cy="578400"/>
-          </a:xfrm>
-          <a:prstGeom prst="straightConnector1">
-            <a:avLst/>
-          </a:prstGeom>
-          <a:noFill/>
-          <a:ln w="9525" cap="flat" cmpd="sng">
-            <a:solidFill>
-              <a:schemeClr val="dk1"/>
-            </a:solidFill>
-            <a:prstDash val="solid"/>
-            <a:round/>
-            <a:headEnd type="none" w="med" len="med"/>
-            <a:tailEnd type="stealth" w="med" len="med"/>
-          </a:ln>
-        </p:spPr>
-      </p:cxnSp>
-      <p:sp>
-        <p:nvSpPr>
-          <p:cNvPr id="181" name="Google Shape;181;p23"/>
-          <p:cNvSpPr txBox="1"/>
-          <p:nvPr/>
-        </p:nvSpPr>
-        <p:spPr>
-          <a:xfrm>
-            <a:off x="4433450" y="1299300"/>
-            <a:ext cx="437700" cy="400200"/>
-          </a:xfrm>
-          <a:prstGeom prst="rect">
-            <a:avLst/>
-          </a:prstGeom>
-          <a:noFill/>
-          <a:ln>
-            <a:noFill/>
-          </a:ln>
-        </p:spPr>
-        <p:txBody>
-          <a:bodyPr spcFirstLastPara="1" wrap="square" lIns="91425" tIns="91425" rIns="91425" bIns="91425" anchor="t" anchorCtr="0">
-            <a:spAutoFit/>
-          </a:bodyPr>
-          <a:lstStyle/>
-          <a:p>
-            <a:pPr marL="0" lvl="0" indent="0" algn="l" rtl="0">
-              <a:lnSpc>
-                <a:spcPct val="115000"/>
-              </a:lnSpc>
-              <a:spcBef>
-                <a:spcPts val="0"/>
-              </a:spcBef>
-              <a:spcAft>
-                <a:spcPts val="0"/>
-              </a:spcAft>
-              <a:buNone/>
-            </a:pPr>
-            <a:r>
-              <a:rPr lang="en-GB">
-                <a:solidFill>
-                  <a:schemeClr val="dk1"/>
-                </a:solidFill>
-                <a:latin typeface="Cabin"/>
-                <a:ea typeface="Cabin"/>
-                <a:cs typeface="Cabin"/>
-                <a:sym typeface="Cabin"/>
-              </a:rPr>
-              <a:t>𝛽</a:t>
-            </a:r>
-            <a:r>
-              <a:rPr lang="en-GB" baseline="-25000">
-                <a:solidFill>
-                  <a:schemeClr val="dk1"/>
-                </a:solidFill>
-                <a:latin typeface="Cabin"/>
-                <a:ea typeface="Cabin"/>
-                <a:cs typeface="Cabin"/>
-                <a:sym typeface="Cabin"/>
-              </a:rPr>
-              <a:t>1</a:t>
-            </a:r>
-            <a:endParaRPr/>
-          </a:p>
-        </p:txBody>
-      </p:sp>
-      <p:sp>
-        <p:nvSpPr>
-          <p:cNvPr id="182" name="Google Shape;182;p23"/>
-          <p:cNvSpPr txBox="1"/>
-          <p:nvPr/>
-        </p:nvSpPr>
-        <p:spPr>
-          <a:xfrm>
-            <a:off x="5714150" y="2463525"/>
-            <a:ext cx="3189300" cy="523200"/>
-          </a:xfrm>
-          <a:prstGeom prst="rect">
-            <a:avLst/>
-          </a:prstGeom>
-          <a:noFill/>
-          <a:ln>
-            <a:noFill/>
-          </a:ln>
-        </p:spPr>
-        <p:txBody>
-          <a:bodyPr spcFirstLastPara="1" wrap="square" lIns="91425" tIns="91425" rIns="91425" bIns="91425" anchor="t" anchorCtr="0">
-            <a:spAutoFit/>
-          </a:bodyPr>
-          <a:lstStyle/>
-          <a:p>
-            <a:pPr marL="0" lvl="0" indent="0" algn="l" rtl="0">
-              <a:spcBef>
-                <a:spcPts val="0"/>
-              </a:spcBef>
-              <a:spcAft>
-                <a:spcPts val="0"/>
-              </a:spcAft>
-              <a:buNone/>
-            </a:pPr>
-            <a:r>
-              <a:rPr lang="en-GB" sz="2200" b="1">
-                <a:solidFill>
-                  <a:srgbClr val="741B47"/>
-                </a:solidFill>
-                <a:latin typeface="Cabin"/>
-                <a:ea typeface="Cabin"/>
-                <a:cs typeface="Cabin"/>
-                <a:sym typeface="Cabin"/>
-              </a:rPr>
-              <a:t>Exercise 1</a:t>
-            </a:r>
-            <a:endParaRPr sz="2200" b="1">
-              <a:solidFill>
-                <a:srgbClr val="741B47"/>
-              </a:solidFill>
-              <a:latin typeface="Cabin"/>
-              <a:ea typeface="Cabin"/>
-              <a:cs typeface="Cabin"/>
-              <a:sym typeface="Cabin"/>
-            </a:endParaRPr>
-          </a:p>
-        </p:txBody>
-      </p:sp>
-    </p:spTree>
-  </p:cSld>
-  <p:clrMapOvr>
-    <a:masterClrMapping/>
-  </p:clrMapOvr>
-</p:sld>
-</file>
-
-<file path=ppt/slides/slide9.xml><?xml version="1.0" encoding="utf-8"?>
-<p:sld xmlns:a="http://schemas.openxmlformats.org/drawingml/2006/main" xmlns:r="http://schemas.openxmlformats.org/officeDocument/2006/relationships" xmlns:p="http://schemas.openxmlformats.org/presentationml/2006/main">
-  <p:cSld>
-    <p:spTree>
-      <p:nvGrpSpPr>
-        <p:cNvPr id="1" name="Shape 186"/>
-        <p:cNvGrpSpPr/>
-        <p:nvPr/>
-      </p:nvGrpSpPr>
-      <p:grpSpPr>
-        <a:xfrm>
-          <a:off x="0" y="0"/>
-          <a:ext cx="0" cy="0"/>
-          <a:chOff x="0" y="0"/>
-          <a:chExt cx="0" cy="0"/>
-        </a:xfrm>
-      </p:grpSpPr>
-      <p:sp>
-        <p:nvSpPr>
-          <p:cNvPr id="187" name="Google Shape;187;p24"/>
-          <p:cNvSpPr txBox="1">
-            <a:spLocks noGrp="1"/>
-          </p:cNvSpPr>
-          <p:nvPr>
-            <p:ph type="title"/>
-          </p:nvPr>
-        </p:nvSpPr>
-        <p:spPr>
-          <a:xfrm>
-            <a:off x="76200" y="0"/>
-            <a:ext cx="8520600" cy="572700"/>
-          </a:xfrm>
-          <a:prstGeom prst="rect">
-            <a:avLst/>
-          </a:prstGeom>
-        </p:spPr>
-        <p:txBody>
-          <a:bodyPr spcFirstLastPara="1" wrap="square" lIns="91425" tIns="91425" rIns="91425" bIns="91425" anchor="t" anchorCtr="0">
-            <a:noAutofit/>
-          </a:bodyPr>
-          <a:lstStyle/>
-          <a:p>
-            <a:pPr marL="0" lvl="0" indent="0" algn="l" rtl="0">
-              <a:spcBef>
-                <a:spcPts val="0"/>
-              </a:spcBef>
-              <a:spcAft>
-                <a:spcPts val="0"/>
-              </a:spcAft>
-              <a:buNone/>
-            </a:pPr>
-            <a:r>
-              <a:rPr lang="en-GB">
-                <a:solidFill>
-                  <a:srgbClr val="666666"/>
-                </a:solidFill>
-              </a:rPr>
-              <a:t>Linear Models in R |</a:t>
-            </a:r>
-            <a:r>
-              <a:rPr lang="en-GB"/>
-              <a:t> Model Specification</a:t>
-            </a:r>
-            <a:endParaRPr/>
-          </a:p>
-        </p:txBody>
-      </p:sp>
-      <p:sp>
-        <p:nvSpPr>
-          <p:cNvPr id="188" name="Google Shape;188;p24"/>
-          <p:cNvSpPr txBox="1"/>
-          <p:nvPr/>
-        </p:nvSpPr>
-        <p:spPr>
-          <a:xfrm>
-            <a:off x="426600" y="695100"/>
-            <a:ext cx="1720500" cy="1608600"/>
-          </a:xfrm>
-          <a:prstGeom prst="rect">
-            <a:avLst/>
-          </a:prstGeom>
-          <a:solidFill>
-            <a:schemeClr val="lt2"/>
-          </a:solidFill>
-          <a:ln>
-            <a:noFill/>
-          </a:ln>
-        </p:spPr>
-        <p:txBody>
-          <a:bodyPr spcFirstLastPara="1" wrap="square" lIns="91425" tIns="91425" rIns="91425" bIns="91425" anchor="t" anchorCtr="0">
-            <a:noAutofit/>
-          </a:bodyPr>
-          <a:lstStyle/>
-          <a:p>
-            <a:pPr marL="0" lvl="0" indent="0" algn="l" rtl="0">
-              <a:spcBef>
-                <a:spcPts val="0"/>
-              </a:spcBef>
-              <a:spcAft>
-                <a:spcPts val="0"/>
-              </a:spcAft>
-              <a:buNone/>
-            </a:pPr>
-            <a:r>
-              <a:rPr lang="en-GB" sz="1200">
-                <a:solidFill>
-                  <a:schemeClr val="dk1"/>
-                </a:solidFill>
-                <a:latin typeface="Courier New"/>
-                <a:ea typeface="Courier New"/>
-                <a:cs typeface="Courier New"/>
-                <a:sym typeface="Courier New"/>
-              </a:rPr>
-              <a:t>          x  </a:t>
-            </a:r>
-            <a:endParaRPr sz="1200">
-              <a:solidFill>
-                <a:schemeClr val="dk1"/>
-              </a:solidFill>
-              <a:latin typeface="Courier New"/>
-              <a:ea typeface="Courier New"/>
-              <a:cs typeface="Courier New"/>
-              <a:sym typeface="Courier New"/>
-            </a:endParaRPr>
-          </a:p>
-          <a:p>
-            <a:pPr marL="0" lvl="0" indent="0" algn="l" rtl="0">
-              <a:spcBef>
-                <a:spcPts val="0"/>
-              </a:spcBef>
-              <a:spcAft>
-                <a:spcPts val="0"/>
-              </a:spcAft>
-              <a:buNone/>
-            </a:pPr>
-            <a:r>
-              <a:rPr lang="en-GB" sz="1200">
-                <a:solidFill>
-                  <a:schemeClr val="dk1"/>
-                </a:solidFill>
-                <a:latin typeface="Courier New"/>
-                <a:ea typeface="Courier New"/>
-                <a:cs typeface="Courier New"/>
-                <a:sym typeface="Courier New"/>
-              </a:rPr>
-              <a:t>        &lt;factor&gt;</a:t>
-            </a:r>
-            <a:endParaRPr sz="1200">
-              <a:solidFill>
-                <a:schemeClr val="dk1"/>
-              </a:solidFill>
-              <a:latin typeface="Courier New"/>
-              <a:ea typeface="Courier New"/>
-              <a:cs typeface="Courier New"/>
-              <a:sym typeface="Courier New"/>
-            </a:endParaRPr>
-          </a:p>
-          <a:p>
-            <a:pPr marL="0" lvl="0" indent="0" algn="l" rtl="0">
-              <a:spcBef>
-                <a:spcPts val="0"/>
-              </a:spcBef>
-              <a:spcAft>
-                <a:spcPts val="0"/>
-              </a:spcAft>
-              <a:buNone/>
-            </a:pPr>
-            <a:r>
-              <a:rPr lang="en-GB" sz="1200">
-                <a:solidFill>
-                  <a:schemeClr val="dk1"/>
-                </a:solidFill>
-                <a:latin typeface="Courier New"/>
-                <a:ea typeface="Courier New"/>
-                <a:cs typeface="Courier New"/>
-                <a:sym typeface="Courier New"/>
-              </a:rPr>
-              <a:t>sample1   A  </a:t>
-            </a:r>
-            <a:endParaRPr sz="1200">
-              <a:solidFill>
-                <a:schemeClr val="dk1"/>
-              </a:solidFill>
-              <a:latin typeface="Courier New"/>
-              <a:ea typeface="Courier New"/>
-              <a:cs typeface="Courier New"/>
-              <a:sym typeface="Courier New"/>
-            </a:endParaRPr>
-          </a:p>
-          <a:p>
-            <a:pPr marL="0" lvl="0" indent="0" algn="l" rtl="0">
-              <a:spcBef>
-                <a:spcPts val="0"/>
-              </a:spcBef>
-              <a:spcAft>
-                <a:spcPts val="0"/>
-              </a:spcAft>
-              <a:buNone/>
-            </a:pPr>
-            <a:r>
-              <a:rPr lang="en-GB" sz="1200">
-                <a:solidFill>
-                  <a:schemeClr val="dk1"/>
-                </a:solidFill>
-                <a:latin typeface="Courier New"/>
-                <a:ea typeface="Courier New"/>
-                <a:cs typeface="Courier New"/>
-                <a:sym typeface="Courier New"/>
-              </a:rPr>
-              <a:t>sample2   A  </a:t>
-            </a:r>
-            <a:endParaRPr sz="1200">
-              <a:solidFill>
-                <a:schemeClr val="dk1"/>
-              </a:solidFill>
-              <a:latin typeface="Courier New"/>
-              <a:ea typeface="Courier New"/>
-              <a:cs typeface="Courier New"/>
-              <a:sym typeface="Courier New"/>
-            </a:endParaRPr>
-          </a:p>
-          <a:p>
-            <a:pPr marL="0" lvl="0" indent="0" algn="l" rtl="0">
-              <a:spcBef>
-                <a:spcPts val="0"/>
-              </a:spcBef>
-              <a:spcAft>
-                <a:spcPts val="0"/>
-              </a:spcAft>
-              <a:buNone/>
-            </a:pPr>
-            <a:r>
-              <a:rPr lang="en-GB" sz="1200">
-                <a:solidFill>
-                  <a:schemeClr val="dk1"/>
-                </a:solidFill>
-                <a:latin typeface="Courier New"/>
-                <a:ea typeface="Courier New"/>
-                <a:cs typeface="Courier New"/>
-                <a:sym typeface="Courier New"/>
-              </a:rPr>
-              <a:t>sample3   A  </a:t>
-            </a:r>
-            <a:endParaRPr sz="1200">
-              <a:solidFill>
-                <a:schemeClr val="dk1"/>
-              </a:solidFill>
-              <a:latin typeface="Courier New"/>
-              <a:ea typeface="Courier New"/>
-              <a:cs typeface="Courier New"/>
-              <a:sym typeface="Courier New"/>
-            </a:endParaRPr>
-          </a:p>
-          <a:p>
-            <a:pPr marL="0" lvl="0" indent="0" algn="l" rtl="0">
-              <a:spcBef>
-                <a:spcPts val="0"/>
-              </a:spcBef>
-              <a:spcAft>
-                <a:spcPts val="0"/>
-              </a:spcAft>
-              <a:buNone/>
-            </a:pPr>
-            <a:r>
-              <a:rPr lang="en-GB" sz="1200">
-                <a:solidFill>
-                  <a:schemeClr val="dk1"/>
-                </a:solidFill>
-                <a:latin typeface="Courier New"/>
-                <a:ea typeface="Courier New"/>
-                <a:cs typeface="Courier New"/>
-                <a:sym typeface="Courier New"/>
-              </a:rPr>
-              <a:t>sample4   B </a:t>
-            </a:r>
-            <a:endParaRPr sz="1200">
-              <a:solidFill>
-                <a:schemeClr val="dk1"/>
-              </a:solidFill>
-              <a:latin typeface="Courier New"/>
-              <a:ea typeface="Courier New"/>
-              <a:cs typeface="Courier New"/>
-              <a:sym typeface="Courier New"/>
-            </a:endParaRPr>
-          </a:p>
-          <a:p>
-            <a:pPr marL="0" lvl="0" indent="0" algn="l" rtl="0">
-              <a:spcBef>
-                <a:spcPts val="0"/>
-              </a:spcBef>
-              <a:spcAft>
-                <a:spcPts val="0"/>
-              </a:spcAft>
-              <a:buNone/>
-            </a:pPr>
-            <a:r>
-              <a:rPr lang="en-GB" sz="1200">
-                <a:solidFill>
-                  <a:schemeClr val="dk1"/>
-                </a:solidFill>
-                <a:latin typeface="Courier New"/>
-                <a:ea typeface="Courier New"/>
-                <a:cs typeface="Courier New"/>
-                <a:sym typeface="Courier New"/>
-              </a:rPr>
-              <a:t>sample5   B </a:t>
-            </a:r>
-            <a:endParaRPr sz="1200">
-              <a:solidFill>
-                <a:schemeClr val="dk1"/>
-              </a:solidFill>
-              <a:latin typeface="Courier New"/>
-              <a:ea typeface="Courier New"/>
-              <a:cs typeface="Courier New"/>
-              <a:sym typeface="Courier New"/>
-            </a:endParaRPr>
-          </a:p>
-          <a:p>
-            <a:pPr marL="0" lvl="0" indent="0" algn="l" rtl="0">
-              <a:spcBef>
-                <a:spcPts val="0"/>
-              </a:spcBef>
-              <a:spcAft>
-                <a:spcPts val="0"/>
-              </a:spcAft>
-              <a:buNone/>
-            </a:pPr>
-            <a:r>
-              <a:rPr lang="en-GB" sz="1200">
-                <a:solidFill>
-                  <a:schemeClr val="dk1"/>
-                </a:solidFill>
-                <a:latin typeface="Courier New"/>
-                <a:ea typeface="Courier New"/>
-                <a:cs typeface="Courier New"/>
-                <a:sym typeface="Courier New"/>
-              </a:rPr>
-              <a:t>sample6   B </a:t>
-            </a:r>
-            <a:endParaRPr sz="1200">
-              <a:solidFill>
-                <a:schemeClr val="dk1"/>
-              </a:solidFill>
-              <a:latin typeface="Courier New"/>
-              <a:ea typeface="Courier New"/>
-              <a:cs typeface="Courier New"/>
-              <a:sym typeface="Courier New"/>
-            </a:endParaRPr>
-          </a:p>
-        </p:txBody>
-      </p:sp>
-      <p:sp>
-        <p:nvSpPr>
-          <p:cNvPr id="189" name="Google Shape;189;p24"/>
-          <p:cNvSpPr txBox="1"/>
-          <p:nvPr/>
-        </p:nvSpPr>
-        <p:spPr>
-          <a:xfrm>
-            <a:off x="5556575" y="771300"/>
-            <a:ext cx="3072900" cy="1391400"/>
-          </a:xfrm>
-          <a:prstGeom prst="rect">
-            <a:avLst/>
-          </a:prstGeom>
-          <a:noFill/>
-          <a:ln>
-            <a:noFill/>
-          </a:ln>
-        </p:spPr>
-        <p:txBody>
-          <a:bodyPr spcFirstLastPara="1" wrap="square" lIns="91425" tIns="91425" rIns="91425" bIns="91425" anchor="t" anchorCtr="0">
-            <a:spAutoFit/>
-          </a:bodyPr>
-          <a:lstStyle/>
-          <a:p>
-            <a:pPr marL="0" lvl="0" indent="0" algn="l" rtl="0">
-              <a:lnSpc>
-                <a:spcPct val="115000"/>
-              </a:lnSpc>
-              <a:spcBef>
-                <a:spcPts val="0"/>
-              </a:spcBef>
-              <a:spcAft>
-                <a:spcPts val="0"/>
-              </a:spcAft>
-              <a:buNone/>
-            </a:pPr>
-            <a:r>
-              <a:rPr lang="en-GB">
-                <a:latin typeface="Cabin"/>
-                <a:ea typeface="Cabin"/>
-                <a:cs typeface="Cabin"/>
-                <a:sym typeface="Cabin"/>
-              </a:rPr>
-              <a:t>Model: </a:t>
-            </a:r>
-            <a:endParaRPr>
-              <a:latin typeface="Cabin"/>
-              <a:ea typeface="Cabin"/>
-              <a:cs typeface="Cabin"/>
-              <a:sym typeface="Cabin"/>
-            </a:endParaRPr>
-          </a:p>
-          <a:p>
-            <a:pPr marL="0" lvl="0" indent="457200" algn="l" rtl="0">
-              <a:lnSpc>
-                <a:spcPct val="115000"/>
-              </a:lnSpc>
-              <a:spcBef>
-                <a:spcPts val="0"/>
-              </a:spcBef>
-              <a:spcAft>
-                <a:spcPts val="0"/>
-              </a:spcAft>
-              <a:buNone/>
-            </a:pPr>
-            <a:r>
-              <a:rPr lang="en-GB">
-                <a:latin typeface="Cabin"/>
-                <a:ea typeface="Cabin"/>
-                <a:cs typeface="Cabin"/>
-                <a:sym typeface="Cabin"/>
-              </a:rPr>
-              <a:t>Y = </a:t>
-            </a:r>
-            <a:r>
-              <a:rPr lang="en-GB">
-                <a:solidFill>
-                  <a:schemeClr val="dk1"/>
-                </a:solidFill>
-                <a:latin typeface="Cabin"/>
-                <a:ea typeface="Cabin"/>
-                <a:cs typeface="Cabin"/>
-                <a:sym typeface="Cabin"/>
-              </a:rPr>
-              <a:t>𝛽</a:t>
-            </a:r>
-            <a:r>
-              <a:rPr lang="en-GB" baseline="-25000">
-                <a:solidFill>
-                  <a:schemeClr val="dk1"/>
-                </a:solidFill>
-                <a:latin typeface="Cabin"/>
-                <a:ea typeface="Cabin"/>
-                <a:cs typeface="Cabin"/>
-                <a:sym typeface="Cabin"/>
-              </a:rPr>
-              <a:t>0</a:t>
-            </a:r>
-            <a:r>
-              <a:rPr lang="en-GB">
-                <a:solidFill>
-                  <a:schemeClr val="dk1"/>
-                </a:solidFill>
-                <a:latin typeface="Cabin"/>
-                <a:ea typeface="Cabin"/>
-                <a:cs typeface="Cabin"/>
-                <a:sym typeface="Cabin"/>
-              </a:rPr>
-              <a:t> + 𝛽</a:t>
-            </a:r>
-            <a:r>
-              <a:rPr lang="en-GB" baseline="-25000">
-                <a:solidFill>
-                  <a:schemeClr val="dk1"/>
-                </a:solidFill>
-                <a:latin typeface="Cabin"/>
-                <a:ea typeface="Cabin"/>
-                <a:cs typeface="Cabin"/>
-                <a:sym typeface="Cabin"/>
-              </a:rPr>
-              <a:t>1</a:t>
-            </a:r>
-            <a:r>
-              <a:rPr lang="en-GB" baseline="30000">
-                <a:solidFill>
-                  <a:schemeClr val="dk1"/>
-                </a:solidFill>
-                <a:latin typeface="Cabin"/>
-                <a:ea typeface="Cabin"/>
-                <a:cs typeface="Cabin"/>
-                <a:sym typeface="Cabin"/>
-              </a:rPr>
-              <a:t> </a:t>
-            </a:r>
-            <a:r>
-              <a:rPr lang="en-GB">
-                <a:solidFill>
-                  <a:schemeClr val="dk1"/>
-                </a:solidFill>
-                <a:latin typeface="Cabin"/>
-                <a:ea typeface="Cabin"/>
-                <a:cs typeface="Cabin"/>
-                <a:sym typeface="Cabin"/>
-              </a:rPr>
-              <a:t>X</a:t>
-            </a:r>
-            <a:r>
-              <a:rPr lang="en-GB" baseline="-25000">
-                <a:solidFill>
-                  <a:schemeClr val="dk1"/>
-                </a:solidFill>
-                <a:latin typeface="Cabin"/>
-                <a:ea typeface="Cabin"/>
-                <a:cs typeface="Cabin"/>
-                <a:sym typeface="Cabin"/>
-              </a:rPr>
-              <a:t>B</a:t>
-            </a:r>
-            <a:endParaRPr baseline="-25000">
-              <a:solidFill>
-                <a:schemeClr val="dk1"/>
-              </a:solidFill>
-              <a:latin typeface="Cabin"/>
-              <a:ea typeface="Cabin"/>
-              <a:cs typeface="Cabin"/>
-              <a:sym typeface="Cabin"/>
-            </a:endParaRPr>
-          </a:p>
-          <a:p>
-            <a:pPr marL="0" lvl="0" indent="457200" algn="l" rtl="0">
-              <a:lnSpc>
-                <a:spcPct val="115000"/>
-              </a:lnSpc>
-              <a:spcBef>
-                <a:spcPts val="0"/>
-              </a:spcBef>
-              <a:spcAft>
-                <a:spcPts val="0"/>
-              </a:spcAft>
-              <a:buNone/>
-            </a:pPr>
-            <a:endParaRPr baseline="-25000">
-              <a:solidFill>
-                <a:schemeClr val="dk1"/>
-              </a:solidFill>
-              <a:latin typeface="Cabin"/>
-              <a:ea typeface="Cabin"/>
-              <a:cs typeface="Cabin"/>
-              <a:sym typeface="Cabin"/>
-            </a:endParaRPr>
-          </a:p>
-          <a:p>
-            <a:pPr marL="0" lvl="0" indent="0" algn="l" rtl="0">
-              <a:lnSpc>
-                <a:spcPct val="115000"/>
-              </a:lnSpc>
-              <a:spcBef>
-                <a:spcPts val="0"/>
-              </a:spcBef>
-              <a:spcAft>
-                <a:spcPts val="0"/>
-              </a:spcAft>
-              <a:buNone/>
-            </a:pPr>
-            <a:r>
-              <a:rPr lang="en-GB">
-                <a:solidFill>
-                  <a:schemeClr val="dk1"/>
-                </a:solidFill>
-                <a:latin typeface="Cabin"/>
-                <a:ea typeface="Cabin"/>
-                <a:cs typeface="Cabin"/>
-                <a:sym typeface="Cabin"/>
-              </a:rPr>
-              <a:t>𝛽</a:t>
-            </a:r>
-            <a:r>
-              <a:rPr lang="en-GB" baseline="-25000">
-                <a:solidFill>
-                  <a:schemeClr val="dk1"/>
-                </a:solidFill>
-                <a:latin typeface="Cabin"/>
-                <a:ea typeface="Cabin"/>
-                <a:cs typeface="Cabin"/>
-                <a:sym typeface="Cabin"/>
-              </a:rPr>
-              <a:t>0</a:t>
-            </a:r>
-            <a:r>
-              <a:rPr lang="en-GB">
-                <a:solidFill>
-                  <a:schemeClr val="dk1"/>
-                </a:solidFill>
-                <a:latin typeface="Cabin"/>
-                <a:ea typeface="Cabin"/>
-                <a:cs typeface="Cabin"/>
-                <a:sym typeface="Cabin"/>
-              </a:rPr>
-              <a:t> = average of the reference group</a:t>
-            </a:r>
-            <a:endParaRPr>
-              <a:solidFill>
-                <a:schemeClr val="dk1"/>
-              </a:solidFill>
-              <a:latin typeface="Cabin"/>
-              <a:ea typeface="Cabin"/>
-              <a:cs typeface="Cabin"/>
-              <a:sym typeface="Cabin"/>
-            </a:endParaRPr>
-          </a:p>
-          <a:p>
-            <a:pPr marL="0" lvl="0" indent="0" algn="l" rtl="0">
-              <a:lnSpc>
-                <a:spcPct val="115000"/>
-              </a:lnSpc>
-              <a:spcBef>
-                <a:spcPts val="0"/>
-              </a:spcBef>
-              <a:spcAft>
-                <a:spcPts val="0"/>
-              </a:spcAft>
-              <a:buNone/>
-            </a:pPr>
-            <a:r>
-              <a:rPr lang="en-GB">
-                <a:solidFill>
-                  <a:schemeClr val="dk1"/>
-                </a:solidFill>
-                <a:latin typeface="Cabin"/>
-                <a:ea typeface="Cabin"/>
-                <a:cs typeface="Cabin"/>
-                <a:sym typeface="Cabin"/>
-              </a:rPr>
-              <a:t>𝛽</a:t>
-            </a:r>
-            <a:r>
-              <a:rPr lang="en-GB" baseline="-25000">
-                <a:solidFill>
-                  <a:schemeClr val="dk1"/>
-                </a:solidFill>
-                <a:latin typeface="Cabin"/>
-                <a:ea typeface="Cabin"/>
-                <a:cs typeface="Cabin"/>
-                <a:sym typeface="Cabin"/>
-              </a:rPr>
-              <a:t>1</a:t>
-            </a:r>
-            <a:r>
-              <a:rPr lang="en-GB">
-                <a:solidFill>
-                  <a:schemeClr val="dk1"/>
-                </a:solidFill>
-                <a:latin typeface="Cabin"/>
-                <a:ea typeface="Cabin"/>
-                <a:cs typeface="Cabin"/>
-                <a:sym typeface="Cabin"/>
-              </a:rPr>
-              <a:t> = difference to the reference group</a:t>
-            </a:r>
-            <a:endParaRPr>
-              <a:solidFill>
-                <a:schemeClr val="dk1"/>
-              </a:solidFill>
-              <a:latin typeface="Cabin"/>
-              <a:ea typeface="Cabin"/>
-              <a:cs typeface="Cabin"/>
-              <a:sym typeface="Cabin"/>
-            </a:endParaRPr>
-          </a:p>
-        </p:txBody>
-      </p:sp>
-      <p:pic>
-        <p:nvPicPr>
-          <p:cNvPr id="190" name="Google Shape;190;p24"/>
-          <p:cNvPicPr preferRelativeResize="0"/>
-          <p:nvPr/>
-        </p:nvPicPr>
-        <p:blipFill>
-          <a:blip r:embed="rId3">
-            <a:alphaModFix/>
-          </a:blip>
-          <a:stretch>
-            <a:fillRect/>
-          </a:stretch>
-        </p:blipFill>
-        <p:spPr>
-          <a:xfrm>
-            <a:off x="2969525" y="695100"/>
-            <a:ext cx="2497625" cy="1981100"/>
-          </a:xfrm>
-          <a:prstGeom prst="rect">
-            <a:avLst/>
-          </a:prstGeom>
-          <a:noFill/>
-          <a:ln>
-            <a:noFill/>
-          </a:ln>
-        </p:spPr>
-      </p:pic>
-      <p:sp>
-        <p:nvSpPr>
-          <p:cNvPr id="191" name="Google Shape;191;p24"/>
-          <p:cNvSpPr txBox="1"/>
-          <p:nvPr/>
-        </p:nvSpPr>
-        <p:spPr>
-          <a:xfrm>
-            <a:off x="3458350" y="1633725"/>
-            <a:ext cx="437700" cy="400200"/>
-          </a:xfrm>
-          <a:prstGeom prst="rect">
-            <a:avLst/>
-          </a:prstGeom>
-          <a:noFill/>
-          <a:ln>
-            <a:noFill/>
-          </a:ln>
-        </p:spPr>
-        <p:txBody>
-          <a:bodyPr spcFirstLastPara="1" wrap="square" lIns="91425" tIns="91425" rIns="91425" bIns="91425" anchor="t" anchorCtr="0">
-            <a:spAutoFit/>
-          </a:bodyPr>
-          <a:lstStyle/>
-          <a:p>
-            <a:pPr marL="0" lvl="0" indent="0" algn="l" rtl="0">
-              <a:lnSpc>
-                <a:spcPct val="115000"/>
-              </a:lnSpc>
-              <a:spcBef>
-                <a:spcPts val="0"/>
-              </a:spcBef>
-              <a:spcAft>
-                <a:spcPts val="0"/>
-              </a:spcAft>
-              <a:buNone/>
-            </a:pPr>
-            <a:r>
-              <a:rPr lang="en-GB">
-                <a:solidFill>
-                  <a:schemeClr val="dk1"/>
-                </a:solidFill>
-                <a:latin typeface="Cabin"/>
-                <a:ea typeface="Cabin"/>
-                <a:cs typeface="Cabin"/>
-                <a:sym typeface="Cabin"/>
-              </a:rPr>
-              <a:t>𝛽</a:t>
-            </a:r>
-            <a:r>
-              <a:rPr lang="en-GB" baseline="-25000">
-                <a:solidFill>
-                  <a:schemeClr val="dk1"/>
-                </a:solidFill>
-                <a:latin typeface="Cabin"/>
-                <a:ea typeface="Cabin"/>
-                <a:cs typeface="Cabin"/>
-                <a:sym typeface="Cabin"/>
-              </a:rPr>
-              <a:t>0</a:t>
-            </a:r>
-            <a:endParaRPr/>
-          </a:p>
-        </p:txBody>
-      </p:sp>
-      <p:cxnSp>
-        <p:nvCxnSpPr>
-          <p:cNvPr id="192" name="Google Shape;192;p24"/>
-          <p:cNvCxnSpPr/>
-          <p:nvPr/>
-        </p:nvCxnSpPr>
-        <p:spPr>
-          <a:xfrm>
-            <a:off x="3864700" y="1813525"/>
-            <a:ext cx="867600" cy="0"/>
-          </a:xfrm>
-          <a:prstGeom prst="straightConnector1">
-            <a:avLst/>
-          </a:prstGeom>
-          <a:noFill/>
-          <a:ln w="19050" cap="flat" cmpd="sng">
-            <a:solidFill>
-              <a:schemeClr val="dk1"/>
-            </a:solidFill>
-            <a:prstDash val="dash"/>
-            <a:round/>
-            <a:headEnd type="none" w="med" len="med"/>
-            <a:tailEnd type="none" w="med" len="med"/>
-          </a:ln>
-        </p:spPr>
-      </p:cxnSp>
-      <p:cxnSp>
-        <p:nvCxnSpPr>
-          <p:cNvPr id="193" name="Google Shape;193;p24"/>
-          <p:cNvCxnSpPr/>
-          <p:nvPr/>
-        </p:nvCxnSpPr>
-        <p:spPr>
-          <a:xfrm rot="10800000">
-            <a:off x="4728450" y="1235125"/>
-            <a:ext cx="0" cy="578400"/>
-          </a:xfrm>
-          <a:prstGeom prst="straightConnector1">
-            <a:avLst/>
-          </a:prstGeom>
-          <a:noFill/>
-          <a:ln w="9525" cap="flat" cmpd="sng">
-            <a:solidFill>
-              <a:schemeClr val="dk1"/>
-            </a:solidFill>
-            <a:prstDash val="solid"/>
-            <a:round/>
-            <a:headEnd type="none" w="med" len="med"/>
-            <a:tailEnd type="stealth" w="med" len="med"/>
-          </a:ln>
-        </p:spPr>
-      </p:cxnSp>
-      <p:sp>
-        <p:nvSpPr>
-          <p:cNvPr id="194" name="Google Shape;194;p24"/>
-          <p:cNvSpPr txBox="1"/>
-          <p:nvPr/>
-        </p:nvSpPr>
-        <p:spPr>
-          <a:xfrm>
-            <a:off x="4433450" y="1299300"/>
-            <a:ext cx="437700" cy="400200"/>
-          </a:xfrm>
-          <a:prstGeom prst="rect">
-            <a:avLst/>
-          </a:prstGeom>
-          <a:noFill/>
-          <a:ln>
-            <a:noFill/>
-          </a:ln>
-        </p:spPr>
-        <p:txBody>
-          <a:bodyPr spcFirstLastPara="1" wrap="square" lIns="91425" tIns="91425" rIns="91425" bIns="91425" anchor="t" anchorCtr="0">
-            <a:spAutoFit/>
-          </a:bodyPr>
-          <a:lstStyle/>
-          <a:p>
-            <a:pPr marL="0" lvl="0" indent="0" algn="l" rtl="0">
-              <a:lnSpc>
-                <a:spcPct val="115000"/>
-              </a:lnSpc>
-              <a:spcBef>
-                <a:spcPts val="0"/>
-              </a:spcBef>
-              <a:spcAft>
-                <a:spcPts val="0"/>
-              </a:spcAft>
-              <a:buNone/>
-            </a:pPr>
-            <a:r>
-              <a:rPr lang="en-GB">
-                <a:solidFill>
-                  <a:schemeClr val="dk1"/>
-                </a:solidFill>
-                <a:latin typeface="Cabin"/>
-                <a:ea typeface="Cabin"/>
-                <a:cs typeface="Cabin"/>
-                <a:sym typeface="Cabin"/>
-              </a:rPr>
-              <a:t>𝛽</a:t>
-            </a:r>
-            <a:r>
-              <a:rPr lang="en-GB" baseline="-25000">
-                <a:solidFill>
-                  <a:schemeClr val="dk1"/>
-                </a:solidFill>
-                <a:latin typeface="Cabin"/>
-                <a:ea typeface="Cabin"/>
-                <a:cs typeface="Cabin"/>
-                <a:sym typeface="Cabin"/>
-              </a:rPr>
-              <a:t>1</a:t>
-            </a:r>
-            <a:endParaRPr/>
-          </a:p>
-        </p:txBody>
-      </p:sp>
-      <p:sp>
-        <p:nvSpPr>
-          <p:cNvPr id="195" name="Google Shape;195;p24"/>
-          <p:cNvSpPr txBox="1"/>
-          <p:nvPr/>
-        </p:nvSpPr>
-        <p:spPr>
-          <a:xfrm>
-            <a:off x="410525" y="2776950"/>
-            <a:ext cx="6542700" cy="923400"/>
-          </a:xfrm>
-          <a:prstGeom prst="rect">
-            <a:avLst/>
-          </a:prstGeom>
-          <a:noFill/>
-          <a:ln>
-            <a:noFill/>
-          </a:ln>
-        </p:spPr>
-        <p:txBody>
-          <a:bodyPr spcFirstLastPara="1" wrap="square" lIns="91425" tIns="91425" rIns="91425" bIns="91425" anchor="t" anchorCtr="0">
-            <a:spAutoFit/>
-          </a:bodyPr>
-          <a:lstStyle/>
-          <a:p>
-            <a:pPr marL="0" lvl="0" indent="0" algn="l" rtl="0">
-              <a:spcBef>
-                <a:spcPts val="0"/>
-              </a:spcBef>
-              <a:spcAft>
-                <a:spcPts val="0"/>
-              </a:spcAft>
-              <a:buNone/>
-            </a:pPr>
-            <a:r>
-              <a:rPr lang="en-GB" sz="1600">
-                <a:latin typeface="Cabin"/>
-                <a:ea typeface="Cabin"/>
-                <a:cs typeface="Cabin"/>
-                <a:sym typeface="Cabin"/>
-              </a:rPr>
-              <a:t>Formula syntax in R:</a:t>
-            </a:r>
-            <a:endParaRPr sz="1600">
-              <a:latin typeface="Cabin"/>
-              <a:ea typeface="Cabin"/>
-              <a:cs typeface="Cabin"/>
-              <a:sym typeface="Cabin"/>
-            </a:endParaRPr>
-          </a:p>
-          <a:p>
-            <a:pPr marL="0" lvl="0" indent="0" algn="l" rtl="0">
-              <a:spcBef>
-                <a:spcPts val="0"/>
-              </a:spcBef>
-              <a:spcAft>
-                <a:spcPts val="0"/>
-              </a:spcAft>
-              <a:buNone/>
-            </a:pPr>
-            <a:endParaRPr sz="1600">
-              <a:latin typeface="Cabin"/>
-              <a:ea typeface="Cabin"/>
-              <a:cs typeface="Cabin"/>
-              <a:sym typeface="Cabin"/>
-            </a:endParaRPr>
-          </a:p>
-          <a:p>
-            <a:pPr marL="1371600" lvl="0" indent="0" algn="l" rtl="0">
-              <a:spcBef>
-                <a:spcPts val="0"/>
-              </a:spcBef>
-              <a:spcAft>
-                <a:spcPts val="0"/>
-              </a:spcAft>
-              <a:buNone/>
-            </a:pPr>
-            <a:r>
-              <a:rPr lang="en-GB" sz="1600">
-                <a:latin typeface="Cabin"/>
-                <a:ea typeface="Cabin"/>
-                <a:cs typeface="Cabin"/>
-                <a:sym typeface="Cabin"/>
-              </a:rPr>
-              <a:t>outcome </a:t>
-            </a:r>
-            <a:r>
-              <a:rPr lang="en-GB" sz="1600" b="1">
-                <a:latin typeface="Cabin"/>
-                <a:ea typeface="Cabin"/>
-                <a:cs typeface="Cabin"/>
-                <a:sym typeface="Cabin"/>
-              </a:rPr>
-              <a:t>~</a:t>
-            </a:r>
-            <a:r>
-              <a:rPr lang="en-GB" sz="1600">
-                <a:latin typeface="Cabin"/>
-                <a:ea typeface="Cabin"/>
-                <a:cs typeface="Cabin"/>
-                <a:sym typeface="Cabin"/>
-              </a:rPr>
-              <a:t> predictors</a:t>
-            </a:r>
-            <a:endParaRPr sz="1600">
-              <a:latin typeface="Cabin"/>
-              <a:ea typeface="Cabin"/>
-              <a:cs typeface="Cabin"/>
-              <a:sym typeface="Cabin"/>
-            </a:endParaRPr>
           </a:p>
         </p:txBody>
       </p:sp>
